--- a/Rapport/presentation.pptx
+++ b/Rapport/presentation.pptx
@@ -5,17 +5,21 @@
     <p:sldMasterId id="2147483648" r:id="rId1"/>
   </p:sldMasterIdLst>
   <p:notesMasterIdLst>
-    <p:notesMasterId r:id="rId10"/>
+    <p:notesMasterId r:id="rId14"/>
   </p:notesMasterIdLst>
   <p:sldIdLst>
     <p:sldId id="256" r:id="rId2"/>
     <p:sldId id="257" r:id="rId3"/>
-    <p:sldId id="258" r:id="rId4"/>
-    <p:sldId id="259" r:id="rId5"/>
-    <p:sldId id="261" r:id="rId6"/>
-    <p:sldId id="262" r:id="rId7"/>
-    <p:sldId id="263" r:id="rId8"/>
-    <p:sldId id="264" r:id="rId9"/>
+    <p:sldId id="268" r:id="rId4"/>
+    <p:sldId id="258" r:id="rId5"/>
+    <p:sldId id="259" r:id="rId6"/>
+    <p:sldId id="265" r:id="rId7"/>
+    <p:sldId id="266" r:id="rId8"/>
+    <p:sldId id="267" r:id="rId9"/>
+    <p:sldId id="261" r:id="rId10"/>
+    <p:sldId id="262" r:id="rId11"/>
+    <p:sldId id="263" r:id="rId12"/>
+    <p:sldId id="264" r:id="rId13"/>
   </p:sldIdLst>
   <p:sldSz cx="12192000" cy="6858000"/>
   <p:notesSz cx="6858000" cy="9144000"/>
@@ -204,7 +208,7 @@
           <a:p>
             <a:fld id="{30FBC781-0232-3B42-BC97-9DB9140D3C48}" type="datetimeFigureOut">
               <a:rPr lang="fr-FR" smtClean="0"/>
-              <a:t>15/09/2016</a:t>
+              <a:t>16/09/2016</a:t>
             </a:fld>
             <a:endParaRPr lang="fr-FR"/>
           </a:p>
@@ -268,38 +272,37 @@
           <a:p>
             <a:pPr lvl="0"/>
             <a:r>
-              <a:rPr lang="fr-FR" smtClean="0"/>
+              <a:rPr lang="fr-FR"/>
               <a:t>Cliquez pour modifier les styles du texte du masque</a:t>
             </a:r>
           </a:p>
           <a:p>
             <a:pPr lvl="1"/>
             <a:r>
-              <a:rPr lang="fr-FR" smtClean="0"/>
+              <a:rPr lang="fr-FR"/>
               <a:t>Deuxième niveau</a:t>
             </a:r>
           </a:p>
           <a:p>
             <a:pPr lvl="2"/>
             <a:r>
-              <a:rPr lang="fr-FR" smtClean="0"/>
+              <a:rPr lang="fr-FR"/>
               <a:t>Troisième niveau</a:t>
             </a:r>
           </a:p>
           <a:p>
             <a:pPr lvl="3"/>
             <a:r>
-              <a:rPr lang="fr-FR" smtClean="0"/>
+              <a:rPr lang="fr-FR"/>
               <a:t>Quatrième niveau</a:t>
             </a:r>
           </a:p>
           <a:p>
             <a:pPr lvl="4"/>
             <a:r>
-              <a:rPr lang="fr-FR" smtClean="0"/>
+              <a:rPr lang="fr-FR"/>
               <a:t>Cinquième niveau</a:t>
             </a:r>
-            <a:endParaRPr lang="fr-FR"/>
           </a:p>
         </p:txBody>
       </p:sp>
@@ -363,7 +366,7 @@
           <a:p>
             <a:fld id="{7248C635-CC41-BB41-A4C2-89E81FD4C5D2}" type="slidenum">
               <a:rPr lang="fr-FR" smtClean="0"/>
-              <a:t>‹#›</a:t>
+              <a:t>‹N°›</a:t>
             </a:fld>
             <a:endParaRPr lang="fr-FR"/>
           </a:p>
@@ -537,7 +540,7 @@
           <a:p>
             <a:fld id="{7248C635-CC41-BB41-A4C2-89E81FD4C5D2}" type="slidenum">
               <a:rPr lang="fr-FR" smtClean="0"/>
-              <a:t>6</a:t>
+              <a:t>10</a:t>
             </a:fld>
             <a:endParaRPr lang="fr-FR"/>
           </a:p>
@@ -621,7 +624,7 @@
           <a:p>
             <a:fld id="{7248C635-CC41-BB41-A4C2-89E81FD4C5D2}" type="slidenum">
               <a:rPr lang="fr-FR" smtClean="0"/>
-              <a:t>7</a:t>
+              <a:t>11</a:t>
             </a:fld>
             <a:endParaRPr lang="fr-FR"/>
           </a:p>
@@ -690,7 +693,7 @@
           <a:noFill/>
           <a:extLst>
             <a:ext uri="{909E8E84-426E-40dd-AFC4-6F175D3DCCD1}">
-              <a14:hiddenFill xmlns="" xmlns:a14="http://schemas.microsoft.com/office/drawing/2010/main">
+              <a14:hiddenFill xmlns:a14="http://schemas.microsoft.com/office/drawing/2010/main" xmlns="">
                 <a:solidFill>
                   <a:srgbClr val="FFFFFF"/>
                 </a:solidFill>
@@ -750,7 +753,7 @@
             </a:ln>
             <a:extLst>
               <a:ext uri="{91240B29-F687-4f45-9708-019B960494DF}">
-                <a14:hiddenLine xmlns="" xmlns:a14="http://schemas.microsoft.com/office/drawing/2010/main" w="9525">
+                <a14:hiddenLine xmlns:a14="http://schemas.microsoft.com/office/drawing/2010/main" xmlns="" w="9525">
                   <a:solidFill>
                     <a:srgbClr val="000000"/>
                   </a:solidFill>
@@ -840,7 +843,7 @@
             </a:ln>
             <a:extLst>
               <a:ext uri="{91240B29-F687-4f45-9708-019B960494DF}">
-                <a14:hiddenLine xmlns="" xmlns:a14="http://schemas.microsoft.com/office/drawing/2010/main" w="9525">
+                <a14:hiddenLine xmlns:a14="http://schemas.microsoft.com/office/drawing/2010/main" xmlns="" w="9525">
                   <a:solidFill>
                     <a:srgbClr val="000000"/>
                   </a:solidFill>
@@ -930,7 +933,7 @@
             </a:ln>
             <a:extLst>
               <a:ext uri="{91240B29-F687-4f45-9708-019B960494DF}">
-                <a14:hiddenLine xmlns="" xmlns:a14="http://schemas.microsoft.com/office/drawing/2010/main" w="9525">
+                <a14:hiddenLine xmlns:a14="http://schemas.microsoft.com/office/drawing/2010/main" xmlns="" w="9525">
                   <a:solidFill>
                     <a:srgbClr val="000000"/>
                   </a:solidFill>
@@ -964,7 +967,7 @@
             </a:ln>
             <a:extLst>
               <a:ext uri="{91240B29-F687-4f45-9708-019B960494DF}">
-                <a14:hiddenLine xmlns="" xmlns:a14="http://schemas.microsoft.com/office/drawing/2010/main" w="9525">
+                <a14:hiddenLine xmlns:a14="http://schemas.microsoft.com/office/drawing/2010/main" xmlns="" w="9525">
                   <a:solidFill>
                     <a:srgbClr val="000000"/>
                   </a:solidFill>
@@ -1054,7 +1057,7 @@
             </a:ln>
             <a:extLst>
               <a:ext uri="{91240B29-F687-4f45-9708-019B960494DF}">
-                <a14:hiddenLine xmlns="" xmlns:a14="http://schemas.microsoft.com/office/drawing/2010/main" w="9525">
+                <a14:hiddenLine xmlns:a14="http://schemas.microsoft.com/office/drawing/2010/main" xmlns="" w="9525">
                   <a:solidFill>
                     <a:srgbClr val="000000"/>
                   </a:solidFill>
@@ -1116,7 +1119,7 @@
             </a:ln>
             <a:extLst>
               <a:ext uri="{91240B29-F687-4f45-9708-019B960494DF}">
-                <a14:hiddenLine xmlns="" xmlns:a14="http://schemas.microsoft.com/office/drawing/2010/main" w="9525">
+                <a14:hiddenLine xmlns:a14="http://schemas.microsoft.com/office/drawing/2010/main" xmlns="" w="9525">
                   <a:solidFill>
                     <a:srgbClr val="000000"/>
                   </a:solidFill>
@@ -1178,7 +1181,7 @@
             </a:ln>
             <a:extLst>
               <a:ext uri="{91240B29-F687-4f45-9708-019B960494DF}">
-                <a14:hiddenLine xmlns="" xmlns:a14="http://schemas.microsoft.com/office/drawing/2010/main" w="9525">
+                <a14:hiddenLine xmlns:a14="http://schemas.microsoft.com/office/drawing/2010/main" xmlns="" w="9525">
                   <a:solidFill>
                     <a:srgbClr val="000000"/>
                   </a:solidFill>
@@ -1268,7 +1271,7 @@
             </a:ln>
             <a:extLst>
               <a:ext uri="{91240B29-F687-4f45-9708-019B960494DF}">
-                <a14:hiddenLine xmlns="" xmlns:a14="http://schemas.microsoft.com/office/drawing/2010/main" w="9525">
+                <a14:hiddenLine xmlns:a14="http://schemas.microsoft.com/office/drawing/2010/main" xmlns="" w="9525">
                   <a:solidFill>
                     <a:srgbClr val="000000"/>
                   </a:solidFill>
@@ -1330,7 +1333,7 @@
             </a:ln>
             <a:extLst>
               <a:ext uri="{91240B29-F687-4f45-9708-019B960494DF}">
-                <a14:hiddenLine xmlns="" xmlns:a14="http://schemas.microsoft.com/office/drawing/2010/main" w="9525">
+                <a14:hiddenLine xmlns:a14="http://schemas.microsoft.com/office/drawing/2010/main" xmlns="" w="9525">
                   <a:solidFill>
                     <a:srgbClr val="000000"/>
                   </a:solidFill>
@@ -1392,7 +1395,7 @@
             </a:ln>
             <a:extLst>
               <a:ext uri="{91240B29-F687-4f45-9708-019B960494DF}">
-                <a14:hiddenLine xmlns="" xmlns:a14="http://schemas.microsoft.com/office/drawing/2010/main" w="9525">
+                <a14:hiddenLine xmlns:a14="http://schemas.microsoft.com/office/drawing/2010/main" xmlns="" w="9525">
                   <a:solidFill>
                     <a:srgbClr val="000000"/>
                   </a:solidFill>
@@ -1482,7 +1485,7 @@
             </a:ln>
             <a:extLst>
               <a:ext uri="{91240B29-F687-4f45-9708-019B960494DF}">
-                <a14:hiddenLine xmlns="" xmlns:a14="http://schemas.microsoft.com/office/drawing/2010/main" w="9525">
+                <a14:hiddenLine xmlns:a14="http://schemas.microsoft.com/office/drawing/2010/main" xmlns="" w="9525">
                   <a:solidFill>
                     <a:srgbClr val="000000"/>
                   </a:solidFill>
@@ -1572,7 +1575,7 @@
             </a:ln>
             <a:extLst>
               <a:ext uri="{91240B29-F687-4f45-9708-019B960494DF}">
-                <a14:hiddenLine xmlns="" xmlns:a14="http://schemas.microsoft.com/office/drawing/2010/main" w="9525">
+                <a14:hiddenLine xmlns:a14="http://schemas.microsoft.com/office/drawing/2010/main" xmlns="" w="9525">
                   <a:solidFill>
                     <a:srgbClr val="000000"/>
                   </a:solidFill>
@@ -1634,7 +1637,7 @@
             </a:ln>
             <a:extLst>
               <a:ext uri="{91240B29-F687-4f45-9708-019B960494DF}">
-                <a14:hiddenLine xmlns="" xmlns:a14="http://schemas.microsoft.com/office/drawing/2010/main" w="9525">
+                <a14:hiddenLine xmlns:a14="http://schemas.microsoft.com/office/drawing/2010/main" xmlns="" w="9525">
                   <a:solidFill>
                     <a:srgbClr val="000000"/>
                   </a:solidFill>
@@ -1744,7 +1747,7 @@
             </a:ln>
             <a:extLst>
               <a:ext uri="{91240B29-F687-4f45-9708-019B960494DF}">
-                <a14:hiddenLine xmlns="" xmlns:a14="http://schemas.microsoft.com/office/drawing/2010/main" w="9525">
+                <a14:hiddenLine xmlns:a14="http://schemas.microsoft.com/office/drawing/2010/main" xmlns="" w="9525">
                   <a:solidFill>
                     <a:srgbClr val="000000"/>
                   </a:solidFill>
@@ -1806,7 +1809,7 @@
             </a:ln>
             <a:extLst>
               <a:ext uri="{91240B29-F687-4f45-9708-019B960494DF}">
-                <a14:hiddenLine xmlns="" xmlns:a14="http://schemas.microsoft.com/office/drawing/2010/main" w="9525">
+                <a14:hiddenLine xmlns:a14="http://schemas.microsoft.com/office/drawing/2010/main" xmlns="" w="9525">
                   <a:solidFill>
                     <a:srgbClr val="000000"/>
                   </a:solidFill>
@@ -1896,7 +1899,7 @@
             </a:ln>
             <a:extLst>
               <a:ext uri="{91240B29-F687-4f45-9708-019B960494DF}">
-                <a14:hiddenLine xmlns="" xmlns:a14="http://schemas.microsoft.com/office/drawing/2010/main" w="9525">
+                <a14:hiddenLine xmlns:a14="http://schemas.microsoft.com/office/drawing/2010/main" xmlns="" w="9525">
                   <a:solidFill>
                     <a:srgbClr val="000000"/>
                   </a:solidFill>
@@ -1986,7 +1989,7 @@
             </a:ln>
             <a:extLst>
               <a:ext uri="{91240B29-F687-4f45-9708-019B960494DF}">
-                <a14:hiddenLine xmlns="" xmlns:a14="http://schemas.microsoft.com/office/drawing/2010/main" w="9525">
+                <a14:hiddenLine xmlns:a14="http://schemas.microsoft.com/office/drawing/2010/main" xmlns="" w="9525">
                   <a:solidFill>
                     <a:srgbClr val="000000"/>
                   </a:solidFill>
@@ -2048,7 +2051,7 @@
             </a:ln>
             <a:extLst>
               <a:ext uri="{91240B29-F687-4f45-9708-019B960494DF}">
-                <a14:hiddenLine xmlns="" xmlns:a14="http://schemas.microsoft.com/office/drawing/2010/main" w="9525">
+                <a14:hiddenLine xmlns:a14="http://schemas.microsoft.com/office/drawing/2010/main" xmlns="" w="9525">
                   <a:solidFill>
                     <a:srgbClr val="000000"/>
                   </a:solidFill>
@@ -2138,7 +2141,7 @@
             </a:ln>
             <a:extLst>
               <a:ext uri="{91240B29-F687-4f45-9708-019B960494DF}">
-                <a14:hiddenLine xmlns="" xmlns:a14="http://schemas.microsoft.com/office/drawing/2010/main" w="9525">
+                <a14:hiddenLine xmlns:a14="http://schemas.microsoft.com/office/drawing/2010/main" xmlns="" w="9525">
                   <a:solidFill>
                     <a:srgbClr val="000000"/>
                   </a:solidFill>
@@ -2228,7 +2231,7 @@
             </a:ln>
             <a:extLst>
               <a:ext uri="{91240B29-F687-4f45-9708-019B960494DF}">
-                <a14:hiddenLine xmlns="" xmlns:a14="http://schemas.microsoft.com/office/drawing/2010/main" w="9525">
+                <a14:hiddenLine xmlns:a14="http://schemas.microsoft.com/office/drawing/2010/main" xmlns="" w="9525">
                   <a:solidFill>
                     <a:srgbClr val="000000"/>
                   </a:solidFill>
@@ -2284,7 +2287,7 @@
             </a:ln>
             <a:extLst>
               <a:ext uri="{91240B29-F687-4f45-9708-019B960494DF}">
-                <a14:hiddenLine xmlns="" xmlns:a14="http://schemas.microsoft.com/office/drawing/2010/main" w="9525">
+                <a14:hiddenLine xmlns:a14="http://schemas.microsoft.com/office/drawing/2010/main" xmlns="" w="9525">
                   <a:solidFill>
                     <a:srgbClr val="000000"/>
                   </a:solidFill>
@@ -2374,7 +2377,7 @@
             </a:ln>
             <a:extLst>
               <a:ext uri="{91240B29-F687-4f45-9708-019B960494DF}">
-                <a14:hiddenLine xmlns="" xmlns:a14="http://schemas.microsoft.com/office/drawing/2010/main" w="9525">
+                <a14:hiddenLine xmlns:a14="http://schemas.microsoft.com/office/drawing/2010/main" xmlns="" w="9525">
                   <a:solidFill>
                     <a:srgbClr val="000000"/>
                   </a:solidFill>
@@ -2430,7 +2433,7 @@
             </a:ln>
             <a:extLst>
               <a:ext uri="{91240B29-F687-4f45-9708-019B960494DF}">
-                <a14:hiddenLine xmlns="" xmlns:a14="http://schemas.microsoft.com/office/drawing/2010/main" w="9525">
+                <a14:hiddenLine xmlns:a14="http://schemas.microsoft.com/office/drawing/2010/main" xmlns="" w="9525">
                   <a:solidFill>
                     <a:srgbClr val="000000"/>
                   </a:solidFill>
@@ -2520,7 +2523,7 @@
             </a:ln>
             <a:extLst>
               <a:ext uri="{91240B29-F687-4f45-9708-019B960494DF}">
-                <a14:hiddenLine xmlns="" xmlns:a14="http://schemas.microsoft.com/office/drawing/2010/main" w="9525">
+                <a14:hiddenLine xmlns:a14="http://schemas.microsoft.com/office/drawing/2010/main" xmlns="" w="9525">
                   <a:solidFill>
                     <a:srgbClr val="000000"/>
                   </a:solidFill>
@@ -2588,7 +2591,7 @@
             </a:ln>
             <a:extLst>
               <a:ext uri="{91240B29-F687-4f45-9708-019B960494DF}">
-                <a14:hiddenLine xmlns="" xmlns:a14="http://schemas.microsoft.com/office/drawing/2010/main" w="9525">
+                <a14:hiddenLine xmlns:a14="http://schemas.microsoft.com/office/drawing/2010/main" xmlns="" w="9525">
                   <a:solidFill>
                     <a:srgbClr val="000000"/>
                   </a:solidFill>
@@ -2678,7 +2681,7 @@
             </a:ln>
             <a:extLst>
               <a:ext uri="{91240B29-F687-4f45-9708-019B960494DF}">
-                <a14:hiddenLine xmlns="" xmlns:a14="http://schemas.microsoft.com/office/drawing/2010/main" w="9525">
+                <a14:hiddenLine xmlns:a14="http://schemas.microsoft.com/office/drawing/2010/main" xmlns="" w="9525">
                   <a:solidFill>
                     <a:srgbClr val="000000"/>
                   </a:solidFill>
@@ -2746,7 +2749,7 @@
             </a:ln>
             <a:extLst>
               <a:ext uri="{91240B29-F687-4f45-9708-019B960494DF}">
-                <a14:hiddenLine xmlns="" xmlns:a14="http://schemas.microsoft.com/office/drawing/2010/main" w="9525">
+                <a14:hiddenLine xmlns:a14="http://schemas.microsoft.com/office/drawing/2010/main" xmlns="" w="9525">
                   <a:solidFill>
                     <a:srgbClr val="000000"/>
                   </a:solidFill>
@@ -2836,7 +2839,7 @@
             </a:ln>
             <a:extLst>
               <a:ext uri="{91240B29-F687-4f45-9708-019B960494DF}">
-                <a14:hiddenLine xmlns="" xmlns:a14="http://schemas.microsoft.com/office/drawing/2010/main" w="9525">
+                <a14:hiddenLine xmlns:a14="http://schemas.microsoft.com/office/drawing/2010/main" xmlns="" w="9525">
                   <a:solidFill>
                     <a:srgbClr val="000000"/>
                   </a:solidFill>
@@ -2870,7 +2873,7 @@
             </a:ln>
             <a:extLst>
               <a:ext uri="{91240B29-F687-4f45-9708-019B960494DF}">
-                <a14:hiddenLine xmlns="" xmlns:a14="http://schemas.microsoft.com/office/drawing/2010/main" w="9525">
+                <a14:hiddenLine xmlns:a14="http://schemas.microsoft.com/office/drawing/2010/main" xmlns="" w="9525">
                   <a:solidFill>
                     <a:srgbClr val="000000"/>
                   </a:solidFill>
@@ -2960,7 +2963,7 @@
             </a:ln>
             <a:extLst>
               <a:ext uri="{91240B29-F687-4f45-9708-019B960494DF}">
-                <a14:hiddenLine xmlns="" xmlns:a14="http://schemas.microsoft.com/office/drawing/2010/main" w="9525">
+                <a14:hiddenLine xmlns:a14="http://schemas.microsoft.com/office/drawing/2010/main" xmlns="" w="9525">
                   <a:solidFill>
                     <a:srgbClr val="000000"/>
                   </a:solidFill>
@@ -3022,7 +3025,7 @@
             </a:ln>
             <a:extLst>
               <a:ext uri="{91240B29-F687-4f45-9708-019B960494DF}">
-                <a14:hiddenLine xmlns="" xmlns:a14="http://schemas.microsoft.com/office/drawing/2010/main" w="9525">
+                <a14:hiddenLine xmlns:a14="http://schemas.microsoft.com/office/drawing/2010/main" xmlns="" w="9525">
                   <a:solidFill>
                     <a:srgbClr val="000000"/>
                   </a:solidFill>
@@ -3084,7 +3087,7 @@
             </a:ln>
             <a:extLst>
               <a:ext uri="{91240B29-F687-4f45-9708-019B960494DF}">
-                <a14:hiddenLine xmlns="" xmlns:a14="http://schemas.microsoft.com/office/drawing/2010/main" w="9525">
+                <a14:hiddenLine xmlns:a14="http://schemas.microsoft.com/office/drawing/2010/main" xmlns="" w="9525">
                   <a:solidFill>
                     <a:srgbClr val="000000"/>
                   </a:solidFill>
@@ -3174,7 +3177,7 @@
             </a:ln>
             <a:extLst>
               <a:ext uri="{91240B29-F687-4f45-9708-019B960494DF}">
-                <a14:hiddenLine xmlns="" xmlns:a14="http://schemas.microsoft.com/office/drawing/2010/main" w="9525">
+                <a14:hiddenLine xmlns:a14="http://schemas.microsoft.com/office/drawing/2010/main" xmlns="" w="9525">
                   <a:solidFill>
                     <a:srgbClr val="000000"/>
                   </a:solidFill>
@@ -3242,7 +3245,7 @@
             </a:ln>
             <a:extLst>
               <a:ext uri="{91240B29-F687-4f45-9708-019B960494DF}">
-                <a14:hiddenLine xmlns="" xmlns:a14="http://schemas.microsoft.com/office/drawing/2010/main" w="9525">
+                <a14:hiddenLine xmlns:a14="http://schemas.microsoft.com/office/drawing/2010/main" xmlns="" w="9525">
                   <a:solidFill>
                     <a:srgbClr val="000000"/>
                   </a:solidFill>
@@ -3304,7 +3307,7 @@
             </a:ln>
             <a:extLst>
               <a:ext uri="{91240B29-F687-4f45-9708-019B960494DF}">
-                <a14:hiddenLine xmlns="" xmlns:a14="http://schemas.microsoft.com/office/drawing/2010/main" w="9525">
+                <a14:hiddenLine xmlns:a14="http://schemas.microsoft.com/office/drawing/2010/main" xmlns="" w="9525">
                   <a:solidFill>
                     <a:srgbClr val="000000"/>
                   </a:solidFill>
@@ -3394,7 +3397,7 @@
             </a:ln>
             <a:extLst>
               <a:ext uri="{91240B29-F687-4f45-9708-019B960494DF}">
-                <a14:hiddenLine xmlns="" xmlns:a14="http://schemas.microsoft.com/office/drawing/2010/main" w="9525">
+                <a14:hiddenLine xmlns:a14="http://schemas.microsoft.com/office/drawing/2010/main" xmlns="" w="9525">
                   <a:solidFill>
                     <a:srgbClr val="000000"/>
                   </a:solidFill>
@@ -3456,7 +3459,7 @@
             </a:ln>
             <a:extLst>
               <a:ext uri="{91240B29-F687-4f45-9708-019B960494DF}">
-                <a14:hiddenLine xmlns="" xmlns:a14="http://schemas.microsoft.com/office/drawing/2010/main" w="9525">
+                <a14:hiddenLine xmlns:a14="http://schemas.microsoft.com/office/drawing/2010/main" xmlns="" w="9525">
                   <a:solidFill>
                     <a:srgbClr val="000000"/>
                   </a:solidFill>
@@ -3546,7 +3549,7 @@
             </a:ln>
             <a:extLst>
               <a:ext uri="{91240B29-F687-4f45-9708-019B960494DF}">
-                <a14:hiddenLine xmlns="" xmlns:a14="http://schemas.microsoft.com/office/drawing/2010/main" w="9525">
+                <a14:hiddenLine xmlns:a14="http://schemas.microsoft.com/office/drawing/2010/main" xmlns="" w="9525">
                   <a:solidFill>
                     <a:srgbClr val="000000"/>
                   </a:solidFill>
@@ -3608,7 +3611,7 @@
             </a:ln>
             <a:extLst>
               <a:ext uri="{91240B29-F687-4f45-9708-019B960494DF}">
-                <a14:hiddenLine xmlns="" xmlns:a14="http://schemas.microsoft.com/office/drawing/2010/main" w="9525">
+                <a14:hiddenLine xmlns:a14="http://schemas.microsoft.com/office/drawing/2010/main" xmlns="" w="9525">
                   <a:solidFill>
                     <a:srgbClr val="000000"/>
                   </a:solidFill>
@@ -3698,7 +3701,7 @@
             </a:ln>
             <a:extLst>
               <a:ext uri="{91240B29-F687-4f45-9708-019B960494DF}">
-                <a14:hiddenLine xmlns="" xmlns:a14="http://schemas.microsoft.com/office/drawing/2010/main" w="9525">
+                <a14:hiddenLine xmlns:a14="http://schemas.microsoft.com/office/drawing/2010/main" xmlns="" w="9525">
                   <a:solidFill>
                     <a:srgbClr val="000000"/>
                   </a:solidFill>
@@ -3732,7 +3735,7 @@
             </a:ln>
             <a:extLst>
               <a:ext uri="{91240B29-F687-4f45-9708-019B960494DF}">
-                <a14:hiddenLine xmlns="" xmlns:a14="http://schemas.microsoft.com/office/drawing/2010/main" w="9525">
+                <a14:hiddenLine xmlns:a14="http://schemas.microsoft.com/office/drawing/2010/main" xmlns="" w="9525">
                   <a:solidFill>
                     <a:srgbClr val="000000"/>
                   </a:solidFill>
@@ -3797,7 +3800,7 @@
             </a:ln>
             <a:extLst>
               <a:ext uri="{91240B29-F687-4f45-9708-019B960494DF}">
-                <a14:hiddenLine xmlns="" xmlns:a14="http://schemas.microsoft.com/office/drawing/2010/main" w="9525">
+                <a14:hiddenLine xmlns:a14="http://schemas.microsoft.com/office/drawing/2010/main" xmlns="" w="9525">
                   <a:solidFill>
                     <a:srgbClr val="000000"/>
                   </a:solidFill>
@@ -3887,7 +3890,7 @@
             </a:ln>
             <a:extLst>
               <a:ext uri="{91240B29-F687-4f45-9708-019B960494DF}">
-                <a14:hiddenLine xmlns="" xmlns:a14="http://schemas.microsoft.com/office/drawing/2010/main" w="9525">
+                <a14:hiddenLine xmlns:a14="http://schemas.microsoft.com/office/drawing/2010/main" xmlns="" w="9525">
                   <a:solidFill>
                     <a:srgbClr val="000000"/>
                   </a:solidFill>
@@ -3949,7 +3952,7 @@
             </a:ln>
             <a:extLst>
               <a:ext uri="{91240B29-F687-4f45-9708-019B960494DF}">
-                <a14:hiddenLine xmlns="" xmlns:a14="http://schemas.microsoft.com/office/drawing/2010/main" w="9525">
+                <a14:hiddenLine xmlns:a14="http://schemas.microsoft.com/office/drawing/2010/main" xmlns="" w="9525">
                   <a:solidFill>
                     <a:srgbClr val="000000"/>
                   </a:solidFill>
@@ -4039,7 +4042,7 @@
             </a:ln>
             <a:extLst>
               <a:ext uri="{91240B29-F687-4f45-9708-019B960494DF}">
-                <a14:hiddenLine xmlns="" xmlns:a14="http://schemas.microsoft.com/office/drawing/2010/main" w="9525">
+                <a14:hiddenLine xmlns:a14="http://schemas.microsoft.com/office/drawing/2010/main" xmlns="" w="9525">
                   <a:solidFill>
                     <a:srgbClr val="000000"/>
                   </a:solidFill>
@@ -4129,7 +4132,7 @@
             </a:ln>
             <a:extLst>
               <a:ext uri="{91240B29-F687-4f45-9708-019B960494DF}">
-                <a14:hiddenLine xmlns="" xmlns:a14="http://schemas.microsoft.com/office/drawing/2010/main" w="9525">
+                <a14:hiddenLine xmlns:a14="http://schemas.microsoft.com/office/drawing/2010/main" xmlns="" w="9525">
                   <a:solidFill>
                     <a:srgbClr val="000000"/>
                   </a:solidFill>
@@ -4194,7 +4197,7 @@
             </a:ln>
             <a:extLst>
               <a:ext uri="{91240B29-F687-4f45-9708-019B960494DF}">
-                <a14:hiddenLine xmlns="" xmlns:a14="http://schemas.microsoft.com/office/drawing/2010/main" w="9525">
+                <a14:hiddenLine xmlns:a14="http://schemas.microsoft.com/office/drawing/2010/main" xmlns="" w="9525">
                   <a:solidFill>
                     <a:srgbClr val="000000"/>
                   </a:solidFill>
@@ -4256,7 +4259,7 @@
             </a:ln>
             <a:extLst>
               <a:ext uri="{91240B29-F687-4f45-9708-019B960494DF}">
-                <a14:hiddenLine xmlns="" xmlns:a14="http://schemas.microsoft.com/office/drawing/2010/main" w="9525">
+                <a14:hiddenLine xmlns:a14="http://schemas.microsoft.com/office/drawing/2010/main" xmlns="" w="9525">
                   <a:solidFill>
                     <a:srgbClr val="000000"/>
                   </a:solidFill>
@@ -4346,7 +4349,7 @@
             </a:ln>
             <a:extLst>
               <a:ext uri="{91240B29-F687-4f45-9708-019B960494DF}">
-                <a14:hiddenLine xmlns="" xmlns:a14="http://schemas.microsoft.com/office/drawing/2010/main" w="9525">
+                <a14:hiddenLine xmlns:a14="http://schemas.microsoft.com/office/drawing/2010/main" xmlns="" w="9525">
                   <a:solidFill>
                     <a:srgbClr val="000000"/>
                   </a:solidFill>
@@ -4436,7 +4439,7 @@
             </a:ln>
             <a:extLst>
               <a:ext uri="{91240B29-F687-4f45-9708-019B960494DF}">
-                <a14:hiddenLine xmlns="" xmlns:a14="http://schemas.microsoft.com/office/drawing/2010/main" w="9525">
+                <a14:hiddenLine xmlns:a14="http://schemas.microsoft.com/office/drawing/2010/main" xmlns="" w="9525">
                   <a:solidFill>
                     <a:srgbClr val="000000"/>
                   </a:solidFill>
@@ -4498,7 +4501,7 @@
             </a:ln>
             <a:extLst>
               <a:ext uri="{91240B29-F687-4f45-9708-019B960494DF}">
-                <a14:hiddenLine xmlns="" xmlns:a14="http://schemas.microsoft.com/office/drawing/2010/main" w="9525">
+                <a14:hiddenLine xmlns:a14="http://schemas.microsoft.com/office/drawing/2010/main" xmlns="" w="9525">
                   <a:solidFill>
                     <a:srgbClr val="000000"/>
                   </a:solidFill>
@@ -4618,7 +4621,7 @@
             </a:ln>
             <a:extLst>
               <a:ext uri="{91240B29-F687-4f45-9708-019B960494DF}">
-                <a14:hiddenLine xmlns="" xmlns:a14="http://schemas.microsoft.com/office/drawing/2010/main" w="9525">
+                <a14:hiddenLine xmlns:a14="http://schemas.microsoft.com/office/drawing/2010/main" xmlns="" w="9525">
                   <a:solidFill>
                     <a:srgbClr val="000000"/>
                   </a:solidFill>
@@ -4686,7 +4689,7 @@
             </a:ln>
             <a:extLst>
               <a:ext uri="{91240B29-F687-4f45-9708-019B960494DF}">
-                <a14:hiddenLine xmlns="" xmlns:a14="http://schemas.microsoft.com/office/drawing/2010/main" w="9525">
+                <a14:hiddenLine xmlns:a14="http://schemas.microsoft.com/office/drawing/2010/main" xmlns="" w="9525">
                   <a:solidFill>
                     <a:srgbClr val="000000"/>
                   </a:solidFill>
@@ -4776,7 +4779,7 @@
             </a:ln>
             <a:extLst>
               <a:ext uri="{91240B29-F687-4f45-9708-019B960494DF}">
-                <a14:hiddenLine xmlns="" xmlns:a14="http://schemas.microsoft.com/office/drawing/2010/main" w="9525">
+                <a14:hiddenLine xmlns:a14="http://schemas.microsoft.com/office/drawing/2010/main" xmlns="" w="9525">
                   <a:solidFill>
                     <a:srgbClr val="000000"/>
                   </a:solidFill>
@@ -4816,7 +4819,7 @@
           </a:lstStyle>
           <a:p>
             <a:r>
-              <a:rPr lang="fr-FR" smtClean="0"/>
+              <a:rPr lang="fr-FR"/>
               <a:t>Cliquez et modifiez le titre</a:t>
             </a:r>
             <a:endParaRPr lang="en-US" dirty="0"/>
@@ -4887,7 +4890,7 @@
           </a:lstStyle>
           <a:p>
             <a:r>
-              <a:rPr lang="fr-FR" smtClean="0"/>
+              <a:rPr lang="fr-FR"/>
               <a:t>Cliquez pour modifier le style des sous-titres du masque</a:t>
             </a:r>
             <a:endParaRPr lang="en-US" dirty="0"/>
@@ -4916,7 +4919,7 @@
           <a:p>
             <a:fld id="{48A87A34-81AB-432B-8DAE-1953F412C126}" type="datetimeFigureOut">
               <a:rPr lang="en-US" dirty="0"/>
-              <a:t>9/15/16</a:t>
+              <a:t>9/16/2016</a:t>
             </a:fld>
             <a:endParaRPr lang="en-US" dirty="0"/>
           </a:p>
@@ -4968,7 +4971,7 @@
           <a:p>
             <a:fld id="{6D22F896-40B5-4ADD-8801-0D06FADFA095}" type="slidenum">
               <a:rPr lang="en-US" dirty="0"/>
-              <a:t>‹#›</a:t>
+              <a:t>‹N°›</a:t>
             </a:fld>
             <a:endParaRPr lang="en-US" dirty="0"/>
           </a:p>
@@ -5026,7 +5029,7 @@
           </a:lstStyle>
           <a:p>
             <a:r>
-              <a:rPr lang="fr-FR" smtClean="0"/>
+              <a:rPr lang="fr-FR"/>
               <a:t>Cliquez et modifiez le titre</a:t>
             </a:r>
             <a:endParaRPr lang="en-US" dirty="0"/>
@@ -5087,7 +5090,7 @@
               <a:buNone/>
             </a:pPr>
             <a:r>
-              <a:rPr lang="fr-FR" smtClean="0"/>
+              <a:rPr lang="fr-FR"/>
               <a:t>Faire glisser l'image vers l'espace réservé ou cliquer sur l'icône pour l'ajouter</a:t>
             </a:r>
             <a:endParaRPr lang="en-US" dirty="0"/>
@@ -5155,7 +5158,7 @@
           <a:p>
             <a:pPr lvl="0"/>
             <a:r>
-              <a:rPr lang="fr-FR" smtClean="0"/>
+              <a:rPr lang="fr-FR"/>
               <a:t>Cliquez pour modifier les styles du texte du masque</a:t>
             </a:r>
           </a:p>
@@ -5178,7 +5181,7 @@
           <a:p>
             <a:fld id="{48A87A34-81AB-432B-8DAE-1953F412C126}" type="datetimeFigureOut">
               <a:rPr lang="en-US" dirty="0"/>
-              <a:t>9/15/16</a:t>
+              <a:t>9/16/2016</a:t>
             </a:fld>
             <a:endParaRPr lang="en-US" dirty="0"/>
           </a:p>
@@ -5220,7 +5223,7 @@
           <a:p>
             <a:fld id="{6D22F896-40B5-4ADD-8801-0D06FADFA095}" type="slidenum">
               <a:rPr lang="en-US" dirty="0"/>
-              <a:t>‹#›</a:t>
+              <a:t>‹N°›</a:t>
             </a:fld>
             <a:endParaRPr lang="en-US" dirty="0"/>
           </a:p>
@@ -5278,7 +5281,7 @@
           </a:lstStyle>
           <a:p>
             <a:r>
-              <a:rPr lang="fr-FR" smtClean="0"/>
+              <a:rPr lang="fr-FR"/>
               <a:t>Cliquez et modifiez le titre</a:t>
             </a:r>
             <a:endParaRPr lang="en-US" dirty="0"/>
@@ -5346,7 +5349,7 @@
           <a:p>
             <a:pPr lvl="0"/>
             <a:r>
-              <a:rPr lang="fr-FR" smtClean="0"/>
+              <a:rPr lang="fr-FR"/>
               <a:t>Cliquez pour modifier les styles du texte du masque</a:t>
             </a:r>
           </a:p>
@@ -5369,7 +5372,7 @@
           <a:p>
             <a:fld id="{48A87A34-81AB-432B-8DAE-1953F412C126}" type="datetimeFigureOut">
               <a:rPr lang="en-US" dirty="0"/>
-              <a:t>9/15/16</a:t>
+              <a:t>9/16/2016</a:t>
             </a:fld>
             <a:endParaRPr lang="en-US" dirty="0"/>
           </a:p>
@@ -5411,7 +5414,7 @@
           <a:p>
             <a:fld id="{6D22F896-40B5-4ADD-8801-0D06FADFA095}" type="slidenum">
               <a:rPr lang="en-US" dirty="0"/>
-              <a:t>‹#›</a:t>
+              <a:t>‹N°›</a:t>
             </a:fld>
             <a:endParaRPr lang="en-US" dirty="0"/>
           </a:p>
@@ -5469,7 +5472,7 @@
           </a:lstStyle>
           <a:p>
             <a:r>
-              <a:rPr lang="fr-FR" smtClean="0"/>
+              <a:rPr lang="fr-FR"/>
               <a:t>Cliquez et modifiez le titre</a:t>
             </a:r>
             <a:endParaRPr lang="en-US" dirty="0"/>
@@ -5537,7 +5540,7 @@
           <a:p>
             <a:pPr lvl="0"/>
             <a:r>
-              <a:rPr lang="fr-FR" smtClean="0"/>
+              <a:rPr lang="fr-FR"/>
               <a:t>Cliquez pour modifier les styles du texte du masque</a:t>
             </a:r>
           </a:p>
@@ -5604,7 +5607,7 @@
           <a:p>
             <a:pPr lvl="0"/>
             <a:r>
-              <a:rPr lang="fr-FR" smtClean="0"/>
+              <a:rPr lang="fr-FR"/>
               <a:t>Cliquez pour modifier les styles du texte du masque</a:t>
             </a:r>
           </a:p>
@@ -5627,7 +5630,7 @@
           <a:p>
             <a:fld id="{48A87A34-81AB-432B-8DAE-1953F412C126}" type="datetimeFigureOut">
               <a:rPr lang="en-US" dirty="0"/>
-              <a:t>9/15/16</a:t>
+              <a:t>9/16/2016</a:t>
             </a:fld>
             <a:endParaRPr lang="en-US" dirty="0"/>
           </a:p>
@@ -5669,7 +5672,7 @@
           <a:p>
             <a:fld id="{6D22F896-40B5-4ADD-8801-0D06FADFA095}" type="slidenum">
               <a:rPr lang="en-US" dirty="0"/>
-              <a:t>‹#›</a:t>
+              <a:t>‹N°›</a:t>
             </a:fld>
             <a:endParaRPr lang="en-US" dirty="0"/>
           </a:p>
@@ -5965,7 +5968,7 @@
           </a:lstStyle>
           <a:p>
             <a:r>
-              <a:rPr lang="fr-FR" smtClean="0"/>
+              <a:rPr lang="fr-FR"/>
               <a:t>Cliquez et modifiez le titre</a:t>
             </a:r>
             <a:endParaRPr lang="en-US" dirty="0"/>
@@ -6033,7 +6036,7 @@
           <a:p>
             <a:pPr lvl="0"/>
             <a:r>
-              <a:rPr lang="fr-FR" smtClean="0"/>
+              <a:rPr lang="fr-FR"/>
               <a:t>Cliquez pour modifier les styles du texte du masque</a:t>
             </a:r>
           </a:p>
@@ -6056,7 +6059,7 @@
           <a:p>
             <a:fld id="{48A87A34-81AB-432B-8DAE-1953F412C126}" type="datetimeFigureOut">
               <a:rPr lang="en-US" dirty="0"/>
-              <a:t>9/15/16</a:t>
+              <a:t>9/16/2016</a:t>
             </a:fld>
             <a:endParaRPr lang="en-US" dirty="0"/>
           </a:p>
@@ -6098,7 +6101,7 @@
           <a:p>
             <a:fld id="{6D22F896-40B5-4ADD-8801-0D06FADFA095}" type="slidenum">
               <a:rPr lang="en-US" dirty="0"/>
-              <a:t>‹#›</a:t>
+              <a:t>‹N°›</a:t>
             </a:fld>
             <a:endParaRPr lang="en-US" dirty="0"/>
           </a:p>
@@ -6150,7 +6153,7 @@
           <a:lstStyle/>
           <a:p>
             <a:r>
-              <a:rPr lang="fr-FR" smtClean="0"/>
+              <a:rPr lang="fr-FR"/>
               <a:t>Cliquez et modifiez le titre</a:t>
             </a:r>
             <a:endParaRPr lang="en-US" dirty="0"/>
@@ -6225,7 +6228,7 @@
           <a:p>
             <a:pPr lvl="0"/>
             <a:r>
-              <a:rPr lang="fr-FR" smtClean="0"/>
+              <a:rPr lang="fr-FR"/>
               <a:t>Cliquez pour modifier les styles du texte du masque</a:t>
             </a:r>
           </a:p>
@@ -6292,7 +6295,7 @@
           <a:p>
             <a:pPr lvl="0"/>
             <a:r>
-              <a:rPr lang="fr-FR" smtClean="0"/>
+              <a:rPr lang="fr-FR"/>
               <a:t>Cliquez pour modifier les styles du texte du masque</a:t>
             </a:r>
           </a:p>
@@ -6366,7 +6369,7 @@
           <a:p>
             <a:pPr lvl="0"/>
             <a:r>
-              <a:rPr lang="fr-FR" smtClean="0"/>
+              <a:rPr lang="fr-FR"/>
               <a:t>Cliquez pour modifier les styles du texte du masque</a:t>
             </a:r>
           </a:p>
@@ -6433,7 +6436,7 @@
           <a:p>
             <a:pPr lvl="0"/>
             <a:r>
-              <a:rPr lang="fr-FR" smtClean="0"/>
+              <a:rPr lang="fr-FR"/>
               <a:t>Cliquez pour modifier les styles du texte du masque</a:t>
             </a:r>
           </a:p>
@@ -6507,7 +6510,7 @@
           <a:p>
             <a:pPr lvl="0"/>
             <a:r>
-              <a:rPr lang="fr-FR" smtClean="0"/>
+              <a:rPr lang="fr-FR"/>
               <a:t>Cliquez pour modifier les styles du texte du masque</a:t>
             </a:r>
           </a:p>
@@ -6574,7 +6577,7 @@
           <a:p>
             <a:pPr lvl="0"/>
             <a:r>
-              <a:rPr lang="fr-FR" smtClean="0"/>
+              <a:rPr lang="fr-FR"/>
               <a:t>Cliquez pour modifier les styles du texte du masque</a:t>
             </a:r>
           </a:p>
@@ -6597,7 +6600,7 @@
           <a:p>
             <a:fld id="{48A87A34-81AB-432B-8DAE-1953F412C126}" type="datetimeFigureOut">
               <a:rPr lang="en-US" dirty="0"/>
-              <a:t>9/15/16</a:t>
+              <a:t>9/16/2016</a:t>
             </a:fld>
             <a:endParaRPr lang="en-US" dirty="0"/>
           </a:p>
@@ -6639,7 +6642,7 @@
           <a:p>
             <a:fld id="{6D22F896-40B5-4ADD-8801-0D06FADFA095}" type="slidenum">
               <a:rPr lang="en-US" dirty="0"/>
-              <a:t>‹#›</a:t>
+              <a:t>‹N°›</a:t>
             </a:fld>
             <a:endParaRPr lang="en-US" dirty="0"/>
           </a:p>
@@ -6691,7 +6694,7 @@
           <a:lstStyle/>
           <a:p>
             <a:r>
-              <a:rPr lang="fr-FR" smtClean="0"/>
+              <a:rPr lang="fr-FR"/>
               <a:t>Cliquez et modifiez le titre</a:t>
             </a:r>
             <a:endParaRPr lang="en-US" dirty="0"/>
@@ -6766,7 +6769,7 @@
           <a:p>
             <a:pPr lvl="0"/>
             <a:r>
-              <a:rPr lang="fr-FR" smtClean="0"/>
+              <a:rPr lang="fr-FR"/>
               <a:t>Cliquez pour modifier les styles du texte du masque</a:t>
             </a:r>
           </a:p>
@@ -6823,7 +6826,7 @@
               <a:buNone/>
             </a:pPr>
             <a:r>
-              <a:rPr lang="fr-FR" smtClean="0"/>
+              <a:rPr lang="fr-FR"/>
               <a:t>Faire glisser l'image vers l'espace réservé ou cliquer sur l'icône pour l'ajouter</a:t>
             </a:r>
             <a:endParaRPr lang="en-US" dirty="0"/>
@@ -6891,7 +6894,7 @@
           <a:p>
             <a:pPr lvl="0"/>
             <a:r>
-              <a:rPr lang="fr-FR" smtClean="0"/>
+              <a:rPr lang="fr-FR"/>
               <a:t>Cliquez pour modifier les styles du texte du masque</a:t>
             </a:r>
           </a:p>
@@ -6965,7 +6968,7 @@
           <a:p>
             <a:pPr lvl="0"/>
             <a:r>
-              <a:rPr lang="fr-FR" smtClean="0"/>
+              <a:rPr lang="fr-FR"/>
               <a:t>Cliquez pour modifier les styles du texte du masque</a:t>
             </a:r>
           </a:p>
@@ -7022,7 +7025,7 @@
               <a:buNone/>
             </a:pPr>
             <a:r>
-              <a:rPr lang="fr-FR" smtClean="0"/>
+              <a:rPr lang="fr-FR"/>
               <a:t>Faire glisser l'image vers l'espace réservé ou cliquer sur l'icône pour l'ajouter</a:t>
             </a:r>
             <a:endParaRPr lang="en-US" dirty="0"/>
@@ -7090,7 +7093,7 @@
           <a:p>
             <a:pPr lvl="0"/>
             <a:r>
-              <a:rPr lang="fr-FR" smtClean="0"/>
+              <a:rPr lang="fr-FR"/>
               <a:t>Cliquez pour modifier les styles du texte du masque</a:t>
             </a:r>
           </a:p>
@@ -7164,7 +7167,7 @@
           <a:p>
             <a:pPr lvl="0"/>
             <a:r>
-              <a:rPr lang="fr-FR" smtClean="0"/>
+              <a:rPr lang="fr-FR"/>
               <a:t>Cliquez pour modifier les styles du texte du masque</a:t>
             </a:r>
           </a:p>
@@ -7221,7 +7224,7 @@
               <a:buNone/>
             </a:pPr>
             <a:r>
-              <a:rPr lang="fr-FR" smtClean="0"/>
+              <a:rPr lang="fr-FR"/>
               <a:t>Faire glisser l'image vers l'espace réservé ou cliquer sur l'icône pour l'ajouter</a:t>
             </a:r>
             <a:endParaRPr lang="en-US" dirty="0"/>
@@ -7289,7 +7292,7 @@
           <a:p>
             <a:pPr lvl="0"/>
             <a:r>
-              <a:rPr lang="fr-FR" smtClean="0"/>
+              <a:rPr lang="fr-FR"/>
               <a:t>Cliquez pour modifier les styles du texte du masque</a:t>
             </a:r>
           </a:p>
@@ -7312,7 +7315,7 @@
           <a:p>
             <a:fld id="{48A87A34-81AB-432B-8DAE-1953F412C126}" type="datetimeFigureOut">
               <a:rPr lang="en-US" dirty="0"/>
-              <a:t>9/15/16</a:t>
+              <a:t>9/16/2016</a:t>
             </a:fld>
             <a:endParaRPr lang="en-US" dirty="0"/>
           </a:p>
@@ -7354,7 +7357,7 @@
           <a:p>
             <a:fld id="{6D22F896-40B5-4ADD-8801-0D06FADFA095}" type="slidenum">
               <a:rPr lang="en-US" dirty="0"/>
-              <a:t>‹#›</a:t>
+              <a:t>‹N°›</a:t>
             </a:fld>
             <a:endParaRPr lang="en-US" dirty="0"/>
           </a:p>
@@ -7401,7 +7404,7 @@
           <a:lstStyle/>
           <a:p>
             <a:r>
-              <a:rPr lang="fr-FR" smtClean="0"/>
+              <a:rPr lang="fr-FR"/>
               <a:t>Cliquez et modifiez le titre</a:t>
             </a:r>
             <a:endParaRPr lang="en-US" dirty="0"/>
@@ -7425,35 +7428,35 @@
           <a:p>
             <a:pPr lvl="0"/>
             <a:r>
-              <a:rPr lang="fr-FR" smtClean="0"/>
+              <a:rPr lang="fr-FR"/>
               <a:t>Cliquez pour modifier les styles du texte du masque</a:t>
             </a:r>
           </a:p>
           <a:p>
             <a:pPr lvl="1"/>
             <a:r>
-              <a:rPr lang="fr-FR" smtClean="0"/>
+              <a:rPr lang="fr-FR"/>
               <a:t>Deuxième niveau</a:t>
             </a:r>
           </a:p>
           <a:p>
             <a:pPr lvl="2"/>
             <a:r>
-              <a:rPr lang="fr-FR" smtClean="0"/>
+              <a:rPr lang="fr-FR"/>
               <a:t>Troisième niveau</a:t>
             </a:r>
           </a:p>
           <a:p>
             <a:pPr lvl="3"/>
             <a:r>
-              <a:rPr lang="fr-FR" smtClean="0"/>
+              <a:rPr lang="fr-FR"/>
               <a:t>Quatrième niveau</a:t>
             </a:r>
           </a:p>
           <a:p>
             <a:pPr lvl="4"/>
             <a:r>
-              <a:rPr lang="fr-FR" smtClean="0"/>
+              <a:rPr lang="fr-FR"/>
               <a:t>Cinquième niveau</a:t>
             </a:r>
             <a:endParaRPr lang="en-US" dirty="0"/>
@@ -7477,7 +7480,7 @@
           <a:p>
             <a:fld id="{48A87A34-81AB-432B-8DAE-1953F412C126}" type="datetimeFigureOut">
               <a:rPr lang="en-US" dirty="0"/>
-              <a:t>9/15/16</a:t>
+              <a:t>9/16/2016</a:t>
             </a:fld>
             <a:endParaRPr lang="en-US" dirty="0"/>
           </a:p>
@@ -7519,7 +7522,7 @@
           <a:p>
             <a:fld id="{6D22F896-40B5-4ADD-8801-0D06FADFA095}" type="slidenum">
               <a:rPr lang="en-US" dirty="0"/>
-              <a:t>‹#›</a:t>
+              <a:t>‹N°›</a:t>
             </a:fld>
             <a:endParaRPr lang="en-US" dirty="0"/>
           </a:p>
@@ -7571,7 +7574,7 @@
           <a:lstStyle/>
           <a:p>
             <a:r>
-              <a:rPr lang="fr-FR" smtClean="0"/>
+              <a:rPr lang="fr-FR"/>
               <a:t>Cliquez et modifiez le titre</a:t>
             </a:r>
             <a:endParaRPr lang="en-US" dirty="0"/>
@@ -7600,35 +7603,35 @@
           <a:p>
             <a:pPr lvl="0"/>
             <a:r>
-              <a:rPr lang="fr-FR" smtClean="0"/>
+              <a:rPr lang="fr-FR"/>
               <a:t>Cliquez pour modifier les styles du texte du masque</a:t>
             </a:r>
           </a:p>
           <a:p>
             <a:pPr lvl="1"/>
             <a:r>
-              <a:rPr lang="fr-FR" smtClean="0"/>
+              <a:rPr lang="fr-FR"/>
               <a:t>Deuxième niveau</a:t>
             </a:r>
           </a:p>
           <a:p>
             <a:pPr lvl="2"/>
             <a:r>
-              <a:rPr lang="fr-FR" smtClean="0"/>
+              <a:rPr lang="fr-FR"/>
               <a:t>Troisième niveau</a:t>
             </a:r>
           </a:p>
           <a:p>
             <a:pPr lvl="3"/>
             <a:r>
-              <a:rPr lang="fr-FR" smtClean="0"/>
+              <a:rPr lang="fr-FR"/>
               <a:t>Quatrième niveau</a:t>
             </a:r>
           </a:p>
           <a:p>
             <a:pPr lvl="4"/>
             <a:r>
-              <a:rPr lang="fr-FR" smtClean="0"/>
+              <a:rPr lang="fr-FR"/>
               <a:t>Cinquième niveau</a:t>
             </a:r>
             <a:endParaRPr lang="en-US" dirty="0"/>
@@ -7652,7 +7655,7 @@
           <a:p>
             <a:fld id="{48A87A34-81AB-432B-8DAE-1953F412C126}" type="datetimeFigureOut">
               <a:rPr lang="en-US" dirty="0"/>
-              <a:t>9/15/16</a:t>
+              <a:t>9/16/2016</a:t>
             </a:fld>
             <a:endParaRPr lang="en-US" dirty="0"/>
           </a:p>
@@ -7694,7 +7697,7 @@
           <a:p>
             <a:fld id="{6D22F896-40B5-4ADD-8801-0D06FADFA095}" type="slidenum">
               <a:rPr lang="en-US" dirty="0"/>
-              <a:t>‹#›</a:t>
+              <a:t>‹N°›</a:t>
             </a:fld>
             <a:endParaRPr lang="en-US" dirty="0"/>
           </a:p>
@@ -7741,7 +7744,7 @@
           <a:lstStyle/>
           <a:p>
             <a:r>
-              <a:rPr lang="fr-FR" smtClean="0"/>
+              <a:rPr lang="fr-FR"/>
               <a:t>Cliquez et modifiez le titre</a:t>
             </a:r>
             <a:endParaRPr lang="en-US" dirty="0"/>
@@ -7765,35 +7768,35 @@
           <a:p>
             <a:pPr lvl="0"/>
             <a:r>
-              <a:rPr lang="fr-FR" smtClean="0"/>
+              <a:rPr lang="fr-FR"/>
               <a:t>Cliquez pour modifier les styles du texte du masque</a:t>
             </a:r>
           </a:p>
           <a:p>
             <a:pPr lvl="1"/>
             <a:r>
-              <a:rPr lang="fr-FR" smtClean="0"/>
+              <a:rPr lang="fr-FR"/>
               <a:t>Deuxième niveau</a:t>
             </a:r>
           </a:p>
           <a:p>
             <a:pPr lvl="2"/>
             <a:r>
-              <a:rPr lang="fr-FR" smtClean="0"/>
+              <a:rPr lang="fr-FR"/>
               <a:t>Troisième niveau</a:t>
             </a:r>
           </a:p>
           <a:p>
             <a:pPr lvl="3"/>
             <a:r>
-              <a:rPr lang="fr-FR" smtClean="0"/>
+              <a:rPr lang="fr-FR"/>
               <a:t>Quatrième niveau</a:t>
             </a:r>
           </a:p>
           <a:p>
             <a:pPr lvl="4"/>
             <a:r>
-              <a:rPr lang="fr-FR" smtClean="0"/>
+              <a:rPr lang="fr-FR"/>
               <a:t>Cinquième niveau</a:t>
             </a:r>
             <a:endParaRPr lang="en-US" dirty="0"/>
@@ -7817,7 +7820,7 @@
           <a:p>
             <a:fld id="{48A87A34-81AB-432B-8DAE-1953F412C126}" type="datetimeFigureOut">
               <a:rPr lang="en-US" dirty="0"/>
-              <a:t>9/15/16</a:t>
+              <a:t>9/16/2016</a:t>
             </a:fld>
             <a:endParaRPr lang="en-US" dirty="0"/>
           </a:p>
@@ -7859,7 +7862,7 @@
           <a:p>
             <a:fld id="{6D22F896-40B5-4ADD-8801-0D06FADFA095}" type="slidenum">
               <a:rPr lang="en-US" dirty="0"/>
-              <a:t>‹#›</a:t>
+              <a:t>‹N°›</a:t>
             </a:fld>
             <a:endParaRPr lang="en-US" dirty="0"/>
           </a:p>
@@ -7917,7 +7920,7 @@
           </a:lstStyle>
           <a:p>
             <a:r>
-              <a:rPr lang="fr-FR" smtClean="0"/>
+              <a:rPr lang="fr-FR"/>
               <a:t>Cliquez et modifiez le titre</a:t>
             </a:r>
             <a:endParaRPr lang="en-US" dirty="0"/>
@@ -8039,7 +8042,7 @@
           <a:p>
             <a:pPr lvl="0"/>
             <a:r>
-              <a:rPr lang="fr-FR" smtClean="0"/>
+              <a:rPr lang="fr-FR"/>
               <a:t>Cliquez pour modifier les styles du texte du masque</a:t>
             </a:r>
           </a:p>
@@ -8062,7 +8065,7 @@
           <a:p>
             <a:fld id="{48A87A34-81AB-432B-8DAE-1953F412C126}" type="datetimeFigureOut">
               <a:rPr lang="en-US" dirty="0"/>
-              <a:t>9/15/16</a:t>
+              <a:t>9/16/2016</a:t>
             </a:fld>
             <a:endParaRPr lang="en-US" dirty="0"/>
           </a:p>
@@ -8104,7 +8107,7 @@
           <a:p>
             <a:fld id="{6D22F896-40B5-4ADD-8801-0D06FADFA095}" type="slidenum">
               <a:rPr lang="en-US" dirty="0"/>
-              <a:t>‹#›</a:t>
+              <a:t>‹N°›</a:t>
             </a:fld>
             <a:endParaRPr lang="en-US" dirty="0"/>
           </a:p>
@@ -8151,7 +8154,7 @@
           <a:lstStyle/>
           <a:p>
             <a:r>
-              <a:rPr lang="fr-FR" smtClean="0"/>
+              <a:rPr lang="fr-FR"/>
               <a:t>Cliquez et modifiez le titre</a:t>
             </a:r>
             <a:endParaRPr lang="en-US" dirty="0"/>
@@ -8180,35 +8183,35 @@
           <a:p>
             <a:pPr lvl="0"/>
             <a:r>
-              <a:rPr lang="fr-FR" smtClean="0"/>
+              <a:rPr lang="fr-FR"/>
               <a:t>Cliquez pour modifier les styles du texte du masque</a:t>
             </a:r>
           </a:p>
           <a:p>
             <a:pPr lvl="1"/>
             <a:r>
-              <a:rPr lang="fr-FR" smtClean="0"/>
+              <a:rPr lang="fr-FR"/>
               <a:t>Deuxième niveau</a:t>
             </a:r>
           </a:p>
           <a:p>
             <a:pPr lvl="2"/>
             <a:r>
-              <a:rPr lang="fr-FR" smtClean="0"/>
+              <a:rPr lang="fr-FR"/>
               <a:t>Troisième niveau</a:t>
             </a:r>
           </a:p>
           <a:p>
             <a:pPr lvl="3"/>
             <a:r>
-              <a:rPr lang="fr-FR" smtClean="0"/>
+              <a:rPr lang="fr-FR"/>
               <a:t>Quatrième niveau</a:t>
             </a:r>
           </a:p>
           <a:p>
             <a:pPr lvl="4"/>
             <a:r>
-              <a:rPr lang="fr-FR" smtClean="0"/>
+              <a:rPr lang="fr-FR"/>
               <a:t>Cinquième niveau</a:t>
             </a:r>
             <a:endParaRPr lang="en-US" dirty="0"/>
@@ -8237,35 +8240,35 @@
           <a:p>
             <a:pPr lvl="0"/>
             <a:r>
-              <a:rPr lang="fr-FR" smtClean="0"/>
+              <a:rPr lang="fr-FR"/>
               <a:t>Cliquez pour modifier les styles du texte du masque</a:t>
             </a:r>
           </a:p>
           <a:p>
             <a:pPr lvl="1"/>
             <a:r>
-              <a:rPr lang="fr-FR" smtClean="0"/>
+              <a:rPr lang="fr-FR"/>
               <a:t>Deuxième niveau</a:t>
             </a:r>
           </a:p>
           <a:p>
             <a:pPr lvl="2"/>
             <a:r>
-              <a:rPr lang="fr-FR" smtClean="0"/>
+              <a:rPr lang="fr-FR"/>
               <a:t>Troisième niveau</a:t>
             </a:r>
           </a:p>
           <a:p>
             <a:pPr lvl="3"/>
             <a:r>
-              <a:rPr lang="fr-FR" smtClean="0"/>
+              <a:rPr lang="fr-FR"/>
               <a:t>Quatrième niveau</a:t>
             </a:r>
           </a:p>
           <a:p>
             <a:pPr lvl="4"/>
             <a:r>
-              <a:rPr lang="fr-FR" smtClean="0"/>
+              <a:rPr lang="fr-FR"/>
               <a:t>Cinquième niveau</a:t>
             </a:r>
             <a:endParaRPr lang="en-US" dirty="0"/>
@@ -8289,7 +8292,7 @@
           <a:p>
             <a:fld id="{48A87A34-81AB-432B-8DAE-1953F412C126}" type="datetimeFigureOut">
               <a:rPr lang="en-US" dirty="0"/>
-              <a:t>9/15/16</a:t>
+              <a:t>9/16/2016</a:t>
             </a:fld>
             <a:endParaRPr lang="en-US" dirty="0"/>
           </a:p>
@@ -8331,7 +8334,7 @@
           <a:p>
             <a:fld id="{6D22F896-40B5-4ADD-8801-0D06FADFA095}" type="slidenum">
               <a:rPr lang="en-US" dirty="0"/>
-              <a:t>‹#›</a:t>
+              <a:t>‹N°›</a:t>
             </a:fld>
             <a:endParaRPr lang="en-US" dirty="0"/>
           </a:p>
@@ -8383,7 +8386,7 @@
           <a:lstStyle/>
           <a:p>
             <a:r>
-              <a:rPr lang="fr-FR" smtClean="0"/>
+              <a:rPr lang="fr-FR"/>
               <a:t>Cliquez et modifiez le titre</a:t>
             </a:r>
             <a:endParaRPr lang="en-US" dirty="0"/>
@@ -8456,7 +8459,7 @@
           <a:p>
             <a:pPr lvl="0"/>
             <a:r>
-              <a:rPr lang="fr-FR" smtClean="0"/>
+              <a:rPr lang="fr-FR"/>
               <a:t>Cliquez pour modifier les styles du texte du masque</a:t>
             </a:r>
           </a:p>
@@ -8484,35 +8487,35 @@
           <a:p>
             <a:pPr lvl="0"/>
             <a:r>
-              <a:rPr lang="fr-FR" smtClean="0"/>
+              <a:rPr lang="fr-FR"/>
               <a:t>Cliquez pour modifier les styles du texte du masque</a:t>
             </a:r>
           </a:p>
           <a:p>
             <a:pPr lvl="1"/>
             <a:r>
-              <a:rPr lang="fr-FR" smtClean="0"/>
+              <a:rPr lang="fr-FR"/>
               <a:t>Deuxième niveau</a:t>
             </a:r>
           </a:p>
           <a:p>
             <a:pPr lvl="2"/>
             <a:r>
-              <a:rPr lang="fr-FR" smtClean="0"/>
+              <a:rPr lang="fr-FR"/>
               <a:t>Troisième niveau</a:t>
             </a:r>
           </a:p>
           <a:p>
             <a:pPr lvl="3"/>
             <a:r>
-              <a:rPr lang="fr-FR" smtClean="0"/>
+              <a:rPr lang="fr-FR"/>
               <a:t>Quatrième niveau</a:t>
             </a:r>
           </a:p>
           <a:p>
             <a:pPr lvl="4"/>
             <a:r>
-              <a:rPr lang="fr-FR" smtClean="0"/>
+              <a:rPr lang="fr-FR"/>
               <a:t>Cinquième niveau</a:t>
             </a:r>
             <a:endParaRPr lang="en-US" dirty="0"/>
@@ -8585,7 +8588,7 @@
           <a:p>
             <a:pPr lvl="0"/>
             <a:r>
-              <a:rPr lang="fr-FR" smtClean="0"/>
+              <a:rPr lang="fr-FR"/>
               <a:t>Cliquez pour modifier les styles du texte du masque</a:t>
             </a:r>
           </a:p>
@@ -8613,35 +8616,35 @@
           <a:p>
             <a:pPr lvl="0"/>
             <a:r>
-              <a:rPr lang="fr-FR" smtClean="0"/>
+              <a:rPr lang="fr-FR"/>
               <a:t>Cliquez pour modifier les styles du texte du masque</a:t>
             </a:r>
           </a:p>
           <a:p>
             <a:pPr lvl="1"/>
             <a:r>
-              <a:rPr lang="fr-FR" smtClean="0"/>
+              <a:rPr lang="fr-FR"/>
               <a:t>Deuxième niveau</a:t>
             </a:r>
           </a:p>
           <a:p>
             <a:pPr lvl="2"/>
             <a:r>
-              <a:rPr lang="fr-FR" smtClean="0"/>
+              <a:rPr lang="fr-FR"/>
               <a:t>Troisième niveau</a:t>
             </a:r>
           </a:p>
           <a:p>
             <a:pPr lvl="3"/>
             <a:r>
-              <a:rPr lang="fr-FR" smtClean="0"/>
+              <a:rPr lang="fr-FR"/>
               <a:t>Quatrième niveau</a:t>
             </a:r>
           </a:p>
           <a:p>
             <a:pPr lvl="4"/>
             <a:r>
-              <a:rPr lang="fr-FR" smtClean="0"/>
+              <a:rPr lang="fr-FR"/>
               <a:t>Cinquième niveau</a:t>
             </a:r>
             <a:endParaRPr lang="en-US" dirty="0"/>
@@ -8665,7 +8668,7 @@
           <a:p>
             <a:fld id="{48A87A34-81AB-432B-8DAE-1953F412C126}" type="datetimeFigureOut">
               <a:rPr lang="en-US" dirty="0"/>
-              <a:t>9/15/16</a:t>
+              <a:t>9/16/2016</a:t>
             </a:fld>
             <a:endParaRPr lang="en-US" dirty="0"/>
           </a:p>
@@ -8707,7 +8710,7 @@
           <a:p>
             <a:fld id="{6D22F896-40B5-4ADD-8801-0D06FADFA095}" type="slidenum">
               <a:rPr lang="en-US" dirty="0"/>
-              <a:t>‹#›</a:t>
+              <a:t>‹N°›</a:t>
             </a:fld>
             <a:endParaRPr lang="en-US" dirty="0"/>
           </a:p>
@@ -8754,7 +8757,7 @@
           <a:lstStyle/>
           <a:p>
             <a:r>
-              <a:rPr lang="fr-FR" smtClean="0"/>
+              <a:rPr lang="fr-FR"/>
               <a:t>Cliquez et modifiez le titre</a:t>
             </a:r>
             <a:endParaRPr lang="en-US" dirty="0"/>
@@ -8778,7 +8781,7 @@
           <a:p>
             <a:fld id="{48A87A34-81AB-432B-8DAE-1953F412C126}" type="datetimeFigureOut">
               <a:rPr lang="en-US" dirty="0"/>
-              <a:t>9/15/16</a:t>
+              <a:t>9/16/2016</a:t>
             </a:fld>
             <a:endParaRPr lang="en-US" dirty="0"/>
           </a:p>
@@ -8820,7 +8823,7 @@
           <a:p>
             <a:fld id="{6D22F896-40B5-4ADD-8801-0D06FADFA095}" type="slidenum">
               <a:rPr lang="en-US" dirty="0"/>
-              <a:t>‹#›</a:t>
+              <a:t>‹N°›</a:t>
             </a:fld>
             <a:endParaRPr lang="en-US" dirty="0"/>
           </a:p>
@@ -8868,7 +8871,7 @@
           <a:p>
             <a:fld id="{48A87A34-81AB-432B-8DAE-1953F412C126}" type="datetimeFigureOut">
               <a:rPr lang="en-US" dirty="0"/>
-              <a:t>9/15/16</a:t>
+              <a:t>9/16/2016</a:t>
             </a:fld>
             <a:endParaRPr lang="en-US" dirty="0"/>
           </a:p>
@@ -8910,7 +8913,7 @@
           <a:p>
             <a:fld id="{6D22F896-40B5-4ADD-8801-0D06FADFA095}" type="slidenum">
               <a:rPr lang="en-US" dirty="0"/>
-              <a:t>‹#›</a:t>
+              <a:t>‹N°›</a:t>
             </a:fld>
             <a:endParaRPr lang="en-US" dirty="0"/>
           </a:p>
@@ -8966,7 +8969,7 @@
           </a:lstStyle>
           <a:p>
             <a:r>
-              <a:rPr lang="fr-FR" smtClean="0"/>
+              <a:rPr lang="fr-FR"/>
               <a:t>Cliquez et modifiez le titre</a:t>
             </a:r>
             <a:endParaRPr lang="en-US" dirty="0"/>
@@ -8995,35 +8998,35 @@
           <a:p>
             <a:pPr lvl="0"/>
             <a:r>
-              <a:rPr lang="fr-FR" smtClean="0"/>
+              <a:rPr lang="fr-FR"/>
               <a:t>Cliquez pour modifier les styles du texte du masque</a:t>
             </a:r>
           </a:p>
           <a:p>
             <a:pPr lvl="1"/>
             <a:r>
-              <a:rPr lang="fr-FR" smtClean="0"/>
+              <a:rPr lang="fr-FR"/>
               <a:t>Deuxième niveau</a:t>
             </a:r>
           </a:p>
           <a:p>
             <a:pPr lvl="2"/>
             <a:r>
-              <a:rPr lang="fr-FR" smtClean="0"/>
+              <a:rPr lang="fr-FR"/>
               <a:t>Troisième niveau</a:t>
             </a:r>
           </a:p>
           <a:p>
             <a:pPr lvl="3"/>
             <a:r>
-              <a:rPr lang="fr-FR" smtClean="0"/>
+              <a:rPr lang="fr-FR"/>
               <a:t>Quatrième niveau</a:t>
             </a:r>
           </a:p>
           <a:p>
             <a:pPr lvl="4"/>
             <a:r>
-              <a:rPr lang="fr-FR" smtClean="0"/>
+              <a:rPr lang="fr-FR"/>
               <a:t>Cinquième niveau</a:t>
             </a:r>
             <a:endParaRPr lang="en-US" dirty="0"/>
@@ -9089,7 +9092,7 @@
           <a:p>
             <a:pPr lvl="0"/>
             <a:r>
-              <a:rPr lang="fr-FR" smtClean="0"/>
+              <a:rPr lang="fr-FR"/>
               <a:t>Cliquez pour modifier les styles du texte du masque</a:t>
             </a:r>
           </a:p>
@@ -9112,7 +9115,7 @@
           <a:p>
             <a:fld id="{48A87A34-81AB-432B-8DAE-1953F412C126}" type="datetimeFigureOut">
               <a:rPr lang="en-US" dirty="0"/>
-              <a:t>9/15/16</a:t>
+              <a:t>9/16/2016</a:t>
             </a:fld>
             <a:endParaRPr lang="en-US" dirty="0"/>
           </a:p>
@@ -9154,7 +9157,7 @@
           <a:p>
             <a:fld id="{6D22F896-40B5-4ADD-8801-0D06FADFA095}" type="slidenum">
               <a:rPr lang="en-US" dirty="0"/>
-              <a:t>‹#›</a:t>
+              <a:t>‹N°›</a:t>
             </a:fld>
             <a:endParaRPr lang="en-US" dirty="0"/>
           </a:p>
@@ -9210,7 +9213,7 @@
           </a:lstStyle>
           <a:p>
             <a:r>
-              <a:rPr lang="fr-FR" smtClean="0"/>
+              <a:rPr lang="fr-FR"/>
               <a:t>Cliquez et modifiez le titre</a:t>
             </a:r>
             <a:endParaRPr lang="en-US" dirty="0"/>
@@ -9298,7 +9301,7 @@
           </a:lstStyle>
           <a:p>
             <a:r>
-              <a:rPr lang="fr-FR" smtClean="0"/>
+              <a:rPr lang="fr-FR"/>
               <a:t>Faire glisser l'image vers l'espace réservé ou cliquer sur l'icône pour l'ajouter</a:t>
             </a:r>
             <a:endParaRPr lang="en-US" dirty="0"/>
@@ -9364,7 +9367,7 @@
           <a:p>
             <a:pPr lvl="0"/>
             <a:r>
-              <a:rPr lang="fr-FR" smtClean="0"/>
+              <a:rPr lang="fr-FR"/>
               <a:t>Cliquez pour modifier les styles du texte du masque</a:t>
             </a:r>
           </a:p>
@@ -9387,7 +9390,7 @@
           <a:p>
             <a:fld id="{48A87A34-81AB-432B-8DAE-1953F412C126}" type="datetimeFigureOut">
               <a:rPr lang="en-US" dirty="0"/>
-              <a:t>9/15/16</a:t>
+              <a:t>9/16/2016</a:t>
             </a:fld>
             <a:endParaRPr lang="en-US" dirty="0"/>
           </a:p>
@@ -9429,7 +9432,7 @@
           <a:p>
             <a:fld id="{6D22F896-40B5-4ADD-8801-0D06FADFA095}" type="slidenum">
               <a:rPr lang="en-US" dirty="0"/>
-              <a:t>‹#›</a:t>
+              <a:t>‹N°›</a:t>
             </a:fld>
             <a:endParaRPr lang="en-US" dirty="0"/>
           </a:p>
@@ -9498,7 +9501,7 @@
           <a:noFill/>
           <a:extLst>
             <a:ext uri="{909E8E84-426E-40dd-AFC4-6F175D3DCCD1}">
-              <a14:hiddenFill xmlns="" xmlns:a14="http://schemas.microsoft.com/office/drawing/2010/main">
+              <a14:hiddenFill xmlns:a14="http://schemas.microsoft.com/office/drawing/2010/main" xmlns="">
                 <a:solidFill>
                   <a:srgbClr val="FFFFFF"/>
                 </a:solidFill>
@@ -9572,7 +9575,7 @@
               </a:ln>
               <a:extLst>
                 <a:ext uri="{91240B29-F687-4f45-9708-019B960494DF}">
-                  <a14:hiddenLine xmlns="" xmlns:a14="http://schemas.microsoft.com/office/drawing/2010/main" w="9525">
+                  <a14:hiddenLine xmlns:a14="http://schemas.microsoft.com/office/drawing/2010/main" xmlns="" w="9525">
                     <a:solidFill>
                       <a:srgbClr val="000000"/>
                     </a:solidFill>
@@ -9662,7 +9665,7 @@
               </a:ln>
               <a:extLst>
                 <a:ext uri="{91240B29-F687-4f45-9708-019B960494DF}">
-                  <a14:hiddenLine xmlns="" xmlns:a14="http://schemas.microsoft.com/office/drawing/2010/main" w="9525">
+                  <a14:hiddenLine xmlns:a14="http://schemas.microsoft.com/office/drawing/2010/main" xmlns="" w="9525">
                     <a:solidFill>
                       <a:srgbClr val="000000"/>
                     </a:solidFill>
@@ -9752,7 +9755,7 @@
               </a:ln>
               <a:extLst>
                 <a:ext uri="{91240B29-F687-4f45-9708-019B960494DF}">
-                  <a14:hiddenLine xmlns="" xmlns:a14="http://schemas.microsoft.com/office/drawing/2010/main" w="9525">
+                  <a14:hiddenLine xmlns:a14="http://schemas.microsoft.com/office/drawing/2010/main" xmlns="" w="9525">
                     <a:solidFill>
                       <a:srgbClr val="000000"/>
                     </a:solidFill>
@@ -9814,7 +9817,7 @@
               </a:ln>
               <a:extLst>
                 <a:ext uri="{91240B29-F687-4f45-9708-019B960494DF}">
-                  <a14:hiddenLine xmlns="" xmlns:a14="http://schemas.microsoft.com/office/drawing/2010/main" w="9525">
+                  <a14:hiddenLine xmlns:a14="http://schemas.microsoft.com/office/drawing/2010/main" xmlns="" w="9525">
                     <a:solidFill>
                       <a:srgbClr val="000000"/>
                     </a:solidFill>
@@ -9904,7 +9907,7 @@
               </a:ln>
               <a:extLst>
                 <a:ext uri="{91240B29-F687-4f45-9708-019B960494DF}">
-                  <a14:hiddenLine xmlns="" xmlns:a14="http://schemas.microsoft.com/office/drawing/2010/main" w="9525">
+                  <a14:hiddenLine xmlns:a14="http://schemas.microsoft.com/office/drawing/2010/main" xmlns="" w="9525">
                     <a:solidFill>
                       <a:srgbClr val="000000"/>
                     </a:solidFill>
@@ -9966,7 +9969,7 @@
               </a:ln>
               <a:extLst>
                 <a:ext uri="{91240B29-F687-4f45-9708-019B960494DF}">
-                  <a14:hiddenLine xmlns="" xmlns:a14="http://schemas.microsoft.com/office/drawing/2010/main" w="9525">
+                  <a14:hiddenLine xmlns:a14="http://schemas.microsoft.com/office/drawing/2010/main" xmlns="" w="9525">
                     <a:solidFill>
                       <a:srgbClr val="000000"/>
                     </a:solidFill>
@@ -10028,7 +10031,7 @@
               </a:ln>
               <a:extLst>
                 <a:ext uri="{91240B29-F687-4f45-9708-019B960494DF}">
-                  <a14:hiddenLine xmlns="" xmlns:a14="http://schemas.microsoft.com/office/drawing/2010/main" w="9525">
+                  <a14:hiddenLine xmlns:a14="http://schemas.microsoft.com/office/drawing/2010/main" xmlns="" w="9525">
                     <a:solidFill>
                       <a:srgbClr val="000000"/>
                     </a:solidFill>
@@ -10118,7 +10121,7 @@
               </a:ln>
               <a:extLst>
                 <a:ext uri="{91240B29-F687-4f45-9708-019B960494DF}">
-                  <a14:hiddenLine xmlns="" xmlns:a14="http://schemas.microsoft.com/office/drawing/2010/main" w="9525">
+                  <a14:hiddenLine xmlns:a14="http://schemas.microsoft.com/office/drawing/2010/main" xmlns="" w="9525">
                     <a:solidFill>
                       <a:srgbClr val="000000"/>
                     </a:solidFill>
@@ -10208,7 +10211,7 @@
               </a:ln>
               <a:extLst>
                 <a:ext uri="{91240B29-F687-4f45-9708-019B960494DF}">
-                  <a14:hiddenLine xmlns="" xmlns:a14="http://schemas.microsoft.com/office/drawing/2010/main" w="9525">
+                  <a14:hiddenLine xmlns:a14="http://schemas.microsoft.com/office/drawing/2010/main" xmlns="" w="9525">
                     <a:solidFill>
                       <a:srgbClr val="000000"/>
                     </a:solidFill>
@@ -10270,7 +10273,7 @@
               </a:ln>
               <a:extLst>
                 <a:ext uri="{91240B29-F687-4f45-9708-019B960494DF}">
-                  <a14:hiddenLine xmlns="" xmlns:a14="http://schemas.microsoft.com/office/drawing/2010/main" w="9525">
+                  <a14:hiddenLine xmlns:a14="http://schemas.microsoft.com/office/drawing/2010/main" xmlns="" w="9525">
                     <a:solidFill>
                       <a:srgbClr val="000000"/>
                     </a:solidFill>
@@ -10380,7 +10383,7 @@
               </a:ln>
               <a:extLst>
                 <a:ext uri="{91240B29-F687-4f45-9708-019B960494DF}">
-                  <a14:hiddenLine xmlns="" xmlns:a14="http://schemas.microsoft.com/office/drawing/2010/main" w="9525">
+                  <a14:hiddenLine xmlns:a14="http://schemas.microsoft.com/office/drawing/2010/main" xmlns="" w="9525">
                     <a:solidFill>
                       <a:srgbClr val="000000"/>
                     </a:solidFill>
@@ -10464,7 +10467,7 @@
               </a:ln>
               <a:extLst>
                 <a:ext uri="{91240B29-F687-4f45-9708-019B960494DF}">
-                  <a14:hiddenLine xmlns="" xmlns:a14="http://schemas.microsoft.com/office/drawing/2010/main" w="9525">
+                  <a14:hiddenLine xmlns:a14="http://schemas.microsoft.com/office/drawing/2010/main" xmlns="" w="9525">
                     <a:solidFill>
                       <a:srgbClr val="000000"/>
                     </a:solidFill>
@@ -10526,7 +10529,7 @@
               </a:ln>
               <a:extLst>
                 <a:ext uri="{91240B29-F687-4f45-9708-019B960494DF}">
-                  <a14:hiddenLine xmlns="" xmlns:a14="http://schemas.microsoft.com/office/drawing/2010/main" w="9525">
+                  <a14:hiddenLine xmlns:a14="http://schemas.microsoft.com/office/drawing/2010/main" xmlns="" w="9525">
                     <a:solidFill>
                       <a:srgbClr val="000000"/>
                     </a:solidFill>
@@ -10588,7 +10591,7 @@
               </a:ln>
               <a:extLst>
                 <a:ext uri="{91240B29-F687-4f45-9708-019B960494DF}">
-                  <a14:hiddenLine xmlns="" xmlns:a14="http://schemas.microsoft.com/office/drawing/2010/main" w="9525">
+                  <a14:hiddenLine xmlns:a14="http://schemas.microsoft.com/office/drawing/2010/main" xmlns="" w="9525">
                     <a:solidFill>
                       <a:srgbClr val="000000"/>
                     </a:solidFill>
@@ -10678,7 +10681,7 @@
               </a:ln>
               <a:extLst>
                 <a:ext uri="{91240B29-F687-4f45-9708-019B960494DF}">
-                  <a14:hiddenLine xmlns="" xmlns:a14="http://schemas.microsoft.com/office/drawing/2010/main" w="9525">
+                  <a14:hiddenLine xmlns:a14="http://schemas.microsoft.com/office/drawing/2010/main" xmlns="" w="9525">
                     <a:solidFill>
                       <a:srgbClr val="000000"/>
                     </a:solidFill>
@@ -10712,7 +10715,7 @@
               </a:ln>
               <a:extLst>
                 <a:ext uri="{91240B29-F687-4f45-9708-019B960494DF}">
-                  <a14:hiddenLine xmlns="" xmlns:a14="http://schemas.microsoft.com/office/drawing/2010/main" w="9525">
+                  <a14:hiddenLine xmlns:a14="http://schemas.microsoft.com/office/drawing/2010/main" xmlns="" w="9525">
                     <a:solidFill>
                       <a:srgbClr val="000000"/>
                     </a:solidFill>
@@ -10777,7 +10780,7 @@
               </a:ln>
               <a:extLst>
                 <a:ext uri="{91240B29-F687-4f45-9708-019B960494DF}">
-                  <a14:hiddenLine xmlns="" xmlns:a14="http://schemas.microsoft.com/office/drawing/2010/main" w="9525">
+                  <a14:hiddenLine xmlns:a14="http://schemas.microsoft.com/office/drawing/2010/main" xmlns="" w="9525">
                     <a:solidFill>
                       <a:srgbClr val="000000"/>
                     </a:solidFill>
@@ -10867,7 +10870,7 @@
               </a:ln>
               <a:extLst>
                 <a:ext uri="{91240B29-F687-4f45-9708-019B960494DF}">
-                  <a14:hiddenLine xmlns="" xmlns:a14="http://schemas.microsoft.com/office/drawing/2010/main" w="9525">
+                  <a14:hiddenLine xmlns:a14="http://schemas.microsoft.com/office/drawing/2010/main" xmlns="" w="9525">
                     <a:solidFill>
                       <a:srgbClr val="000000"/>
                     </a:solidFill>
@@ -10929,7 +10932,7 @@
               </a:ln>
               <a:extLst>
                 <a:ext uri="{91240B29-F687-4f45-9708-019B960494DF}">
-                  <a14:hiddenLine xmlns="" xmlns:a14="http://schemas.microsoft.com/office/drawing/2010/main" w="9525">
+                  <a14:hiddenLine xmlns:a14="http://schemas.microsoft.com/office/drawing/2010/main" xmlns="" w="9525">
                     <a:solidFill>
                       <a:srgbClr val="000000"/>
                     </a:solidFill>
@@ -11019,7 +11022,7 @@
               </a:ln>
               <a:extLst>
                 <a:ext uri="{91240B29-F687-4f45-9708-019B960494DF}">
-                  <a14:hiddenLine xmlns="" xmlns:a14="http://schemas.microsoft.com/office/drawing/2010/main" w="9525">
+                  <a14:hiddenLine xmlns:a14="http://schemas.microsoft.com/office/drawing/2010/main" xmlns="" w="9525">
                     <a:solidFill>
                       <a:srgbClr val="000000"/>
                     </a:solidFill>
@@ -11084,7 +11087,7 @@
               </a:ln>
               <a:extLst>
                 <a:ext uri="{91240B29-F687-4f45-9708-019B960494DF}">
-                  <a14:hiddenLine xmlns="" xmlns:a14="http://schemas.microsoft.com/office/drawing/2010/main" w="9525">
+                  <a14:hiddenLine xmlns:a14="http://schemas.microsoft.com/office/drawing/2010/main" xmlns="" w="9525">
                     <a:solidFill>
                       <a:srgbClr val="000000"/>
                     </a:solidFill>
@@ -11146,7 +11149,7 @@
               </a:ln>
               <a:extLst>
                 <a:ext uri="{91240B29-F687-4f45-9708-019B960494DF}">
-                  <a14:hiddenLine xmlns="" xmlns:a14="http://schemas.microsoft.com/office/drawing/2010/main" w="9525">
+                  <a14:hiddenLine xmlns:a14="http://schemas.microsoft.com/office/drawing/2010/main" xmlns="" w="9525">
                     <a:solidFill>
                       <a:srgbClr val="000000"/>
                     </a:solidFill>
@@ -11236,7 +11239,7 @@
               </a:ln>
               <a:extLst>
                 <a:ext uri="{91240B29-F687-4f45-9708-019B960494DF}">
-                  <a14:hiddenLine xmlns="" xmlns:a14="http://schemas.microsoft.com/office/drawing/2010/main" w="9525">
+                  <a14:hiddenLine xmlns:a14="http://schemas.microsoft.com/office/drawing/2010/main" xmlns="" w="9525">
                     <a:solidFill>
                       <a:srgbClr val="000000"/>
                     </a:solidFill>
@@ -11326,7 +11329,7 @@
               </a:ln>
               <a:extLst>
                 <a:ext uri="{91240B29-F687-4f45-9708-019B960494DF}">
-                  <a14:hiddenLine xmlns="" xmlns:a14="http://schemas.microsoft.com/office/drawing/2010/main" w="9525">
+                  <a14:hiddenLine xmlns:a14="http://schemas.microsoft.com/office/drawing/2010/main" xmlns="" w="9525">
                     <a:solidFill>
                       <a:srgbClr val="000000"/>
                     </a:solidFill>
@@ -11391,7 +11394,7 @@
               </a:ln>
               <a:extLst>
                 <a:ext uri="{91240B29-F687-4f45-9708-019B960494DF}">
-                  <a14:hiddenLine xmlns="" xmlns:a14="http://schemas.microsoft.com/office/drawing/2010/main" w="9525">
+                  <a14:hiddenLine xmlns:a14="http://schemas.microsoft.com/office/drawing/2010/main" xmlns="" w="9525">
                     <a:solidFill>
                       <a:srgbClr val="000000"/>
                     </a:solidFill>
@@ -11511,7 +11514,7 @@
               </a:ln>
               <a:extLst>
                 <a:ext uri="{91240B29-F687-4f45-9708-019B960494DF}">
-                  <a14:hiddenLine xmlns="" xmlns:a14="http://schemas.microsoft.com/office/drawing/2010/main" w="9525">
+                  <a14:hiddenLine xmlns:a14="http://schemas.microsoft.com/office/drawing/2010/main" xmlns="" w="9525">
                     <a:solidFill>
                       <a:srgbClr val="000000"/>
                     </a:solidFill>
@@ -11609,7 +11612,7 @@
               </a:ln>
               <a:extLst>
                 <a:ext uri="{91240B29-F687-4f45-9708-019B960494DF}">
-                  <a14:hiddenLine xmlns="" xmlns:a14="http://schemas.microsoft.com/office/drawing/2010/main" w="9525">
+                  <a14:hiddenLine xmlns:a14="http://schemas.microsoft.com/office/drawing/2010/main" xmlns="" w="9525">
                     <a:solidFill>
                       <a:srgbClr val="000000"/>
                     </a:solidFill>
@@ -11724,7 +11727,7 @@
               </a:ln>
               <a:extLst>
                 <a:ext uri="{91240B29-F687-4f45-9708-019B960494DF}">
-                  <a14:hiddenLine xmlns="" xmlns:a14="http://schemas.microsoft.com/office/drawing/2010/main" w="9525">
+                  <a14:hiddenLine xmlns:a14="http://schemas.microsoft.com/office/drawing/2010/main" xmlns="" w="9525">
                     <a:solidFill>
                       <a:srgbClr val="000000"/>
                     </a:solidFill>
@@ -11814,7 +11817,7 @@
               </a:ln>
               <a:extLst>
                 <a:ext uri="{91240B29-F687-4f45-9708-019B960494DF}">
-                  <a14:hiddenLine xmlns="" xmlns:a14="http://schemas.microsoft.com/office/drawing/2010/main" w="9525">
+                  <a14:hiddenLine xmlns:a14="http://schemas.microsoft.com/office/drawing/2010/main" xmlns="" w="9525">
                     <a:solidFill>
                       <a:srgbClr val="000000"/>
                     </a:solidFill>
@@ -11879,7 +11882,7 @@
               </a:ln>
               <a:extLst>
                 <a:ext uri="{91240B29-F687-4f45-9708-019B960494DF}">
-                  <a14:hiddenLine xmlns="" xmlns:a14="http://schemas.microsoft.com/office/drawing/2010/main" w="9525">
+                  <a14:hiddenLine xmlns:a14="http://schemas.microsoft.com/office/drawing/2010/main" xmlns="" w="9525">
                     <a:solidFill>
                       <a:srgbClr val="000000"/>
                     </a:solidFill>
@@ -11969,7 +11972,7 @@
               </a:ln>
               <a:extLst>
                 <a:ext uri="{91240B29-F687-4f45-9708-019B960494DF}">
-                  <a14:hiddenLine xmlns="" xmlns:a14="http://schemas.microsoft.com/office/drawing/2010/main" w="9525">
+                  <a14:hiddenLine xmlns:a14="http://schemas.microsoft.com/office/drawing/2010/main" xmlns="" w="9525">
                     <a:solidFill>
                       <a:srgbClr val="000000"/>
                     </a:solidFill>
@@ -12037,7 +12040,7 @@
               </a:ln>
               <a:extLst>
                 <a:ext uri="{91240B29-F687-4f45-9708-019B960494DF}">
-                  <a14:hiddenLine xmlns="" xmlns:a14="http://schemas.microsoft.com/office/drawing/2010/main" w="9525">
+                  <a14:hiddenLine xmlns:a14="http://schemas.microsoft.com/office/drawing/2010/main" xmlns="" w="9525">
                     <a:solidFill>
                       <a:srgbClr val="000000"/>
                     </a:solidFill>
@@ -12127,7 +12130,7 @@
               </a:ln>
               <a:extLst>
                 <a:ext uri="{91240B29-F687-4f45-9708-019B960494DF}">
-                  <a14:hiddenLine xmlns="" xmlns:a14="http://schemas.microsoft.com/office/drawing/2010/main" w="9525">
+                  <a14:hiddenLine xmlns:a14="http://schemas.microsoft.com/office/drawing/2010/main" xmlns="" w="9525">
                     <a:solidFill>
                       <a:srgbClr val="000000"/>
                     </a:solidFill>
@@ -12195,7 +12198,7 @@
               </a:ln>
               <a:extLst>
                 <a:ext uri="{91240B29-F687-4f45-9708-019B960494DF}">
-                  <a14:hiddenLine xmlns="" xmlns:a14="http://schemas.microsoft.com/office/drawing/2010/main" w="9525">
+                  <a14:hiddenLine xmlns:a14="http://schemas.microsoft.com/office/drawing/2010/main" xmlns="" w="9525">
                     <a:solidFill>
                       <a:srgbClr val="000000"/>
                     </a:solidFill>
@@ -12285,7 +12288,7 @@
               </a:ln>
               <a:extLst>
                 <a:ext uri="{91240B29-F687-4f45-9708-019B960494DF}">
-                  <a14:hiddenLine xmlns="" xmlns:a14="http://schemas.microsoft.com/office/drawing/2010/main" w="9525">
+                  <a14:hiddenLine xmlns:a14="http://schemas.microsoft.com/office/drawing/2010/main" xmlns="" w="9525">
                     <a:solidFill>
                       <a:srgbClr val="000000"/>
                     </a:solidFill>
@@ -12319,7 +12322,7 @@
               </a:ln>
               <a:extLst>
                 <a:ext uri="{91240B29-F687-4f45-9708-019B960494DF}">
-                  <a14:hiddenLine xmlns="" xmlns:a14="http://schemas.microsoft.com/office/drawing/2010/main" w="9525">
+                  <a14:hiddenLine xmlns:a14="http://schemas.microsoft.com/office/drawing/2010/main" xmlns="" w="9525">
                     <a:solidFill>
                       <a:srgbClr val="000000"/>
                     </a:solidFill>
@@ -12389,35 +12392,35 @@
           <a:p>
             <a:pPr lvl="0"/>
             <a:r>
-              <a:rPr lang="fr-FR" smtClean="0"/>
+              <a:rPr lang="fr-FR"/>
               <a:t>Cliquez pour modifier les styles du texte du masque</a:t>
             </a:r>
           </a:p>
           <a:p>
             <a:pPr lvl="1"/>
             <a:r>
-              <a:rPr lang="fr-FR" smtClean="0"/>
+              <a:rPr lang="fr-FR"/>
               <a:t>Deuxième niveau</a:t>
             </a:r>
           </a:p>
           <a:p>
             <a:pPr lvl="2"/>
             <a:r>
-              <a:rPr lang="fr-FR" smtClean="0"/>
+              <a:rPr lang="fr-FR"/>
               <a:t>Troisième niveau</a:t>
             </a:r>
           </a:p>
           <a:p>
             <a:pPr lvl="3"/>
             <a:r>
-              <a:rPr lang="fr-FR" smtClean="0"/>
+              <a:rPr lang="fr-FR"/>
               <a:t>Quatrième niveau</a:t>
             </a:r>
           </a:p>
           <a:p>
             <a:pPr lvl="4"/>
             <a:r>
-              <a:rPr lang="fr-FR" smtClean="0"/>
+              <a:rPr lang="fr-FR"/>
               <a:t>Cinquième niveau</a:t>
             </a:r>
             <a:endParaRPr lang="en-US" dirty="0"/>
@@ -12460,7 +12463,7 @@
             <a:fld id="{48A87A34-81AB-432B-8DAE-1953F412C126}" type="datetimeFigureOut">
               <a:rPr lang="en-US" dirty="0"/>
               <a:pPr/>
-              <a:t>9/15/16</a:t>
+              <a:t>9/16/2016</a:t>
             </a:fld>
             <a:endParaRPr lang="en-US" dirty="0"/>
           </a:p>
@@ -12539,7 +12542,7 @@
             <a:fld id="{6D22F896-40B5-4ADD-8801-0D06FADFA095}" type="slidenum">
               <a:rPr lang="en-US" dirty="0"/>
               <a:pPr/>
-              <a:t>‹#›</a:t>
+              <a:t>‹N°›</a:t>
             </a:fld>
             <a:endParaRPr lang="en-US" dirty="0"/>
           </a:p>
@@ -12892,10 +12895,9 @@
           <a:lstStyle/>
           <a:p>
             <a:r>
-              <a:rPr lang="fr-FR" dirty="0" smtClean="0"/>
+              <a:rPr lang="fr-FR" dirty="0"/>
               <a:t>Smart Windows</a:t>
             </a:r>
-            <a:endParaRPr lang="fr-FR" dirty="0"/>
           </a:p>
         </p:txBody>
       </p:sp>
@@ -13048,13 +13050,1413 @@
   <p:clrMapOvr>
     <a:masterClrMapping/>
   </p:clrMapOvr>
+</p:sld>
+</file>
+
+<file path=ppt/slides/slide10.xml><?xml version="1.0" encoding="utf-8"?>
+<p:sld xmlns:a="http://schemas.openxmlformats.org/drawingml/2006/main" xmlns:r="http://schemas.openxmlformats.org/officeDocument/2006/relationships" xmlns:p="http://schemas.openxmlformats.org/presentationml/2006/main">
+  <p:cSld>
+    <p:spTree>
+      <p:nvGrpSpPr>
+        <p:cNvPr id="1" name=""/>
+        <p:cNvGrpSpPr/>
+        <p:nvPr/>
+      </p:nvGrpSpPr>
+      <p:grpSpPr>
+        <a:xfrm>
+          <a:off x="0" y="0"/>
+          <a:ext cx="0" cy="0"/>
+          <a:chOff x="0" y="0"/>
+          <a:chExt cx="0" cy="0"/>
+        </a:xfrm>
+      </p:grpSpPr>
+      <p:sp>
+        <p:nvSpPr>
+          <p:cNvPr id="2" name="Titre 1"/>
+          <p:cNvSpPr>
+            <a:spLocks noGrp="1"/>
+          </p:cNvSpPr>
+          <p:nvPr>
+            <p:ph type="title"/>
+          </p:nvPr>
+        </p:nvSpPr>
+        <p:spPr/>
+        <p:txBody>
+          <a:bodyPr/>
+          <a:lstStyle/>
+          <a:p>
+            <a:r>
+              <a:rPr lang="fr-FR" dirty="0"/>
+              <a:t>Communication </a:t>
+            </a:r>
+            <a:r>
+              <a:rPr lang="fr-FR" dirty="0" err="1"/>
+              <a:t>Waspmote</a:t>
+            </a:r>
+            <a:r>
+              <a:rPr lang="fr-FR" dirty="0"/>
+              <a:t> – Python</a:t>
+            </a:r>
+          </a:p>
+        </p:txBody>
+      </p:sp>
+      <p:sp>
+        <p:nvSpPr>
+          <p:cNvPr id="7" name="Rectangle 6"/>
+          <p:cNvSpPr/>
+          <p:nvPr/>
+        </p:nvSpPr>
+        <p:spPr>
+          <a:xfrm>
+            <a:off x="1324293" y="2651760"/>
+            <a:ext cx="1773936" cy="1773936"/>
+          </a:xfrm>
+          <a:prstGeom prst="rect">
+            <a:avLst/>
+          </a:prstGeom>
+          <a:solidFill>
+            <a:srgbClr val="2E74B5"/>
+          </a:solidFill>
+        </p:spPr>
+        <p:style>
+          <a:lnRef idx="2">
+            <a:schemeClr val="accent1">
+              <a:shade val="50000"/>
+            </a:schemeClr>
+          </a:lnRef>
+          <a:fillRef idx="1">
+            <a:schemeClr val="accent1"/>
+          </a:fillRef>
+          <a:effectRef idx="0">
+            <a:schemeClr val="accent1"/>
+          </a:effectRef>
+          <a:fontRef idx="minor">
+            <a:schemeClr val="lt1"/>
+          </a:fontRef>
+        </p:style>
+        <p:txBody>
+          <a:bodyPr rtlCol="0" anchor="ctr"/>
+          <a:lstStyle/>
+          <a:p>
+            <a:pPr algn="ctr"/>
+            <a:r>
+              <a:rPr lang="fr-FR" dirty="0"/>
+              <a:t>Envoi des données sur le port UART</a:t>
+            </a:r>
+          </a:p>
+        </p:txBody>
+      </p:sp>
+      <p:cxnSp>
+        <p:nvCxnSpPr>
+          <p:cNvPr id="9" name="Connecteur droit avec flèche 8"/>
+          <p:cNvCxnSpPr/>
+          <p:nvPr/>
+        </p:nvCxnSpPr>
+        <p:spPr>
+          <a:xfrm>
+            <a:off x="3317684" y="3392424"/>
+            <a:ext cx="420624" cy="0"/>
+          </a:xfrm>
+          <a:prstGeom prst="straightConnector1">
+            <a:avLst/>
+          </a:prstGeom>
+          <a:ln>
+            <a:tailEnd type="triangle"/>
+          </a:ln>
+        </p:spPr>
+        <p:style>
+          <a:lnRef idx="1">
+            <a:schemeClr val="accent1"/>
+          </a:lnRef>
+          <a:fillRef idx="0">
+            <a:schemeClr val="accent1"/>
+          </a:fillRef>
+          <a:effectRef idx="0">
+            <a:schemeClr val="accent1"/>
+          </a:effectRef>
+          <a:fontRef idx="minor">
+            <a:schemeClr val="tx1"/>
+          </a:fontRef>
+        </p:style>
+      </p:cxnSp>
+      <p:sp>
+        <p:nvSpPr>
+          <p:cNvPr id="11" name="Rectangle 10"/>
+          <p:cNvSpPr/>
+          <p:nvPr/>
+        </p:nvSpPr>
+        <p:spPr>
+          <a:xfrm>
+            <a:off x="3957765" y="2651760"/>
+            <a:ext cx="1773936" cy="1773936"/>
+          </a:xfrm>
+          <a:prstGeom prst="rect">
+            <a:avLst/>
+          </a:prstGeom>
+          <a:solidFill>
+            <a:srgbClr val="2E74B5"/>
+          </a:solidFill>
+        </p:spPr>
+        <p:style>
+          <a:lnRef idx="2">
+            <a:schemeClr val="accent1">
+              <a:shade val="50000"/>
+            </a:schemeClr>
+          </a:lnRef>
+          <a:fillRef idx="1">
+            <a:schemeClr val="accent1"/>
+          </a:fillRef>
+          <a:effectRef idx="0">
+            <a:schemeClr val="accent1"/>
+          </a:effectRef>
+          <a:fontRef idx="minor">
+            <a:schemeClr val="lt1"/>
+          </a:fontRef>
+        </p:style>
+        <p:txBody>
+          <a:bodyPr rtlCol="0" anchor="ctr"/>
+          <a:lstStyle/>
+          <a:p>
+            <a:pPr algn="ctr"/>
+            <a:r>
+              <a:rPr lang="fr-FR" dirty="0"/>
+              <a:t>Réception et envoi par le </a:t>
+            </a:r>
+            <a:r>
+              <a:rPr lang="fr-FR" dirty="0" err="1"/>
+              <a:t>WiFly</a:t>
+            </a:r>
+            <a:endParaRPr lang="fr-FR" dirty="0"/>
+          </a:p>
+        </p:txBody>
+      </p:sp>
+      <p:sp>
+        <p:nvSpPr>
+          <p:cNvPr id="15" name="Rectangle 14"/>
+          <p:cNvSpPr/>
+          <p:nvPr/>
+        </p:nvSpPr>
+        <p:spPr>
+          <a:xfrm>
+            <a:off x="6591237" y="2651760"/>
+            <a:ext cx="1773936" cy="1773936"/>
+          </a:xfrm>
+          <a:prstGeom prst="rect">
+            <a:avLst/>
+          </a:prstGeom>
+          <a:solidFill>
+            <a:srgbClr val="2E74B5"/>
+          </a:solidFill>
+        </p:spPr>
+        <p:style>
+          <a:lnRef idx="2">
+            <a:schemeClr val="accent1">
+              <a:shade val="50000"/>
+            </a:schemeClr>
+          </a:lnRef>
+          <a:fillRef idx="1">
+            <a:schemeClr val="accent1"/>
+          </a:fillRef>
+          <a:effectRef idx="0">
+            <a:schemeClr val="accent1"/>
+          </a:effectRef>
+          <a:fontRef idx="minor">
+            <a:schemeClr val="lt1"/>
+          </a:fontRef>
+        </p:style>
+        <p:txBody>
+          <a:bodyPr rtlCol="0" anchor="ctr"/>
+          <a:lstStyle/>
+          <a:p>
+            <a:pPr algn="ctr"/>
+            <a:r>
+              <a:rPr lang="fr-FR" dirty="0"/>
+              <a:t>Traitement des données par le code Python</a:t>
+            </a:r>
+          </a:p>
+        </p:txBody>
+      </p:sp>
+      <p:cxnSp>
+        <p:nvCxnSpPr>
+          <p:cNvPr id="12" name="Connecteur droit avec flèche 11"/>
+          <p:cNvCxnSpPr/>
+          <p:nvPr/>
+        </p:nvCxnSpPr>
+        <p:spPr>
+          <a:xfrm rot="10800000">
+            <a:off x="3317684" y="3691128"/>
+            <a:ext cx="420624" cy="0"/>
+          </a:xfrm>
+          <a:prstGeom prst="straightConnector1">
+            <a:avLst/>
+          </a:prstGeom>
+          <a:ln>
+            <a:tailEnd type="triangle"/>
+          </a:ln>
+        </p:spPr>
+        <p:style>
+          <a:lnRef idx="1">
+            <a:schemeClr val="accent1"/>
+          </a:lnRef>
+          <a:fillRef idx="0">
+            <a:schemeClr val="accent1"/>
+          </a:fillRef>
+          <a:effectRef idx="0">
+            <a:schemeClr val="accent1"/>
+          </a:effectRef>
+          <a:fontRef idx="minor">
+            <a:schemeClr val="tx1"/>
+          </a:fontRef>
+        </p:style>
+      </p:cxnSp>
+      <p:cxnSp>
+        <p:nvCxnSpPr>
+          <p:cNvPr id="17" name="Connecteur droit avec flèche 16"/>
+          <p:cNvCxnSpPr/>
+          <p:nvPr/>
+        </p:nvCxnSpPr>
+        <p:spPr>
+          <a:xfrm>
+            <a:off x="5951156" y="3358896"/>
+            <a:ext cx="420624" cy="0"/>
+          </a:xfrm>
+          <a:prstGeom prst="straightConnector1">
+            <a:avLst/>
+          </a:prstGeom>
+          <a:ln>
+            <a:tailEnd type="triangle"/>
+          </a:ln>
+        </p:spPr>
+        <p:style>
+          <a:lnRef idx="1">
+            <a:schemeClr val="accent1"/>
+          </a:lnRef>
+          <a:fillRef idx="0">
+            <a:schemeClr val="accent1"/>
+          </a:fillRef>
+          <a:effectRef idx="0">
+            <a:schemeClr val="accent1"/>
+          </a:effectRef>
+          <a:fontRef idx="minor">
+            <a:schemeClr val="tx1"/>
+          </a:fontRef>
+        </p:style>
+      </p:cxnSp>
+      <p:cxnSp>
+        <p:nvCxnSpPr>
+          <p:cNvPr id="18" name="Connecteur droit avec flèche 17"/>
+          <p:cNvCxnSpPr/>
+          <p:nvPr/>
+        </p:nvCxnSpPr>
+        <p:spPr>
+          <a:xfrm rot="10800000">
+            <a:off x="5951156" y="3657600"/>
+            <a:ext cx="420624" cy="0"/>
+          </a:xfrm>
+          <a:prstGeom prst="straightConnector1">
+            <a:avLst/>
+          </a:prstGeom>
+          <a:ln>
+            <a:tailEnd type="triangle"/>
+          </a:ln>
+        </p:spPr>
+        <p:style>
+          <a:lnRef idx="1">
+            <a:schemeClr val="accent1"/>
+          </a:lnRef>
+          <a:fillRef idx="0">
+            <a:schemeClr val="accent1"/>
+          </a:fillRef>
+          <a:effectRef idx="0">
+            <a:schemeClr val="accent1"/>
+          </a:effectRef>
+          <a:fontRef idx="minor">
+            <a:schemeClr val="tx1"/>
+          </a:fontRef>
+        </p:style>
+      </p:cxnSp>
+      <p:cxnSp>
+        <p:nvCxnSpPr>
+          <p:cNvPr id="19" name="Connecteur droit avec flèche 18"/>
+          <p:cNvCxnSpPr/>
+          <p:nvPr/>
+        </p:nvCxnSpPr>
+        <p:spPr>
+          <a:xfrm>
+            <a:off x="8663876" y="3523488"/>
+            <a:ext cx="420624" cy="0"/>
+          </a:xfrm>
+          <a:prstGeom prst="straightConnector1">
+            <a:avLst/>
+          </a:prstGeom>
+          <a:ln>
+            <a:tailEnd type="triangle"/>
+          </a:ln>
+        </p:spPr>
+        <p:style>
+          <a:lnRef idx="1">
+            <a:schemeClr val="accent1"/>
+          </a:lnRef>
+          <a:fillRef idx="0">
+            <a:schemeClr val="accent1"/>
+          </a:fillRef>
+          <a:effectRef idx="0">
+            <a:schemeClr val="accent1"/>
+          </a:effectRef>
+          <a:fontRef idx="minor">
+            <a:schemeClr val="tx1"/>
+          </a:fontRef>
+        </p:style>
+      </p:cxnSp>
+      <p:sp>
+        <p:nvSpPr>
+          <p:cNvPr id="3" name="ZoneTexte 2"/>
+          <p:cNvSpPr txBox="1"/>
+          <p:nvPr/>
+        </p:nvSpPr>
+        <p:spPr>
+          <a:xfrm>
+            <a:off x="9206421" y="3227308"/>
+            <a:ext cx="603504" cy="461665"/>
+          </a:xfrm>
+          <a:prstGeom prst="rect">
+            <a:avLst/>
+          </a:prstGeom>
+          <a:noFill/>
+        </p:spPr>
+        <p:txBody>
+          <a:bodyPr wrap="square" rtlCol="0">
+            <a:spAutoFit/>
+          </a:bodyPr>
+          <a:lstStyle/>
+          <a:p>
+            <a:r>
+              <a:rPr lang="is-IS" sz="2400" dirty="0"/>
+              <a:t>…</a:t>
+            </a:r>
+            <a:endParaRPr lang="fr-FR" sz="2400" dirty="0"/>
+          </a:p>
+        </p:txBody>
+      </p:sp>
+    </p:spTree>
+    <p:extLst>
+      <p:ext uri="{BB962C8B-B14F-4D97-AF65-F5344CB8AC3E}">
+        <p14:creationId xmlns:p14="http://schemas.microsoft.com/office/powerpoint/2010/main" val="1424337800"/>
+      </p:ext>
+    </p:extLst>
+  </p:cSld>
+  <p:clrMapOvr>
+    <a:masterClrMapping/>
+  </p:clrMapOvr>
   <p:timing>
     <p:tnLst>
       <p:par>
-        <p:cTn id="1" dur="indefinite" restart="never" nodeType="tmRoot"/>
+        <p:cTn id="1" dur="indefinite" restart="never" nodeType="tmRoot">
+          <p:childTnLst>
+            <p:seq concurrent="1" nextAc="seek">
+              <p:cTn id="2" dur="indefinite" nodeType="mainSeq">
+                <p:childTnLst>
+                  <p:par>
+                    <p:cTn id="3" fill="hold">
+                      <p:stCondLst>
+                        <p:cond delay="indefinite"/>
+                      </p:stCondLst>
+                      <p:childTnLst>
+                        <p:par>
+                          <p:cTn id="4" fill="hold">
+                            <p:stCondLst>
+                              <p:cond delay="0"/>
+                            </p:stCondLst>
+                            <p:childTnLst>
+                              <p:par>
+                                <p:cTn id="5" presetID="1" presetClass="entr" presetSubtype="0" fill="hold" grpId="0" nodeType="clickEffect">
+                                  <p:stCondLst>
+                                    <p:cond delay="0"/>
+                                  </p:stCondLst>
+                                  <p:childTnLst>
+                                    <p:set>
+                                      <p:cBhvr>
+                                        <p:cTn id="6" dur="1" fill="hold">
+                                          <p:stCondLst>
+                                            <p:cond delay="0"/>
+                                          </p:stCondLst>
+                                        </p:cTn>
+                                        <p:tgtEl>
+                                          <p:spTgt spid="7"/>
+                                        </p:tgtEl>
+                                        <p:attrNameLst>
+                                          <p:attrName>style.visibility</p:attrName>
+                                        </p:attrNameLst>
+                                      </p:cBhvr>
+                                      <p:to>
+                                        <p:strVal val="visible"/>
+                                      </p:to>
+                                    </p:set>
+                                  </p:childTnLst>
+                                </p:cTn>
+                              </p:par>
+                            </p:childTnLst>
+                          </p:cTn>
+                        </p:par>
+                      </p:childTnLst>
+                    </p:cTn>
+                  </p:par>
+                  <p:par>
+                    <p:cTn id="7" fill="hold">
+                      <p:stCondLst>
+                        <p:cond delay="indefinite"/>
+                      </p:stCondLst>
+                      <p:childTnLst>
+                        <p:par>
+                          <p:cTn id="8" fill="hold">
+                            <p:stCondLst>
+                              <p:cond delay="0"/>
+                            </p:stCondLst>
+                            <p:childTnLst>
+                              <p:par>
+                                <p:cTn id="9" presetID="1" presetClass="entr" presetSubtype="0" fill="hold" nodeType="clickEffect">
+                                  <p:stCondLst>
+                                    <p:cond delay="0"/>
+                                  </p:stCondLst>
+                                  <p:childTnLst>
+                                    <p:set>
+                                      <p:cBhvr>
+                                        <p:cTn id="10" dur="1" fill="hold">
+                                          <p:stCondLst>
+                                            <p:cond delay="0"/>
+                                          </p:stCondLst>
+                                        </p:cTn>
+                                        <p:tgtEl>
+                                          <p:spTgt spid="12"/>
+                                        </p:tgtEl>
+                                        <p:attrNameLst>
+                                          <p:attrName>style.visibility</p:attrName>
+                                        </p:attrNameLst>
+                                      </p:cBhvr>
+                                      <p:to>
+                                        <p:strVal val="visible"/>
+                                      </p:to>
+                                    </p:set>
+                                  </p:childTnLst>
+                                </p:cTn>
+                              </p:par>
+                              <p:par>
+                                <p:cTn id="11" presetID="1" presetClass="entr" presetSubtype="0" fill="hold" nodeType="withEffect">
+                                  <p:stCondLst>
+                                    <p:cond delay="0"/>
+                                  </p:stCondLst>
+                                  <p:childTnLst>
+                                    <p:set>
+                                      <p:cBhvr>
+                                        <p:cTn id="12" dur="1" fill="hold">
+                                          <p:stCondLst>
+                                            <p:cond delay="0"/>
+                                          </p:stCondLst>
+                                        </p:cTn>
+                                        <p:tgtEl>
+                                          <p:spTgt spid="9"/>
+                                        </p:tgtEl>
+                                        <p:attrNameLst>
+                                          <p:attrName>style.visibility</p:attrName>
+                                        </p:attrNameLst>
+                                      </p:cBhvr>
+                                      <p:to>
+                                        <p:strVal val="visible"/>
+                                      </p:to>
+                                    </p:set>
+                                  </p:childTnLst>
+                                </p:cTn>
+                              </p:par>
+                              <p:par>
+                                <p:cTn id="13" presetID="1" presetClass="entr" presetSubtype="0" fill="hold" grpId="0" nodeType="withEffect">
+                                  <p:stCondLst>
+                                    <p:cond delay="0"/>
+                                  </p:stCondLst>
+                                  <p:childTnLst>
+                                    <p:set>
+                                      <p:cBhvr>
+                                        <p:cTn id="14" dur="1" fill="hold">
+                                          <p:stCondLst>
+                                            <p:cond delay="0"/>
+                                          </p:stCondLst>
+                                        </p:cTn>
+                                        <p:tgtEl>
+                                          <p:spTgt spid="11"/>
+                                        </p:tgtEl>
+                                        <p:attrNameLst>
+                                          <p:attrName>style.visibility</p:attrName>
+                                        </p:attrNameLst>
+                                      </p:cBhvr>
+                                      <p:to>
+                                        <p:strVal val="visible"/>
+                                      </p:to>
+                                    </p:set>
+                                  </p:childTnLst>
+                                </p:cTn>
+                              </p:par>
+                            </p:childTnLst>
+                          </p:cTn>
+                        </p:par>
+                      </p:childTnLst>
+                    </p:cTn>
+                  </p:par>
+                  <p:par>
+                    <p:cTn id="15" fill="hold">
+                      <p:stCondLst>
+                        <p:cond delay="indefinite"/>
+                      </p:stCondLst>
+                      <p:childTnLst>
+                        <p:par>
+                          <p:cTn id="16" fill="hold">
+                            <p:stCondLst>
+                              <p:cond delay="0"/>
+                            </p:stCondLst>
+                            <p:childTnLst>
+                              <p:par>
+                                <p:cTn id="17" presetID="1" presetClass="entr" presetSubtype="0" fill="hold" nodeType="clickEffect">
+                                  <p:stCondLst>
+                                    <p:cond delay="0"/>
+                                  </p:stCondLst>
+                                  <p:childTnLst>
+                                    <p:set>
+                                      <p:cBhvr>
+                                        <p:cTn id="18" dur="1" fill="hold">
+                                          <p:stCondLst>
+                                            <p:cond delay="0"/>
+                                          </p:stCondLst>
+                                        </p:cTn>
+                                        <p:tgtEl>
+                                          <p:spTgt spid="17"/>
+                                        </p:tgtEl>
+                                        <p:attrNameLst>
+                                          <p:attrName>style.visibility</p:attrName>
+                                        </p:attrNameLst>
+                                      </p:cBhvr>
+                                      <p:to>
+                                        <p:strVal val="visible"/>
+                                      </p:to>
+                                    </p:set>
+                                  </p:childTnLst>
+                                </p:cTn>
+                              </p:par>
+                              <p:par>
+                                <p:cTn id="19" presetID="1" presetClass="entr" presetSubtype="0" fill="hold" nodeType="withEffect">
+                                  <p:stCondLst>
+                                    <p:cond delay="0"/>
+                                  </p:stCondLst>
+                                  <p:childTnLst>
+                                    <p:set>
+                                      <p:cBhvr>
+                                        <p:cTn id="20" dur="1" fill="hold">
+                                          <p:stCondLst>
+                                            <p:cond delay="0"/>
+                                          </p:stCondLst>
+                                        </p:cTn>
+                                        <p:tgtEl>
+                                          <p:spTgt spid="18"/>
+                                        </p:tgtEl>
+                                        <p:attrNameLst>
+                                          <p:attrName>style.visibility</p:attrName>
+                                        </p:attrNameLst>
+                                      </p:cBhvr>
+                                      <p:to>
+                                        <p:strVal val="visible"/>
+                                      </p:to>
+                                    </p:set>
+                                  </p:childTnLst>
+                                </p:cTn>
+                              </p:par>
+                              <p:par>
+                                <p:cTn id="21" presetID="1" presetClass="entr" presetSubtype="0" fill="hold" grpId="0" nodeType="withEffect">
+                                  <p:stCondLst>
+                                    <p:cond delay="0"/>
+                                  </p:stCondLst>
+                                  <p:childTnLst>
+                                    <p:set>
+                                      <p:cBhvr>
+                                        <p:cTn id="22" dur="1" fill="hold">
+                                          <p:stCondLst>
+                                            <p:cond delay="0"/>
+                                          </p:stCondLst>
+                                        </p:cTn>
+                                        <p:tgtEl>
+                                          <p:spTgt spid="15"/>
+                                        </p:tgtEl>
+                                        <p:attrNameLst>
+                                          <p:attrName>style.visibility</p:attrName>
+                                        </p:attrNameLst>
+                                      </p:cBhvr>
+                                      <p:to>
+                                        <p:strVal val="visible"/>
+                                      </p:to>
+                                    </p:set>
+                                  </p:childTnLst>
+                                </p:cTn>
+                              </p:par>
+                              <p:par>
+                                <p:cTn id="23" presetID="1" presetClass="entr" presetSubtype="0" fill="hold" nodeType="withEffect">
+                                  <p:stCondLst>
+                                    <p:cond delay="0"/>
+                                  </p:stCondLst>
+                                  <p:childTnLst>
+                                    <p:set>
+                                      <p:cBhvr>
+                                        <p:cTn id="24" dur="1" fill="hold">
+                                          <p:stCondLst>
+                                            <p:cond delay="0"/>
+                                          </p:stCondLst>
+                                        </p:cTn>
+                                        <p:tgtEl>
+                                          <p:spTgt spid="19"/>
+                                        </p:tgtEl>
+                                        <p:attrNameLst>
+                                          <p:attrName>style.visibility</p:attrName>
+                                        </p:attrNameLst>
+                                      </p:cBhvr>
+                                      <p:to>
+                                        <p:strVal val="visible"/>
+                                      </p:to>
+                                    </p:set>
+                                  </p:childTnLst>
+                                </p:cTn>
+                              </p:par>
+                              <p:par>
+                                <p:cTn id="25" presetID="1" presetClass="entr" presetSubtype="0" fill="hold" grpId="0" nodeType="withEffect">
+                                  <p:stCondLst>
+                                    <p:cond delay="0"/>
+                                  </p:stCondLst>
+                                  <p:childTnLst>
+                                    <p:set>
+                                      <p:cBhvr>
+                                        <p:cTn id="26" dur="1" fill="hold">
+                                          <p:stCondLst>
+                                            <p:cond delay="0"/>
+                                          </p:stCondLst>
+                                        </p:cTn>
+                                        <p:tgtEl>
+                                          <p:spTgt spid="3"/>
+                                        </p:tgtEl>
+                                        <p:attrNameLst>
+                                          <p:attrName>style.visibility</p:attrName>
+                                        </p:attrNameLst>
+                                      </p:cBhvr>
+                                      <p:to>
+                                        <p:strVal val="visible"/>
+                                      </p:to>
+                                    </p:set>
+                                  </p:childTnLst>
+                                </p:cTn>
+                              </p:par>
+                            </p:childTnLst>
+                          </p:cTn>
+                        </p:par>
+                      </p:childTnLst>
+                    </p:cTn>
+                  </p:par>
+                </p:childTnLst>
+              </p:cTn>
+              <p:prevCondLst>
+                <p:cond evt="onPrev" delay="0">
+                  <p:tgtEl>
+                    <p:sldTgt/>
+                  </p:tgtEl>
+                </p:cond>
+              </p:prevCondLst>
+              <p:nextCondLst>
+                <p:cond evt="onNext" delay="0">
+                  <p:tgtEl>
+                    <p:sldTgt/>
+                  </p:tgtEl>
+                </p:cond>
+              </p:nextCondLst>
+            </p:seq>
+          </p:childTnLst>
+        </p:cTn>
       </p:par>
     </p:tnLst>
+    <p:bldLst>
+      <p:bldP spid="7" grpId="0" animBg="1"/>
+      <p:bldP spid="11" grpId="0" animBg="1"/>
+      <p:bldP spid="15" grpId="0" animBg="1"/>
+      <p:bldP spid="3" grpId="0"/>
+    </p:bldLst>
   </p:timing>
+</p:sld>
+</file>
+
+<file path=ppt/slides/slide11.xml><?xml version="1.0" encoding="utf-8"?>
+<p:sld xmlns:a="http://schemas.openxmlformats.org/drawingml/2006/main" xmlns:r="http://schemas.openxmlformats.org/officeDocument/2006/relationships" xmlns:p="http://schemas.openxmlformats.org/presentationml/2006/main">
+  <p:cSld>
+    <p:spTree>
+      <p:nvGrpSpPr>
+        <p:cNvPr id="1" name=""/>
+        <p:cNvGrpSpPr/>
+        <p:nvPr/>
+      </p:nvGrpSpPr>
+      <p:grpSpPr>
+        <a:xfrm>
+          <a:off x="0" y="0"/>
+          <a:ext cx="0" cy="0"/>
+          <a:chOff x="0" y="0"/>
+          <a:chExt cx="0" cy="0"/>
+        </a:xfrm>
+      </p:grpSpPr>
+      <p:sp>
+        <p:nvSpPr>
+          <p:cNvPr id="2" name="Titre 1"/>
+          <p:cNvSpPr>
+            <a:spLocks noGrp="1"/>
+          </p:cNvSpPr>
+          <p:nvPr>
+            <p:ph type="title"/>
+          </p:nvPr>
+        </p:nvSpPr>
+        <p:spPr/>
+        <p:txBody>
+          <a:bodyPr/>
+          <a:lstStyle/>
+          <a:p>
+            <a:r>
+              <a:rPr lang="fr-FR" dirty="0"/>
+              <a:t>Communication PYTHON – Web</a:t>
+            </a:r>
+          </a:p>
+        </p:txBody>
+      </p:sp>
+      <p:sp>
+        <p:nvSpPr>
+          <p:cNvPr id="7" name="Rectangle 6"/>
+          <p:cNvSpPr/>
+          <p:nvPr/>
+        </p:nvSpPr>
+        <p:spPr>
+          <a:xfrm>
+            <a:off x="5024564" y="2654808"/>
+            <a:ext cx="1773936" cy="1773936"/>
+          </a:xfrm>
+          <a:prstGeom prst="rect">
+            <a:avLst/>
+          </a:prstGeom>
+          <a:solidFill>
+            <a:srgbClr val="2E74B5"/>
+          </a:solidFill>
+        </p:spPr>
+        <p:style>
+          <a:lnRef idx="2">
+            <a:schemeClr val="accent1">
+              <a:shade val="50000"/>
+            </a:schemeClr>
+          </a:lnRef>
+          <a:fillRef idx="1">
+            <a:schemeClr val="accent1"/>
+          </a:fillRef>
+          <a:effectRef idx="0">
+            <a:schemeClr val="accent1"/>
+          </a:effectRef>
+          <a:fontRef idx="minor">
+            <a:schemeClr val="lt1"/>
+          </a:fontRef>
+        </p:style>
+        <p:txBody>
+          <a:bodyPr rtlCol="0" anchor="ctr"/>
+          <a:lstStyle/>
+          <a:p>
+            <a:pPr algn="ctr"/>
+            <a:r>
+              <a:rPr lang="fr-FR" dirty="0"/>
+              <a:t>Écriture des données sur la base</a:t>
+            </a:r>
+          </a:p>
+        </p:txBody>
+      </p:sp>
+      <p:cxnSp>
+        <p:nvCxnSpPr>
+          <p:cNvPr id="9" name="Connecteur droit avec flèche 8"/>
+          <p:cNvCxnSpPr/>
+          <p:nvPr/>
+        </p:nvCxnSpPr>
+        <p:spPr>
+          <a:xfrm>
+            <a:off x="7017955" y="3395472"/>
+            <a:ext cx="420624" cy="0"/>
+          </a:xfrm>
+          <a:prstGeom prst="straightConnector1">
+            <a:avLst/>
+          </a:prstGeom>
+          <a:ln>
+            <a:tailEnd type="triangle"/>
+          </a:ln>
+        </p:spPr>
+        <p:style>
+          <a:lnRef idx="1">
+            <a:schemeClr val="accent1"/>
+          </a:lnRef>
+          <a:fillRef idx="0">
+            <a:schemeClr val="accent1"/>
+          </a:fillRef>
+          <a:effectRef idx="0">
+            <a:schemeClr val="accent1"/>
+          </a:effectRef>
+          <a:fontRef idx="minor">
+            <a:schemeClr val="tx1"/>
+          </a:fontRef>
+        </p:style>
+      </p:cxnSp>
+      <p:sp>
+        <p:nvSpPr>
+          <p:cNvPr id="11" name="Rectangle 10"/>
+          <p:cNvSpPr/>
+          <p:nvPr/>
+        </p:nvSpPr>
+        <p:spPr>
+          <a:xfrm>
+            <a:off x="7658036" y="2654808"/>
+            <a:ext cx="1773936" cy="1773936"/>
+          </a:xfrm>
+          <a:prstGeom prst="rect">
+            <a:avLst/>
+          </a:prstGeom>
+          <a:solidFill>
+            <a:srgbClr val="2E74B5"/>
+          </a:solidFill>
+        </p:spPr>
+        <p:style>
+          <a:lnRef idx="2">
+            <a:schemeClr val="accent1">
+              <a:shade val="50000"/>
+            </a:schemeClr>
+          </a:lnRef>
+          <a:fillRef idx="1">
+            <a:schemeClr val="accent1"/>
+          </a:fillRef>
+          <a:effectRef idx="0">
+            <a:schemeClr val="accent1"/>
+          </a:effectRef>
+          <a:fontRef idx="minor">
+            <a:schemeClr val="lt1"/>
+          </a:fontRef>
+        </p:style>
+        <p:txBody>
+          <a:bodyPr rtlCol="0" anchor="ctr"/>
+          <a:lstStyle/>
+          <a:p>
+            <a:pPr algn="ctr"/>
+            <a:r>
+              <a:rPr lang="fr-FR" dirty="0"/>
+              <a:t>Affichage sur une page web</a:t>
+            </a:r>
+          </a:p>
+        </p:txBody>
+      </p:sp>
+      <p:sp>
+        <p:nvSpPr>
+          <p:cNvPr id="15" name="Rectangle 14"/>
+          <p:cNvSpPr/>
+          <p:nvPr/>
+        </p:nvSpPr>
+        <p:spPr>
+          <a:xfrm>
+            <a:off x="2360613" y="2654808"/>
+            <a:ext cx="1773936" cy="1773936"/>
+          </a:xfrm>
+          <a:prstGeom prst="rect">
+            <a:avLst/>
+          </a:prstGeom>
+          <a:solidFill>
+            <a:srgbClr val="2E74B5"/>
+          </a:solidFill>
+        </p:spPr>
+        <p:style>
+          <a:lnRef idx="2">
+            <a:schemeClr val="accent1">
+              <a:shade val="50000"/>
+            </a:schemeClr>
+          </a:lnRef>
+          <a:fillRef idx="1">
+            <a:schemeClr val="accent1"/>
+          </a:fillRef>
+          <a:effectRef idx="0">
+            <a:schemeClr val="accent1"/>
+          </a:effectRef>
+          <a:fontRef idx="minor">
+            <a:schemeClr val="lt1"/>
+          </a:fontRef>
+        </p:style>
+        <p:txBody>
+          <a:bodyPr rtlCol="0" anchor="ctr"/>
+          <a:lstStyle/>
+          <a:p>
+            <a:pPr algn="ctr"/>
+            <a:r>
+              <a:rPr lang="fr-FR" dirty="0"/>
+              <a:t>Traitement des données par le code Python</a:t>
+            </a:r>
+          </a:p>
+        </p:txBody>
+      </p:sp>
+      <p:cxnSp>
+        <p:nvCxnSpPr>
+          <p:cNvPr id="12" name="Connecteur droit avec flèche 11"/>
+          <p:cNvCxnSpPr/>
+          <p:nvPr/>
+        </p:nvCxnSpPr>
+        <p:spPr>
+          <a:xfrm rot="10800000">
+            <a:off x="7017955" y="3694176"/>
+            <a:ext cx="420624" cy="0"/>
+          </a:xfrm>
+          <a:prstGeom prst="straightConnector1">
+            <a:avLst/>
+          </a:prstGeom>
+          <a:ln>
+            <a:tailEnd type="triangle"/>
+          </a:ln>
+        </p:spPr>
+        <p:style>
+          <a:lnRef idx="1">
+            <a:schemeClr val="accent1"/>
+          </a:lnRef>
+          <a:fillRef idx="0">
+            <a:schemeClr val="accent1"/>
+          </a:fillRef>
+          <a:effectRef idx="0">
+            <a:schemeClr val="accent1"/>
+          </a:effectRef>
+          <a:fontRef idx="minor">
+            <a:schemeClr val="tx1"/>
+          </a:fontRef>
+        </p:style>
+      </p:cxnSp>
+      <p:cxnSp>
+        <p:nvCxnSpPr>
+          <p:cNvPr id="18" name="Connecteur droit avec flèche 17"/>
+          <p:cNvCxnSpPr/>
+          <p:nvPr/>
+        </p:nvCxnSpPr>
+        <p:spPr>
+          <a:xfrm rot="10800000">
+            <a:off x="1702244" y="3526536"/>
+            <a:ext cx="420624" cy="0"/>
+          </a:xfrm>
+          <a:prstGeom prst="straightConnector1">
+            <a:avLst/>
+          </a:prstGeom>
+          <a:ln>
+            <a:tailEnd type="triangle"/>
+          </a:ln>
+        </p:spPr>
+        <p:style>
+          <a:lnRef idx="1">
+            <a:schemeClr val="accent1"/>
+          </a:lnRef>
+          <a:fillRef idx="0">
+            <a:schemeClr val="accent1"/>
+          </a:fillRef>
+          <a:effectRef idx="0">
+            <a:schemeClr val="accent1"/>
+          </a:effectRef>
+          <a:fontRef idx="minor">
+            <a:schemeClr val="tx1"/>
+          </a:fontRef>
+        </p:style>
+      </p:cxnSp>
+      <p:sp>
+        <p:nvSpPr>
+          <p:cNvPr id="3" name="ZoneTexte 2"/>
+          <p:cNvSpPr txBox="1"/>
+          <p:nvPr/>
+        </p:nvSpPr>
+        <p:spPr>
+          <a:xfrm>
+            <a:off x="1141413" y="3213854"/>
+            <a:ext cx="603504" cy="461665"/>
+          </a:xfrm>
+          <a:prstGeom prst="rect">
+            <a:avLst/>
+          </a:prstGeom>
+          <a:noFill/>
+        </p:spPr>
+        <p:txBody>
+          <a:bodyPr wrap="square" rtlCol="0">
+            <a:spAutoFit/>
+          </a:bodyPr>
+          <a:lstStyle/>
+          <a:p>
+            <a:r>
+              <a:rPr lang="is-IS" sz="2400" dirty="0"/>
+              <a:t>…</a:t>
+            </a:r>
+            <a:endParaRPr lang="fr-FR" sz="2400" dirty="0"/>
+          </a:p>
+        </p:txBody>
+      </p:sp>
+      <p:cxnSp>
+        <p:nvCxnSpPr>
+          <p:cNvPr id="13" name="Connecteur droit avec flèche 12"/>
+          <p:cNvCxnSpPr/>
+          <p:nvPr/>
+        </p:nvCxnSpPr>
+        <p:spPr>
+          <a:xfrm>
+            <a:off x="4408867" y="3328416"/>
+            <a:ext cx="420624" cy="0"/>
+          </a:xfrm>
+          <a:prstGeom prst="straightConnector1">
+            <a:avLst/>
+          </a:prstGeom>
+          <a:ln>
+            <a:tailEnd type="triangle"/>
+          </a:ln>
+        </p:spPr>
+        <p:style>
+          <a:lnRef idx="1">
+            <a:schemeClr val="accent1"/>
+          </a:lnRef>
+          <a:fillRef idx="0">
+            <a:schemeClr val="accent1"/>
+          </a:fillRef>
+          <a:effectRef idx="0">
+            <a:schemeClr val="accent1"/>
+          </a:effectRef>
+          <a:fontRef idx="minor">
+            <a:schemeClr val="tx1"/>
+          </a:fontRef>
+        </p:style>
+      </p:cxnSp>
+      <p:cxnSp>
+        <p:nvCxnSpPr>
+          <p:cNvPr id="14" name="Connecteur droit avec flèche 13"/>
+          <p:cNvCxnSpPr/>
+          <p:nvPr/>
+        </p:nvCxnSpPr>
+        <p:spPr>
+          <a:xfrm rot="10800000">
+            <a:off x="4408867" y="3627120"/>
+            <a:ext cx="420624" cy="0"/>
+          </a:xfrm>
+          <a:prstGeom prst="straightConnector1">
+            <a:avLst/>
+          </a:prstGeom>
+          <a:ln>
+            <a:tailEnd type="triangle"/>
+          </a:ln>
+        </p:spPr>
+        <p:style>
+          <a:lnRef idx="1">
+            <a:schemeClr val="accent1"/>
+          </a:lnRef>
+          <a:fillRef idx="0">
+            <a:schemeClr val="accent1"/>
+          </a:fillRef>
+          <a:effectRef idx="0">
+            <a:schemeClr val="accent1"/>
+          </a:effectRef>
+          <a:fontRef idx="minor">
+            <a:schemeClr val="tx1"/>
+          </a:fontRef>
+        </p:style>
+      </p:cxnSp>
+    </p:spTree>
+    <p:extLst>
+      <p:ext uri="{BB962C8B-B14F-4D97-AF65-F5344CB8AC3E}">
+        <p14:creationId xmlns:p14="http://schemas.microsoft.com/office/powerpoint/2010/main" val="1428236034"/>
+      </p:ext>
+    </p:extLst>
+  </p:cSld>
+  <p:clrMapOvr>
+    <a:masterClrMapping/>
+  </p:clrMapOvr>
+  <p:timing>
+    <p:tnLst>
+      <p:par>
+        <p:cTn id="1" dur="indefinite" restart="never" nodeType="tmRoot">
+          <p:childTnLst>
+            <p:seq concurrent="1" nextAc="seek">
+              <p:cTn id="2" dur="indefinite" nodeType="mainSeq">
+                <p:childTnLst>
+                  <p:par>
+                    <p:cTn id="3" fill="hold">
+                      <p:stCondLst>
+                        <p:cond delay="indefinite"/>
+                      </p:stCondLst>
+                      <p:childTnLst>
+                        <p:par>
+                          <p:cTn id="4" fill="hold">
+                            <p:stCondLst>
+                              <p:cond delay="0"/>
+                            </p:stCondLst>
+                            <p:childTnLst>
+                              <p:par>
+                                <p:cTn id="5" presetID="1" presetClass="entr" presetSubtype="0" fill="hold" nodeType="clickEffect">
+                                  <p:stCondLst>
+                                    <p:cond delay="0"/>
+                                  </p:stCondLst>
+                                  <p:childTnLst>
+                                    <p:set>
+                                      <p:cBhvr>
+                                        <p:cTn id="6" dur="1" fill="hold">
+                                          <p:stCondLst>
+                                            <p:cond delay="0"/>
+                                          </p:stCondLst>
+                                        </p:cTn>
+                                        <p:tgtEl>
+                                          <p:spTgt spid="13"/>
+                                        </p:tgtEl>
+                                        <p:attrNameLst>
+                                          <p:attrName>style.visibility</p:attrName>
+                                        </p:attrNameLst>
+                                      </p:cBhvr>
+                                      <p:to>
+                                        <p:strVal val="visible"/>
+                                      </p:to>
+                                    </p:set>
+                                  </p:childTnLst>
+                                </p:cTn>
+                              </p:par>
+                              <p:par>
+                                <p:cTn id="7" presetID="1" presetClass="entr" presetSubtype="0" fill="hold" nodeType="withEffect">
+                                  <p:stCondLst>
+                                    <p:cond delay="0"/>
+                                  </p:stCondLst>
+                                  <p:childTnLst>
+                                    <p:set>
+                                      <p:cBhvr>
+                                        <p:cTn id="8" dur="1" fill="hold">
+                                          <p:stCondLst>
+                                            <p:cond delay="0"/>
+                                          </p:stCondLst>
+                                        </p:cTn>
+                                        <p:tgtEl>
+                                          <p:spTgt spid="14"/>
+                                        </p:tgtEl>
+                                        <p:attrNameLst>
+                                          <p:attrName>style.visibility</p:attrName>
+                                        </p:attrNameLst>
+                                      </p:cBhvr>
+                                      <p:to>
+                                        <p:strVal val="visible"/>
+                                      </p:to>
+                                    </p:set>
+                                  </p:childTnLst>
+                                </p:cTn>
+                              </p:par>
+                              <p:par>
+                                <p:cTn id="9" presetID="1" presetClass="entr" presetSubtype="0" fill="hold" grpId="0" nodeType="withEffect">
+                                  <p:stCondLst>
+                                    <p:cond delay="0"/>
+                                  </p:stCondLst>
+                                  <p:childTnLst>
+                                    <p:set>
+                                      <p:cBhvr>
+                                        <p:cTn id="10" dur="1" fill="hold">
+                                          <p:stCondLst>
+                                            <p:cond delay="0"/>
+                                          </p:stCondLst>
+                                        </p:cTn>
+                                        <p:tgtEl>
+                                          <p:spTgt spid="7"/>
+                                        </p:tgtEl>
+                                        <p:attrNameLst>
+                                          <p:attrName>style.visibility</p:attrName>
+                                        </p:attrNameLst>
+                                      </p:cBhvr>
+                                      <p:to>
+                                        <p:strVal val="visible"/>
+                                      </p:to>
+                                    </p:set>
+                                  </p:childTnLst>
+                                </p:cTn>
+                              </p:par>
+                            </p:childTnLst>
+                          </p:cTn>
+                        </p:par>
+                      </p:childTnLst>
+                    </p:cTn>
+                  </p:par>
+                  <p:par>
+                    <p:cTn id="11" fill="hold">
+                      <p:stCondLst>
+                        <p:cond delay="indefinite"/>
+                      </p:stCondLst>
+                      <p:childTnLst>
+                        <p:par>
+                          <p:cTn id="12" fill="hold">
+                            <p:stCondLst>
+                              <p:cond delay="0"/>
+                            </p:stCondLst>
+                            <p:childTnLst>
+                              <p:par>
+                                <p:cTn id="13" presetID="1" presetClass="entr" presetSubtype="0" fill="hold" nodeType="clickEffect">
+                                  <p:stCondLst>
+                                    <p:cond delay="0"/>
+                                  </p:stCondLst>
+                                  <p:childTnLst>
+                                    <p:set>
+                                      <p:cBhvr>
+                                        <p:cTn id="14" dur="1" fill="hold">
+                                          <p:stCondLst>
+                                            <p:cond delay="0"/>
+                                          </p:stCondLst>
+                                        </p:cTn>
+                                        <p:tgtEl>
+                                          <p:spTgt spid="12"/>
+                                        </p:tgtEl>
+                                        <p:attrNameLst>
+                                          <p:attrName>style.visibility</p:attrName>
+                                        </p:attrNameLst>
+                                      </p:cBhvr>
+                                      <p:to>
+                                        <p:strVal val="visible"/>
+                                      </p:to>
+                                    </p:set>
+                                  </p:childTnLst>
+                                </p:cTn>
+                              </p:par>
+                              <p:par>
+                                <p:cTn id="15" presetID="1" presetClass="entr" presetSubtype="0" fill="hold" nodeType="withEffect">
+                                  <p:stCondLst>
+                                    <p:cond delay="0"/>
+                                  </p:stCondLst>
+                                  <p:childTnLst>
+                                    <p:set>
+                                      <p:cBhvr>
+                                        <p:cTn id="16" dur="1" fill="hold">
+                                          <p:stCondLst>
+                                            <p:cond delay="0"/>
+                                          </p:stCondLst>
+                                        </p:cTn>
+                                        <p:tgtEl>
+                                          <p:spTgt spid="9"/>
+                                        </p:tgtEl>
+                                        <p:attrNameLst>
+                                          <p:attrName>style.visibility</p:attrName>
+                                        </p:attrNameLst>
+                                      </p:cBhvr>
+                                      <p:to>
+                                        <p:strVal val="visible"/>
+                                      </p:to>
+                                    </p:set>
+                                  </p:childTnLst>
+                                </p:cTn>
+                              </p:par>
+                              <p:par>
+                                <p:cTn id="17" presetID="1" presetClass="entr" presetSubtype="0" fill="hold" grpId="0" nodeType="withEffect">
+                                  <p:stCondLst>
+                                    <p:cond delay="0"/>
+                                  </p:stCondLst>
+                                  <p:childTnLst>
+                                    <p:set>
+                                      <p:cBhvr>
+                                        <p:cTn id="18" dur="1" fill="hold">
+                                          <p:stCondLst>
+                                            <p:cond delay="0"/>
+                                          </p:stCondLst>
+                                        </p:cTn>
+                                        <p:tgtEl>
+                                          <p:spTgt spid="11"/>
+                                        </p:tgtEl>
+                                        <p:attrNameLst>
+                                          <p:attrName>style.visibility</p:attrName>
+                                        </p:attrNameLst>
+                                      </p:cBhvr>
+                                      <p:to>
+                                        <p:strVal val="visible"/>
+                                      </p:to>
+                                    </p:set>
+                                  </p:childTnLst>
+                                </p:cTn>
+                              </p:par>
+                            </p:childTnLst>
+                          </p:cTn>
+                        </p:par>
+                      </p:childTnLst>
+                    </p:cTn>
+                  </p:par>
+                </p:childTnLst>
+              </p:cTn>
+              <p:prevCondLst>
+                <p:cond evt="onPrev" delay="0">
+                  <p:tgtEl>
+                    <p:sldTgt/>
+                  </p:tgtEl>
+                </p:cond>
+              </p:prevCondLst>
+              <p:nextCondLst>
+                <p:cond evt="onNext" delay="0">
+                  <p:tgtEl>
+                    <p:sldTgt/>
+                  </p:tgtEl>
+                </p:cond>
+              </p:nextCondLst>
+            </p:seq>
+          </p:childTnLst>
+        </p:cTn>
+      </p:par>
+    </p:tnLst>
+    <p:bldLst>
+      <p:bldP spid="7" grpId="0" animBg="1"/>
+      <p:bldP spid="11" grpId="0" animBg="1"/>
+    </p:bldLst>
+  </p:timing>
+</p:sld>
+</file>
+
+<file path=ppt/slides/slide12.xml><?xml version="1.0" encoding="utf-8"?>
+<p:sld xmlns:a="http://schemas.openxmlformats.org/drawingml/2006/main" xmlns:r="http://schemas.openxmlformats.org/officeDocument/2006/relationships" xmlns:p="http://schemas.openxmlformats.org/presentationml/2006/main">
+  <p:cSld>
+    <p:spTree>
+      <p:nvGrpSpPr>
+        <p:cNvPr id="1" name=""/>
+        <p:cNvGrpSpPr/>
+        <p:nvPr/>
+      </p:nvGrpSpPr>
+      <p:grpSpPr>
+        <a:xfrm>
+          <a:off x="0" y="0"/>
+          <a:ext cx="0" cy="0"/>
+          <a:chOff x="0" y="0"/>
+          <a:chExt cx="0" cy="0"/>
+        </a:xfrm>
+      </p:grpSpPr>
+      <p:sp>
+        <p:nvSpPr>
+          <p:cNvPr id="2" name="Titre 1"/>
+          <p:cNvSpPr>
+            <a:spLocks noGrp="1"/>
+          </p:cNvSpPr>
+          <p:nvPr>
+            <p:ph type="title"/>
+          </p:nvPr>
+        </p:nvSpPr>
+        <p:spPr>
+          <a:xfrm>
+            <a:off x="3571789" y="2411441"/>
+            <a:ext cx="4747323" cy="1877669"/>
+          </a:xfrm>
+        </p:spPr>
+        <p:txBody>
+          <a:bodyPr>
+            <a:normAutofit/>
+          </a:bodyPr>
+          <a:lstStyle/>
+          <a:p>
+            <a:r>
+              <a:rPr lang="fr-FR" sz="6000" dirty="0"/>
+              <a:t>Questions ?</a:t>
+            </a:r>
+          </a:p>
+        </p:txBody>
+      </p:sp>
+    </p:spTree>
+    <p:extLst>
+      <p:ext uri="{BB962C8B-B14F-4D97-AF65-F5344CB8AC3E}">
+        <p14:creationId xmlns:p14="http://schemas.microsoft.com/office/powerpoint/2010/main" val="1102658398"/>
+      </p:ext>
+    </p:extLst>
+  </p:cSld>
+  <p:clrMapOvr>
+    <a:masterClrMapping/>
+  </p:clrMapOvr>
 </p:sld>
 </file>
 
@@ -13092,7 +14494,7 @@
           <a:p>
             <a:r>
               <a:rPr lang="fr-FR" dirty="0"/>
-              <a:t>Fonctionnalités</a:t>
+              <a:t>sommaire</a:t>
             </a:r>
           </a:p>
         </p:txBody>
@@ -13110,82 +14512,49 @@
         <p:spPr/>
         <p:txBody>
           <a:bodyPr>
-            <a:normAutofit fontScale="92500" lnSpcReduction="10000"/>
+            <a:normAutofit/>
           </a:bodyPr>
           <a:lstStyle/>
           <a:p>
-            <a:pPr lvl="0">
-              <a:spcBef>
-                <a:spcPts val="600"/>
-              </a:spcBef>
-              <a:spcAft>
-                <a:spcPts val="1800"/>
-              </a:spcAft>
-            </a:pPr>
             <a:r>
-              <a:rPr lang="fr-FR" sz="2800" dirty="0"/>
-              <a:t>Fermeture et ouverture des fenêtres en fonction de la température </a:t>
+              <a:rPr lang="fr-FR" dirty="0"/>
+              <a:t>Fonctionnalités</a:t>
+            </a:r>
+          </a:p>
+          <a:p>
+            <a:r>
+              <a:rPr lang="fr-FR" dirty="0"/>
+              <a:t>Schéma global</a:t>
+            </a:r>
+          </a:p>
+          <a:p>
+            <a:r>
+              <a:rPr lang="fr-FR" dirty="0"/>
+              <a:t>Schéma électrique</a:t>
+            </a:r>
+          </a:p>
+          <a:p>
+            <a:r>
+              <a:rPr lang="fr-FR" dirty="0"/>
+              <a:t>Présentation base de données</a:t>
+            </a:r>
+          </a:p>
+          <a:p>
+            <a:r>
+              <a:rPr lang="fr-FR" dirty="0"/>
+              <a:t>Interface web</a:t>
+            </a:r>
+          </a:p>
+          <a:p>
+            <a:r>
+              <a:rPr lang="fr-FR" dirty="0"/>
+              <a:t>Diagrammes </a:t>
             </a:r>
             <a:r>
-              <a:rPr lang="fr-FR" sz="2800" dirty="0" smtClean="0"/>
-              <a:t>et </a:t>
+              <a:rPr lang="fr-FR"/>
+              <a:t>de fonctionnement</a:t>
             </a:r>
-            <a:r>
-              <a:rPr lang="fr-FR" sz="2800" dirty="0"/>
-              <a:t>du </a:t>
-            </a:r>
-            <a:r>
-              <a:rPr lang="fr-FR" sz="2800" dirty="0" smtClean="0"/>
-              <a:t>vent</a:t>
-            </a:r>
-            <a:endParaRPr lang="fr-FR" sz="2800" dirty="0"/>
-          </a:p>
-          <a:p>
-            <a:pPr lvl="0">
-              <a:spcBef>
-                <a:spcPts val="600"/>
-              </a:spcBef>
-              <a:spcAft>
-                <a:spcPts val="1800"/>
-              </a:spcAft>
-            </a:pPr>
-            <a:r>
-              <a:rPr lang="fr-FR" sz="2800" dirty="0"/>
-              <a:t>Réglage du store en fonction de la luminosité</a:t>
-            </a:r>
-          </a:p>
-          <a:p>
-            <a:pPr lvl="0">
-              <a:spcBef>
-                <a:spcPts val="600"/>
-              </a:spcBef>
-              <a:spcAft>
-                <a:spcPts val="1800"/>
-              </a:spcAft>
-            </a:pPr>
-            <a:r>
-              <a:rPr lang="fr-FR" sz="2800" dirty="0"/>
-              <a:t>Monitoring via une application </a:t>
-            </a:r>
-            <a:r>
-              <a:rPr lang="fr-FR" sz="2800" dirty="0" smtClean="0"/>
-              <a:t>web</a:t>
-            </a:r>
-            <a:endParaRPr lang="fr-FR" sz="2800" dirty="0"/>
-          </a:p>
-          <a:p>
-            <a:pPr>
-              <a:spcBef>
-                <a:spcPts val="600"/>
-              </a:spcBef>
-              <a:spcAft>
-                <a:spcPts val="1800"/>
-              </a:spcAft>
-            </a:pPr>
-            <a:r>
-              <a:rPr lang="fr-FR" sz="2800" dirty="0"/>
-              <a:t>Contrôle à distance des fenêtres et des stores</a:t>
-            </a:r>
+            <a:endParaRPr lang="fr-FR" dirty="0"/>
           </a:p>
           <a:p>
             <a:endParaRPr lang="fr-FR" dirty="0"/>
@@ -13202,13 +14571,6 @@
   <p:clrMapOvr>
     <a:masterClrMapping/>
   </p:clrMapOvr>
-  <p:timing>
-    <p:tnLst>
-      <p:par>
-        <p:cTn id="1" dur="indefinite" restart="never" nodeType="tmRoot"/>
-      </p:par>
-    </p:tnLst>
-  </p:timing>
 </p:sld>
 </file>
 
@@ -13245,10 +14607,138 @@
           <a:lstStyle/>
           <a:p>
             <a:r>
-              <a:rPr lang="fr-FR" dirty="0" smtClean="0"/>
+              <a:rPr lang="fr-FR" dirty="0"/>
+              <a:t>Fonctionnalités</a:t>
+            </a:r>
+          </a:p>
+        </p:txBody>
+      </p:sp>
+      <p:sp>
+        <p:nvSpPr>
+          <p:cNvPr id="3" name="Espace réservé du contenu 2"/>
+          <p:cNvSpPr>
+            <a:spLocks noGrp="1"/>
+          </p:cNvSpPr>
+          <p:nvPr>
+            <p:ph idx="1"/>
+          </p:nvPr>
+        </p:nvSpPr>
+        <p:spPr/>
+        <p:txBody>
+          <a:bodyPr>
+            <a:normAutofit fontScale="92500" lnSpcReduction="10000"/>
+          </a:bodyPr>
+          <a:lstStyle/>
+          <a:p>
+            <a:pPr lvl="0">
+              <a:spcBef>
+                <a:spcPts val="600"/>
+              </a:spcBef>
+              <a:spcAft>
+                <a:spcPts val="1800"/>
+              </a:spcAft>
+            </a:pPr>
+            <a:r>
+              <a:rPr lang="fr-FR" sz="2800" dirty="0"/>
+              <a:t>Fermeture et ouverture des fenêtres en fonction de la température et du vent</a:t>
+            </a:r>
+          </a:p>
+          <a:p>
+            <a:pPr lvl="0">
+              <a:spcBef>
+                <a:spcPts val="600"/>
+              </a:spcBef>
+              <a:spcAft>
+                <a:spcPts val="1800"/>
+              </a:spcAft>
+            </a:pPr>
+            <a:r>
+              <a:rPr lang="fr-FR" sz="2800" dirty="0"/>
+              <a:t>Réglage du store en fonction de la luminosité</a:t>
+            </a:r>
+          </a:p>
+          <a:p>
+            <a:pPr lvl="0">
+              <a:spcBef>
+                <a:spcPts val="600"/>
+              </a:spcBef>
+              <a:spcAft>
+                <a:spcPts val="1800"/>
+              </a:spcAft>
+            </a:pPr>
+            <a:r>
+              <a:rPr lang="fr-FR" sz="2800" dirty="0"/>
+              <a:t>Monitoring via une application web</a:t>
+            </a:r>
+          </a:p>
+          <a:p>
+            <a:pPr>
+              <a:spcBef>
+                <a:spcPts val="600"/>
+              </a:spcBef>
+              <a:spcAft>
+                <a:spcPts val="1800"/>
+              </a:spcAft>
+            </a:pPr>
+            <a:r>
+              <a:rPr lang="fr-FR" sz="2800" dirty="0"/>
+              <a:t>Contrôle à distance des fenêtres et des stores</a:t>
+            </a:r>
+          </a:p>
+          <a:p>
+            <a:endParaRPr lang="fr-FR" dirty="0"/>
+          </a:p>
+        </p:txBody>
+      </p:sp>
+    </p:spTree>
+    <p:extLst>
+      <p:ext uri="{BB962C8B-B14F-4D97-AF65-F5344CB8AC3E}">
+        <p14:creationId xmlns:p14="http://schemas.microsoft.com/office/powerpoint/2010/main" val="236011056"/>
+      </p:ext>
+    </p:extLst>
+  </p:cSld>
+  <p:clrMapOvr>
+    <a:masterClrMapping/>
+  </p:clrMapOvr>
+</p:sld>
+</file>
+
+<file path=ppt/slides/slide4.xml><?xml version="1.0" encoding="utf-8"?>
+<p:sld xmlns:a="http://schemas.openxmlformats.org/drawingml/2006/main" xmlns:r="http://schemas.openxmlformats.org/officeDocument/2006/relationships" xmlns:p="http://schemas.openxmlformats.org/presentationml/2006/main">
+  <p:cSld>
+    <p:spTree>
+      <p:nvGrpSpPr>
+        <p:cNvPr id="1" name=""/>
+        <p:cNvGrpSpPr/>
+        <p:nvPr/>
+      </p:nvGrpSpPr>
+      <p:grpSpPr>
+        <a:xfrm>
+          <a:off x="0" y="0"/>
+          <a:ext cx="0" cy="0"/>
+          <a:chOff x="0" y="0"/>
+          <a:chExt cx="0" cy="0"/>
+        </a:xfrm>
+      </p:grpSpPr>
+      <p:sp>
+        <p:nvSpPr>
+          <p:cNvPr id="2" name="Titre 1"/>
+          <p:cNvSpPr>
+            <a:spLocks noGrp="1"/>
+          </p:cNvSpPr>
+          <p:nvPr>
+            <p:ph type="title"/>
+          </p:nvPr>
+        </p:nvSpPr>
+        <p:spPr/>
+        <p:txBody>
+          <a:bodyPr/>
+          <a:lstStyle/>
+          <a:p>
+            <a:r>
+              <a:rPr lang="fr-FR" dirty="0"/>
               <a:t>Schéma Global</a:t>
             </a:r>
-            <a:endParaRPr lang="fr-FR" dirty="0"/>
           </a:p>
         </p:txBody>
       </p:sp>
@@ -13320,17 +14810,10 @@
   <p:clrMapOvr>
     <a:masterClrMapping/>
   </p:clrMapOvr>
-  <p:timing>
-    <p:tnLst>
-      <p:par>
-        <p:cTn id="1" dur="indefinite" restart="never" nodeType="tmRoot"/>
-      </p:par>
-    </p:tnLst>
-  </p:timing>
 </p:sld>
 </file>
 
-<file path=ppt/slides/slide4.xml><?xml version="1.0" encoding="utf-8"?>
+<file path=ppt/slides/slide5.xml><?xml version="1.0" encoding="utf-8"?>
 <p:sld xmlns:a="http://schemas.openxmlformats.org/drawingml/2006/main" xmlns:r="http://schemas.openxmlformats.org/officeDocument/2006/relationships" xmlns:p="http://schemas.openxmlformats.org/presentationml/2006/main">
   <p:cSld>
     <p:spTree>
@@ -13363,10 +14846,9 @@
           <a:lstStyle/>
           <a:p>
             <a:r>
-              <a:rPr lang="fr-FR" dirty="0" smtClean="0"/>
+              <a:rPr lang="fr-FR" dirty="0"/>
               <a:t>Schéma Électrique</a:t>
             </a:r>
-            <a:endParaRPr lang="fr-FR" dirty="0"/>
           </a:p>
         </p:txBody>
       </p:sp>
@@ -13438,17 +14920,10 @@
   <p:clrMapOvr>
     <a:masterClrMapping/>
   </p:clrMapOvr>
-  <p:timing>
-    <p:tnLst>
-      <p:par>
-        <p:cTn id="1" dur="indefinite" restart="never" nodeType="tmRoot"/>
-      </p:par>
-    </p:tnLst>
-  </p:timing>
 </p:sld>
 </file>
 
-<file path=ppt/slides/slide5.xml><?xml version="1.0" encoding="utf-8"?>
+<file path=ppt/slides/slide6.xml><?xml version="1.0" encoding="utf-8"?>
 <p:sld xmlns:a="http://schemas.openxmlformats.org/drawingml/2006/main" xmlns:r="http://schemas.openxmlformats.org/officeDocument/2006/relationships" xmlns:p="http://schemas.openxmlformats.org/presentationml/2006/main">
   <p:cSld>
     <p:spTree>
@@ -13481,18 +14956,334 @@
           <a:lstStyle/>
           <a:p>
             <a:r>
-              <a:rPr lang="fr-FR" dirty="0" smtClean="0"/>
+              <a:rPr lang="fr-FR" dirty="0"/>
+              <a:t>Présentation de la base de données</a:t>
+            </a:r>
+          </a:p>
+        </p:txBody>
+      </p:sp>
+      <p:pic>
+        <p:nvPicPr>
+          <p:cNvPr id="4" name="Espace réservé du contenu 3"/>
+          <p:cNvPicPr>
+            <a:picLocks noGrp="1" noChangeAspect="1"/>
+          </p:cNvPicPr>
+          <p:nvPr>
+            <p:ph idx="1"/>
+          </p:nvPr>
+        </p:nvPicPr>
+        <p:blipFill>
+          <a:blip r:embed="rId2"/>
+          <a:stretch>
+            <a:fillRect/>
+          </a:stretch>
+        </p:blipFill>
+        <p:spPr>
+          <a:xfrm>
+            <a:off x="1736243" y="1954306"/>
+            <a:ext cx="8716337" cy="3635577"/>
+          </a:xfrm>
+          <a:prstGeom prst="roundRect">
+            <a:avLst>
+              <a:gd name="adj" fmla="val 4167"/>
+            </a:avLst>
+          </a:prstGeom>
+          <a:solidFill>
+            <a:srgbClr val="FFFFFF"/>
+          </a:solidFill>
+          <a:ln w="76200" cap="sq">
+            <a:solidFill>
+              <a:srgbClr val="292929"/>
+            </a:solidFill>
+            <a:miter lim="800000"/>
+          </a:ln>
+          <a:effectLst>
+            <a:reflection blurRad="12700" stA="28000" endPos="28000" dist="5000" dir="5400000" sy="-100000" algn="bl" rotWithShape="0"/>
+          </a:effectLst>
+          <a:scene3d>
+            <a:camera prst="orthographicFront"/>
+            <a:lightRig rig="threePt" dir="t">
+              <a:rot lat="0" lon="0" rev="2700000"/>
+            </a:lightRig>
+          </a:scene3d>
+          <a:sp3d>
+            <a:bevelT h="38100"/>
+            <a:contourClr>
+              <a:srgbClr val="C0C0C0"/>
+            </a:contourClr>
+          </a:sp3d>
+        </p:spPr>
+      </p:pic>
+    </p:spTree>
+    <p:extLst>
+      <p:ext uri="{BB962C8B-B14F-4D97-AF65-F5344CB8AC3E}">
+        <p14:creationId xmlns:p14="http://schemas.microsoft.com/office/powerpoint/2010/main" val="848304303"/>
+      </p:ext>
+    </p:extLst>
+  </p:cSld>
+  <p:clrMapOvr>
+    <a:masterClrMapping/>
+  </p:clrMapOvr>
+</p:sld>
+</file>
+
+<file path=ppt/slides/slide7.xml><?xml version="1.0" encoding="utf-8"?>
+<p:sld xmlns:a="http://schemas.openxmlformats.org/drawingml/2006/main" xmlns:r="http://schemas.openxmlformats.org/officeDocument/2006/relationships" xmlns:p="http://schemas.openxmlformats.org/presentationml/2006/main">
+  <p:cSld>
+    <p:spTree>
+      <p:nvGrpSpPr>
+        <p:cNvPr id="1" name=""/>
+        <p:cNvGrpSpPr/>
+        <p:nvPr/>
+      </p:nvGrpSpPr>
+      <p:grpSpPr>
+        <a:xfrm>
+          <a:off x="0" y="0"/>
+          <a:ext cx="0" cy="0"/>
+          <a:chOff x="0" y="0"/>
+          <a:chExt cx="0" cy="0"/>
+        </a:xfrm>
+      </p:grpSpPr>
+      <p:sp>
+        <p:nvSpPr>
+          <p:cNvPr id="2" name="Titre 1"/>
+          <p:cNvSpPr>
+            <a:spLocks noGrp="1"/>
+          </p:cNvSpPr>
+          <p:nvPr>
+            <p:ph type="title"/>
+          </p:nvPr>
+        </p:nvSpPr>
+        <p:spPr>
+          <a:xfrm>
+            <a:off x="1141413" y="618518"/>
+            <a:ext cx="9905998" cy="1478570"/>
+          </a:xfrm>
+        </p:spPr>
+        <p:txBody>
+          <a:bodyPr/>
+          <a:lstStyle/>
+          <a:p>
+            <a:r>
+              <a:rPr lang="fr-FR" dirty="0"/>
+              <a:t>Interface web 1</a:t>
+            </a:r>
+          </a:p>
+        </p:txBody>
+      </p:sp>
+      <p:pic>
+        <p:nvPicPr>
+          <p:cNvPr id="4" name="Espace réservé du contenu 3"/>
+          <p:cNvPicPr>
+            <a:picLocks noGrp="1" noChangeAspect="1"/>
+          </p:cNvPicPr>
+          <p:nvPr>
+            <p:ph idx="1"/>
+          </p:nvPr>
+        </p:nvPicPr>
+        <p:blipFill>
+          <a:blip r:embed="rId2"/>
+          <a:stretch>
+            <a:fillRect/>
+          </a:stretch>
+        </p:blipFill>
+        <p:spPr>
+          <a:xfrm>
+            <a:off x="2705712" y="1739153"/>
+            <a:ext cx="6777399" cy="4619228"/>
+          </a:xfrm>
+          <a:prstGeom prst="roundRect">
+            <a:avLst>
+              <a:gd name="adj" fmla="val 4167"/>
+            </a:avLst>
+          </a:prstGeom>
+          <a:solidFill>
+            <a:srgbClr val="FFFFFF"/>
+          </a:solidFill>
+          <a:ln w="76200" cap="sq">
+            <a:solidFill>
+              <a:srgbClr val="292929"/>
+            </a:solidFill>
+            <a:miter lim="800000"/>
+          </a:ln>
+          <a:effectLst>
+            <a:reflection blurRad="12700" stA="28000" endPos="28000" dist="5000" dir="5400000" sy="-100000" algn="bl" rotWithShape="0"/>
+          </a:effectLst>
+          <a:scene3d>
+            <a:camera prst="orthographicFront"/>
+            <a:lightRig rig="threePt" dir="t">
+              <a:rot lat="0" lon="0" rev="2700000"/>
+            </a:lightRig>
+          </a:scene3d>
+          <a:sp3d>
+            <a:bevelT h="38100"/>
+            <a:contourClr>
+              <a:srgbClr val="C0C0C0"/>
+            </a:contourClr>
+          </a:sp3d>
+        </p:spPr>
+      </p:pic>
+    </p:spTree>
+    <p:extLst>
+      <p:ext uri="{BB962C8B-B14F-4D97-AF65-F5344CB8AC3E}">
+        <p14:creationId xmlns:p14="http://schemas.microsoft.com/office/powerpoint/2010/main" val="3065822116"/>
+      </p:ext>
+    </p:extLst>
+  </p:cSld>
+  <p:clrMapOvr>
+    <a:masterClrMapping/>
+  </p:clrMapOvr>
+</p:sld>
+</file>
+
+<file path=ppt/slides/slide8.xml><?xml version="1.0" encoding="utf-8"?>
+<p:sld xmlns:a="http://schemas.openxmlformats.org/drawingml/2006/main" xmlns:r="http://schemas.openxmlformats.org/officeDocument/2006/relationships" xmlns:p="http://schemas.openxmlformats.org/presentationml/2006/main">
+  <p:cSld>
+    <p:spTree>
+      <p:nvGrpSpPr>
+        <p:cNvPr id="1" name=""/>
+        <p:cNvGrpSpPr/>
+        <p:nvPr/>
+      </p:nvGrpSpPr>
+      <p:grpSpPr>
+        <a:xfrm>
+          <a:off x="0" y="0"/>
+          <a:ext cx="0" cy="0"/>
+          <a:chOff x="0" y="0"/>
+          <a:chExt cx="0" cy="0"/>
+        </a:xfrm>
+      </p:grpSpPr>
+      <p:sp>
+        <p:nvSpPr>
+          <p:cNvPr id="2" name="Titre 1"/>
+          <p:cNvSpPr>
+            <a:spLocks noGrp="1"/>
+          </p:cNvSpPr>
+          <p:nvPr>
+            <p:ph type="title"/>
+          </p:nvPr>
+        </p:nvSpPr>
+        <p:spPr/>
+        <p:txBody>
+          <a:bodyPr/>
+          <a:lstStyle/>
+          <a:p>
+            <a:r>
+              <a:rPr lang="fr-FR" dirty="0"/>
+              <a:t>Interface web 2</a:t>
+            </a:r>
+          </a:p>
+        </p:txBody>
+      </p:sp>
+      <p:pic>
+        <p:nvPicPr>
+          <p:cNvPr id="4" name="Espace réservé du contenu 3"/>
+          <p:cNvPicPr>
+            <a:picLocks noGrp="1" noChangeAspect="1"/>
+          </p:cNvPicPr>
+          <p:nvPr>
+            <p:ph idx="1"/>
+          </p:nvPr>
+        </p:nvPicPr>
+        <p:blipFill>
+          <a:blip r:embed="rId2"/>
+          <a:stretch>
+            <a:fillRect/>
+          </a:stretch>
+        </p:blipFill>
+        <p:spPr>
+          <a:xfrm>
+            <a:off x="3056470" y="1739153"/>
+            <a:ext cx="6075882" cy="4619228"/>
+          </a:xfrm>
+          <a:prstGeom prst="roundRect">
+            <a:avLst>
+              <a:gd name="adj" fmla="val 4167"/>
+            </a:avLst>
+          </a:prstGeom>
+          <a:solidFill>
+            <a:srgbClr val="FFFFFF"/>
+          </a:solidFill>
+          <a:ln w="76200" cap="sq">
+            <a:solidFill>
+              <a:srgbClr val="292929"/>
+            </a:solidFill>
+            <a:miter lim="800000"/>
+          </a:ln>
+          <a:effectLst>
+            <a:reflection blurRad="12700" stA="28000" endPos="28000" dist="5000" dir="5400000" sy="-100000" algn="bl" rotWithShape="0"/>
+          </a:effectLst>
+          <a:scene3d>
+            <a:camera prst="orthographicFront"/>
+            <a:lightRig rig="threePt" dir="t">
+              <a:rot lat="0" lon="0" rev="2700000"/>
+            </a:lightRig>
+          </a:scene3d>
+          <a:sp3d>
+            <a:bevelT h="38100"/>
+            <a:contourClr>
+              <a:srgbClr val="C0C0C0"/>
+            </a:contourClr>
+          </a:sp3d>
+        </p:spPr>
+      </p:pic>
+    </p:spTree>
+    <p:extLst>
+      <p:ext uri="{BB962C8B-B14F-4D97-AF65-F5344CB8AC3E}">
+        <p14:creationId xmlns:p14="http://schemas.microsoft.com/office/powerpoint/2010/main" val="905540446"/>
+      </p:ext>
+    </p:extLst>
+  </p:cSld>
+  <p:clrMapOvr>
+    <a:masterClrMapping/>
+  </p:clrMapOvr>
+</p:sld>
+</file>
+
+<file path=ppt/slides/slide9.xml><?xml version="1.0" encoding="utf-8"?>
+<p:sld xmlns:a="http://schemas.openxmlformats.org/drawingml/2006/main" xmlns:r="http://schemas.openxmlformats.org/officeDocument/2006/relationships" xmlns:p="http://schemas.openxmlformats.org/presentationml/2006/main">
+  <p:cSld>
+    <p:spTree>
+      <p:nvGrpSpPr>
+        <p:cNvPr id="1" name=""/>
+        <p:cNvGrpSpPr/>
+        <p:nvPr/>
+      </p:nvGrpSpPr>
+      <p:grpSpPr>
+        <a:xfrm>
+          <a:off x="0" y="0"/>
+          <a:ext cx="0" cy="0"/>
+          <a:chOff x="0" y="0"/>
+          <a:chExt cx="0" cy="0"/>
+        </a:xfrm>
+      </p:grpSpPr>
+      <p:sp>
+        <p:nvSpPr>
+          <p:cNvPr id="2" name="Titre 1"/>
+          <p:cNvSpPr>
+            <a:spLocks noGrp="1"/>
+          </p:cNvSpPr>
+          <p:nvPr>
+            <p:ph type="title"/>
+          </p:nvPr>
+        </p:nvSpPr>
+        <p:spPr/>
+        <p:txBody>
+          <a:bodyPr/>
+          <a:lstStyle/>
+          <a:p>
+            <a:r>
+              <a:rPr lang="fr-FR" dirty="0"/>
               <a:t>Communication </a:t>
             </a:r>
             <a:r>
-              <a:rPr lang="fr-FR" dirty="0" err="1" smtClean="0"/>
+              <a:rPr lang="fr-FR" dirty="0" err="1"/>
               <a:t>Waspmote</a:t>
             </a:r>
             <a:r>
-              <a:rPr lang="fr-FR" dirty="0" smtClean="0"/>
+              <a:rPr lang="fr-FR" dirty="0"/>
               <a:t> - Senseurs</a:t>
             </a:r>
-            <a:endParaRPr lang="fr-FR" dirty="0"/>
           </a:p>
         </p:txBody>
       </p:sp>
@@ -13536,10 +15327,9 @@
           <a:p>
             <a:pPr algn="ctr"/>
             <a:r>
-              <a:rPr lang="fr-FR" dirty="0" smtClean="0"/>
+              <a:rPr lang="fr-FR" dirty="0"/>
               <a:t>Envoi des données</a:t>
             </a:r>
-            <a:endParaRPr lang="fr-FR" dirty="0"/>
           </a:p>
         </p:txBody>
       </p:sp>
@@ -13616,11 +15406,11 @@
           <a:p>
             <a:pPr algn="ctr"/>
             <a:r>
-              <a:rPr lang="fr-FR" dirty="0" smtClean="0"/>
+              <a:rPr lang="fr-FR" dirty="0"/>
               <a:t>Réception par la </a:t>
             </a:r>
             <a:r>
-              <a:rPr lang="fr-FR" dirty="0" err="1" smtClean="0"/>
+              <a:rPr lang="fr-FR" dirty="0" err="1"/>
               <a:t>Waspmote</a:t>
             </a:r>
             <a:endParaRPr lang="fr-FR" dirty="0"/>
@@ -13667,7 +15457,7 @@
           <a:p>
             <a:pPr algn="ctr"/>
             <a:r>
-              <a:rPr lang="fr-FR" dirty="0" smtClean="0"/>
+              <a:rPr lang="fr-FR" dirty="0"/>
               <a:t>Ouvrir</a:t>
             </a:r>
           </a:p>
@@ -13713,7 +15503,7 @@
           <a:p>
             <a:pPr algn="ctr"/>
             <a:r>
-              <a:rPr lang="fr-FR" dirty="0" smtClean="0"/>
+              <a:rPr lang="fr-FR" dirty="0"/>
               <a:t>Fermer</a:t>
             </a:r>
           </a:p>
@@ -13759,10 +15549,9 @@
           <a:p>
             <a:pPr algn="ctr"/>
             <a:r>
-              <a:rPr lang="fr-FR" dirty="0" smtClean="0"/>
+              <a:rPr lang="fr-FR" dirty="0"/>
               <a:t>Comparaison des données reçues</a:t>
             </a:r>
-            <a:endParaRPr lang="fr-FR" dirty="0"/>
           </a:p>
         </p:txBody>
       </p:sp>
@@ -14226,1428 +16015,6 @@
       <p:bldP spid="14" grpId="0" animBg="1"/>
       <p:bldP spid="15" grpId="0" animBg="1"/>
     </p:bldLst>
-  </p:timing>
-</p:sld>
-</file>
-
-<file path=ppt/slides/slide6.xml><?xml version="1.0" encoding="utf-8"?>
-<p:sld xmlns:a="http://schemas.openxmlformats.org/drawingml/2006/main" xmlns:r="http://schemas.openxmlformats.org/officeDocument/2006/relationships" xmlns:p="http://schemas.openxmlformats.org/presentationml/2006/main">
-  <p:cSld>
-    <p:spTree>
-      <p:nvGrpSpPr>
-        <p:cNvPr id="1" name=""/>
-        <p:cNvGrpSpPr/>
-        <p:nvPr/>
-      </p:nvGrpSpPr>
-      <p:grpSpPr>
-        <a:xfrm>
-          <a:off x="0" y="0"/>
-          <a:ext cx="0" cy="0"/>
-          <a:chOff x="0" y="0"/>
-          <a:chExt cx="0" cy="0"/>
-        </a:xfrm>
-      </p:grpSpPr>
-      <p:sp>
-        <p:nvSpPr>
-          <p:cNvPr id="2" name="Titre 1"/>
-          <p:cNvSpPr>
-            <a:spLocks noGrp="1"/>
-          </p:cNvSpPr>
-          <p:nvPr>
-            <p:ph type="title"/>
-          </p:nvPr>
-        </p:nvSpPr>
-        <p:spPr/>
-        <p:txBody>
-          <a:bodyPr/>
-          <a:lstStyle/>
-          <a:p>
-            <a:r>
-              <a:rPr lang="fr-FR" dirty="0" smtClean="0"/>
-              <a:t>Communication </a:t>
-            </a:r>
-            <a:r>
-              <a:rPr lang="fr-FR" dirty="0" err="1" smtClean="0"/>
-              <a:t>Waspmote</a:t>
-            </a:r>
-            <a:r>
-              <a:rPr lang="fr-FR" dirty="0" smtClean="0"/>
-              <a:t> – Python</a:t>
-            </a:r>
-            <a:endParaRPr lang="fr-FR" dirty="0"/>
-          </a:p>
-        </p:txBody>
-      </p:sp>
-      <p:sp>
-        <p:nvSpPr>
-          <p:cNvPr id="7" name="Rectangle 6"/>
-          <p:cNvSpPr/>
-          <p:nvPr/>
-        </p:nvSpPr>
-        <p:spPr>
-          <a:xfrm>
-            <a:off x="1324293" y="2651760"/>
-            <a:ext cx="1773936" cy="1773936"/>
-          </a:xfrm>
-          <a:prstGeom prst="rect">
-            <a:avLst/>
-          </a:prstGeom>
-          <a:solidFill>
-            <a:srgbClr val="2E74B5"/>
-          </a:solidFill>
-        </p:spPr>
-        <p:style>
-          <a:lnRef idx="2">
-            <a:schemeClr val="accent1">
-              <a:shade val="50000"/>
-            </a:schemeClr>
-          </a:lnRef>
-          <a:fillRef idx="1">
-            <a:schemeClr val="accent1"/>
-          </a:fillRef>
-          <a:effectRef idx="0">
-            <a:schemeClr val="accent1"/>
-          </a:effectRef>
-          <a:fontRef idx="minor">
-            <a:schemeClr val="lt1"/>
-          </a:fontRef>
-        </p:style>
-        <p:txBody>
-          <a:bodyPr rtlCol="0" anchor="ctr"/>
-          <a:lstStyle/>
-          <a:p>
-            <a:pPr algn="ctr"/>
-            <a:r>
-              <a:rPr lang="fr-FR" dirty="0" smtClean="0"/>
-              <a:t>Envoi des données sur le port UART</a:t>
-            </a:r>
-            <a:endParaRPr lang="fr-FR" dirty="0"/>
-          </a:p>
-        </p:txBody>
-      </p:sp>
-      <p:cxnSp>
-        <p:nvCxnSpPr>
-          <p:cNvPr id="9" name="Connecteur droit avec flèche 8"/>
-          <p:cNvCxnSpPr/>
-          <p:nvPr/>
-        </p:nvCxnSpPr>
-        <p:spPr>
-          <a:xfrm>
-            <a:off x="3317684" y="3392424"/>
-            <a:ext cx="420624" cy="0"/>
-          </a:xfrm>
-          <a:prstGeom prst="straightConnector1">
-            <a:avLst/>
-          </a:prstGeom>
-          <a:ln>
-            <a:tailEnd type="triangle"/>
-          </a:ln>
-        </p:spPr>
-        <p:style>
-          <a:lnRef idx="1">
-            <a:schemeClr val="accent1"/>
-          </a:lnRef>
-          <a:fillRef idx="0">
-            <a:schemeClr val="accent1"/>
-          </a:fillRef>
-          <a:effectRef idx="0">
-            <a:schemeClr val="accent1"/>
-          </a:effectRef>
-          <a:fontRef idx="minor">
-            <a:schemeClr val="tx1"/>
-          </a:fontRef>
-        </p:style>
-      </p:cxnSp>
-      <p:sp>
-        <p:nvSpPr>
-          <p:cNvPr id="11" name="Rectangle 10"/>
-          <p:cNvSpPr/>
-          <p:nvPr/>
-        </p:nvSpPr>
-        <p:spPr>
-          <a:xfrm>
-            <a:off x="3957765" y="2651760"/>
-            <a:ext cx="1773936" cy="1773936"/>
-          </a:xfrm>
-          <a:prstGeom prst="rect">
-            <a:avLst/>
-          </a:prstGeom>
-          <a:solidFill>
-            <a:srgbClr val="2E74B5"/>
-          </a:solidFill>
-        </p:spPr>
-        <p:style>
-          <a:lnRef idx="2">
-            <a:schemeClr val="accent1">
-              <a:shade val="50000"/>
-            </a:schemeClr>
-          </a:lnRef>
-          <a:fillRef idx="1">
-            <a:schemeClr val="accent1"/>
-          </a:fillRef>
-          <a:effectRef idx="0">
-            <a:schemeClr val="accent1"/>
-          </a:effectRef>
-          <a:fontRef idx="minor">
-            <a:schemeClr val="lt1"/>
-          </a:fontRef>
-        </p:style>
-        <p:txBody>
-          <a:bodyPr rtlCol="0" anchor="ctr"/>
-          <a:lstStyle/>
-          <a:p>
-            <a:pPr algn="ctr"/>
-            <a:r>
-              <a:rPr lang="fr-FR" dirty="0" smtClean="0"/>
-              <a:t>Réception et envoi par le </a:t>
-            </a:r>
-            <a:r>
-              <a:rPr lang="fr-FR" dirty="0" err="1" smtClean="0"/>
-              <a:t>WiFly</a:t>
-            </a:r>
-            <a:endParaRPr lang="fr-FR" dirty="0"/>
-          </a:p>
-        </p:txBody>
-      </p:sp>
-      <p:sp>
-        <p:nvSpPr>
-          <p:cNvPr id="15" name="Rectangle 14"/>
-          <p:cNvSpPr/>
-          <p:nvPr/>
-        </p:nvSpPr>
-        <p:spPr>
-          <a:xfrm>
-            <a:off x="6591237" y="2651760"/>
-            <a:ext cx="1773936" cy="1773936"/>
-          </a:xfrm>
-          <a:prstGeom prst="rect">
-            <a:avLst/>
-          </a:prstGeom>
-          <a:solidFill>
-            <a:srgbClr val="2E74B5"/>
-          </a:solidFill>
-        </p:spPr>
-        <p:style>
-          <a:lnRef idx="2">
-            <a:schemeClr val="accent1">
-              <a:shade val="50000"/>
-            </a:schemeClr>
-          </a:lnRef>
-          <a:fillRef idx="1">
-            <a:schemeClr val="accent1"/>
-          </a:fillRef>
-          <a:effectRef idx="0">
-            <a:schemeClr val="accent1"/>
-          </a:effectRef>
-          <a:fontRef idx="minor">
-            <a:schemeClr val="lt1"/>
-          </a:fontRef>
-        </p:style>
-        <p:txBody>
-          <a:bodyPr rtlCol="0" anchor="ctr"/>
-          <a:lstStyle/>
-          <a:p>
-            <a:pPr algn="ctr"/>
-            <a:r>
-              <a:rPr lang="fr-FR" dirty="0" smtClean="0"/>
-              <a:t>Traitement des données par le code Python</a:t>
-            </a:r>
-            <a:endParaRPr lang="fr-FR" dirty="0"/>
-          </a:p>
-        </p:txBody>
-      </p:sp>
-      <p:cxnSp>
-        <p:nvCxnSpPr>
-          <p:cNvPr id="12" name="Connecteur droit avec flèche 11"/>
-          <p:cNvCxnSpPr/>
-          <p:nvPr/>
-        </p:nvCxnSpPr>
-        <p:spPr>
-          <a:xfrm rot="10800000">
-            <a:off x="3317684" y="3691128"/>
-            <a:ext cx="420624" cy="0"/>
-          </a:xfrm>
-          <a:prstGeom prst="straightConnector1">
-            <a:avLst/>
-          </a:prstGeom>
-          <a:ln>
-            <a:tailEnd type="triangle"/>
-          </a:ln>
-        </p:spPr>
-        <p:style>
-          <a:lnRef idx="1">
-            <a:schemeClr val="accent1"/>
-          </a:lnRef>
-          <a:fillRef idx="0">
-            <a:schemeClr val="accent1"/>
-          </a:fillRef>
-          <a:effectRef idx="0">
-            <a:schemeClr val="accent1"/>
-          </a:effectRef>
-          <a:fontRef idx="minor">
-            <a:schemeClr val="tx1"/>
-          </a:fontRef>
-        </p:style>
-      </p:cxnSp>
-      <p:cxnSp>
-        <p:nvCxnSpPr>
-          <p:cNvPr id="17" name="Connecteur droit avec flèche 16"/>
-          <p:cNvCxnSpPr/>
-          <p:nvPr/>
-        </p:nvCxnSpPr>
-        <p:spPr>
-          <a:xfrm>
-            <a:off x="5951156" y="3358896"/>
-            <a:ext cx="420624" cy="0"/>
-          </a:xfrm>
-          <a:prstGeom prst="straightConnector1">
-            <a:avLst/>
-          </a:prstGeom>
-          <a:ln>
-            <a:tailEnd type="triangle"/>
-          </a:ln>
-        </p:spPr>
-        <p:style>
-          <a:lnRef idx="1">
-            <a:schemeClr val="accent1"/>
-          </a:lnRef>
-          <a:fillRef idx="0">
-            <a:schemeClr val="accent1"/>
-          </a:fillRef>
-          <a:effectRef idx="0">
-            <a:schemeClr val="accent1"/>
-          </a:effectRef>
-          <a:fontRef idx="minor">
-            <a:schemeClr val="tx1"/>
-          </a:fontRef>
-        </p:style>
-      </p:cxnSp>
-      <p:cxnSp>
-        <p:nvCxnSpPr>
-          <p:cNvPr id="18" name="Connecteur droit avec flèche 17"/>
-          <p:cNvCxnSpPr/>
-          <p:nvPr/>
-        </p:nvCxnSpPr>
-        <p:spPr>
-          <a:xfrm rot="10800000">
-            <a:off x="5951156" y="3657600"/>
-            <a:ext cx="420624" cy="0"/>
-          </a:xfrm>
-          <a:prstGeom prst="straightConnector1">
-            <a:avLst/>
-          </a:prstGeom>
-          <a:ln>
-            <a:tailEnd type="triangle"/>
-          </a:ln>
-        </p:spPr>
-        <p:style>
-          <a:lnRef idx="1">
-            <a:schemeClr val="accent1"/>
-          </a:lnRef>
-          <a:fillRef idx="0">
-            <a:schemeClr val="accent1"/>
-          </a:fillRef>
-          <a:effectRef idx="0">
-            <a:schemeClr val="accent1"/>
-          </a:effectRef>
-          <a:fontRef idx="minor">
-            <a:schemeClr val="tx1"/>
-          </a:fontRef>
-        </p:style>
-      </p:cxnSp>
-      <p:cxnSp>
-        <p:nvCxnSpPr>
-          <p:cNvPr id="19" name="Connecteur droit avec flèche 18"/>
-          <p:cNvCxnSpPr/>
-          <p:nvPr/>
-        </p:nvCxnSpPr>
-        <p:spPr>
-          <a:xfrm>
-            <a:off x="8663876" y="3523488"/>
-            <a:ext cx="420624" cy="0"/>
-          </a:xfrm>
-          <a:prstGeom prst="straightConnector1">
-            <a:avLst/>
-          </a:prstGeom>
-          <a:ln>
-            <a:tailEnd type="triangle"/>
-          </a:ln>
-        </p:spPr>
-        <p:style>
-          <a:lnRef idx="1">
-            <a:schemeClr val="accent1"/>
-          </a:lnRef>
-          <a:fillRef idx="0">
-            <a:schemeClr val="accent1"/>
-          </a:fillRef>
-          <a:effectRef idx="0">
-            <a:schemeClr val="accent1"/>
-          </a:effectRef>
-          <a:fontRef idx="minor">
-            <a:schemeClr val="tx1"/>
-          </a:fontRef>
-        </p:style>
-      </p:cxnSp>
-      <p:sp>
-        <p:nvSpPr>
-          <p:cNvPr id="3" name="ZoneTexte 2"/>
-          <p:cNvSpPr txBox="1"/>
-          <p:nvPr/>
-        </p:nvSpPr>
-        <p:spPr>
-          <a:xfrm>
-            <a:off x="9206421" y="3227308"/>
-            <a:ext cx="603504" cy="461665"/>
-          </a:xfrm>
-          <a:prstGeom prst="rect">
-            <a:avLst/>
-          </a:prstGeom>
-          <a:noFill/>
-        </p:spPr>
-        <p:txBody>
-          <a:bodyPr wrap="square" rtlCol="0">
-            <a:spAutoFit/>
-          </a:bodyPr>
-          <a:lstStyle/>
-          <a:p>
-            <a:r>
-              <a:rPr lang="is-IS" sz="2400" dirty="0" smtClean="0"/>
-              <a:t>…</a:t>
-            </a:r>
-            <a:endParaRPr lang="fr-FR" sz="2400" dirty="0"/>
-          </a:p>
-        </p:txBody>
-      </p:sp>
-    </p:spTree>
-    <p:extLst>
-      <p:ext uri="{BB962C8B-B14F-4D97-AF65-F5344CB8AC3E}">
-        <p14:creationId xmlns:p14="http://schemas.microsoft.com/office/powerpoint/2010/main" val="1424337800"/>
-      </p:ext>
-    </p:extLst>
-  </p:cSld>
-  <p:clrMapOvr>
-    <a:masterClrMapping/>
-  </p:clrMapOvr>
-  <p:timing>
-    <p:tnLst>
-      <p:par>
-        <p:cTn id="1" dur="indefinite" restart="never" nodeType="tmRoot">
-          <p:childTnLst>
-            <p:seq concurrent="1" nextAc="seek">
-              <p:cTn id="2" dur="indefinite" nodeType="mainSeq">
-                <p:childTnLst>
-                  <p:par>
-                    <p:cTn id="3" fill="hold">
-                      <p:stCondLst>
-                        <p:cond delay="indefinite"/>
-                      </p:stCondLst>
-                      <p:childTnLst>
-                        <p:par>
-                          <p:cTn id="4" fill="hold">
-                            <p:stCondLst>
-                              <p:cond delay="0"/>
-                            </p:stCondLst>
-                            <p:childTnLst>
-                              <p:par>
-                                <p:cTn id="5" presetID="1" presetClass="entr" presetSubtype="0" fill="hold" grpId="0" nodeType="clickEffect">
-                                  <p:stCondLst>
-                                    <p:cond delay="0"/>
-                                  </p:stCondLst>
-                                  <p:childTnLst>
-                                    <p:set>
-                                      <p:cBhvr>
-                                        <p:cTn id="6" dur="1" fill="hold">
-                                          <p:stCondLst>
-                                            <p:cond delay="0"/>
-                                          </p:stCondLst>
-                                        </p:cTn>
-                                        <p:tgtEl>
-                                          <p:spTgt spid="7"/>
-                                        </p:tgtEl>
-                                        <p:attrNameLst>
-                                          <p:attrName>style.visibility</p:attrName>
-                                        </p:attrNameLst>
-                                      </p:cBhvr>
-                                      <p:to>
-                                        <p:strVal val="visible"/>
-                                      </p:to>
-                                    </p:set>
-                                  </p:childTnLst>
-                                </p:cTn>
-                              </p:par>
-                            </p:childTnLst>
-                          </p:cTn>
-                        </p:par>
-                      </p:childTnLst>
-                    </p:cTn>
-                  </p:par>
-                  <p:par>
-                    <p:cTn id="7" fill="hold">
-                      <p:stCondLst>
-                        <p:cond delay="indefinite"/>
-                      </p:stCondLst>
-                      <p:childTnLst>
-                        <p:par>
-                          <p:cTn id="8" fill="hold">
-                            <p:stCondLst>
-                              <p:cond delay="0"/>
-                            </p:stCondLst>
-                            <p:childTnLst>
-                              <p:par>
-                                <p:cTn id="9" presetID="1" presetClass="entr" presetSubtype="0" fill="hold" nodeType="clickEffect">
-                                  <p:stCondLst>
-                                    <p:cond delay="0"/>
-                                  </p:stCondLst>
-                                  <p:childTnLst>
-                                    <p:set>
-                                      <p:cBhvr>
-                                        <p:cTn id="10" dur="1" fill="hold">
-                                          <p:stCondLst>
-                                            <p:cond delay="0"/>
-                                          </p:stCondLst>
-                                        </p:cTn>
-                                        <p:tgtEl>
-                                          <p:spTgt spid="12"/>
-                                        </p:tgtEl>
-                                        <p:attrNameLst>
-                                          <p:attrName>style.visibility</p:attrName>
-                                        </p:attrNameLst>
-                                      </p:cBhvr>
-                                      <p:to>
-                                        <p:strVal val="visible"/>
-                                      </p:to>
-                                    </p:set>
-                                  </p:childTnLst>
-                                </p:cTn>
-                              </p:par>
-                              <p:par>
-                                <p:cTn id="11" presetID="1" presetClass="entr" presetSubtype="0" fill="hold" nodeType="withEffect">
-                                  <p:stCondLst>
-                                    <p:cond delay="0"/>
-                                  </p:stCondLst>
-                                  <p:childTnLst>
-                                    <p:set>
-                                      <p:cBhvr>
-                                        <p:cTn id="12" dur="1" fill="hold">
-                                          <p:stCondLst>
-                                            <p:cond delay="0"/>
-                                          </p:stCondLst>
-                                        </p:cTn>
-                                        <p:tgtEl>
-                                          <p:spTgt spid="9"/>
-                                        </p:tgtEl>
-                                        <p:attrNameLst>
-                                          <p:attrName>style.visibility</p:attrName>
-                                        </p:attrNameLst>
-                                      </p:cBhvr>
-                                      <p:to>
-                                        <p:strVal val="visible"/>
-                                      </p:to>
-                                    </p:set>
-                                  </p:childTnLst>
-                                </p:cTn>
-                              </p:par>
-                              <p:par>
-                                <p:cTn id="13" presetID="1" presetClass="entr" presetSubtype="0" fill="hold" grpId="0" nodeType="withEffect">
-                                  <p:stCondLst>
-                                    <p:cond delay="0"/>
-                                  </p:stCondLst>
-                                  <p:childTnLst>
-                                    <p:set>
-                                      <p:cBhvr>
-                                        <p:cTn id="14" dur="1" fill="hold">
-                                          <p:stCondLst>
-                                            <p:cond delay="0"/>
-                                          </p:stCondLst>
-                                        </p:cTn>
-                                        <p:tgtEl>
-                                          <p:spTgt spid="11"/>
-                                        </p:tgtEl>
-                                        <p:attrNameLst>
-                                          <p:attrName>style.visibility</p:attrName>
-                                        </p:attrNameLst>
-                                      </p:cBhvr>
-                                      <p:to>
-                                        <p:strVal val="visible"/>
-                                      </p:to>
-                                    </p:set>
-                                  </p:childTnLst>
-                                </p:cTn>
-                              </p:par>
-                            </p:childTnLst>
-                          </p:cTn>
-                        </p:par>
-                      </p:childTnLst>
-                    </p:cTn>
-                  </p:par>
-                  <p:par>
-                    <p:cTn id="15" fill="hold">
-                      <p:stCondLst>
-                        <p:cond delay="indefinite"/>
-                      </p:stCondLst>
-                      <p:childTnLst>
-                        <p:par>
-                          <p:cTn id="16" fill="hold">
-                            <p:stCondLst>
-                              <p:cond delay="0"/>
-                            </p:stCondLst>
-                            <p:childTnLst>
-                              <p:par>
-                                <p:cTn id="17" presetID="1" presetClass="entr" presetSubtype="0" fill="hold" nodeType="clickEffect">
-                                  <p:stCondLst>
-                                    <p:cond delay="0"/>
-                                  </p:stCondLst>
-                                  <p:childTnLst>
-                                    <p:set>
-                                      <p:cBhvr>
-                                        <p:cTn id="18" dur="1" fill="hold">
-                                          <p:stCondLst>
-                                            <p:cond delay="0"/>
-                                          </p:stCondLst>
-                                        </p:cTn>
-                                        <p:tgtEl>
-                                          <p:spTgt spid="17"/>
-                                        </p:tgtEl>
-                                        <p:attrNameLst>
-                                          <p:attrName>style.visibility</p:attrName>
-                                        </p:attrNameLst>
-                                      </p:cBhvr>
-                                      <p:to>
-                                        <p:strVal val="visible"/>
-                                      </p:to>
-                                    </p:set>
-                                  </p:childTnLst>
-                                </p:cTn>
-                              </p:par>
-                              <p:par>
-                                <p:cTn id="19" presetID="1" presetClass="entr" presetSubtype="0" fill="hold" nodeType="withEffect">
-                                  <p:stCondLst>
-                                    <p:cond delay="0"/>
-                                  </p:stCondLst>
-                                  <p:childTnLst>
-                                    <p:set>
-                                      <p:cBhvr>
-                                        <p:cTn id="20" dur="1" fill="hold">
-                                          <p:stCondLst>
-                                            <p:cond delay="0"/>
-                                          </p:stCondLst>
-                                        </p:cTn>
-                                        <p:tgtEl>
-                                          <p:spTgt spid="18"/>
-                                        </p:tgtEl>
-                                        <p:attrNameLst>
-                                          <p:attrName>style.visibility</p:attrName>
-                                        </p:attrNameLst>
-                                      </p:cBhvr>
-                                      <p:to>
-                                        <p:strVal val="visible"/>
-                                      </p:to>
-                                    </p:set>
-                                  </p:childTnLst>
-                                </p:cTn>
-                              </p:par>
-                              <p:par>
-                                <p:cTn id="21" presetID="1" presetClass="entr" presetSubtype="0" fill="hold" grpId="0" nodeType="withEffect">
-                                  <p:stCondLst>
-                                    <p:cond delay="0"/>
-                                  </p:stCondLst>
-                                  <p:childTnLst>
-                                    <p:set>
-                                      <p:cBhvr>
-                                        <p:cTn id="22" dur="1" fill="hold">
-                                          <p:stCondLst>
-                                            <p:cond delay="0"/>
-                                          </p:stCondLst>
-                                        </p:cTn>
-                                        <p:tgtEl>
-                                          <p:spTgt spid="15"/>
-                                        </p:tgtEl>
-                                        <p:attrNameLst>
-                                          <p:attrName>style.visibility</p:attrName>
-                                        </p:attrNameLst>
-                                      </p:cBhvr>
-                                      <p:to>
-                                        <p:strVal val="visible"/>
-                                      </p:to>
-                                    </p:set>
-                                  </p:childTnLst>
-                                </p:cTn>
-                              </p:par>
-                              <p:par>
-                                <p:cTn id="23" presetID="1" presetClass="entr" presetSubtype="0" fill="hold" nodeType="withEffect">
-                                  <p:stCondLst>
-                                    <p:cond delay="0"/>
-                                  </p:stCondLst>
-                                  <p:childTnLst>
-                                    <p:set>
-                                      <p:cBhvr>
-                                        <p:cTn id="24" dur="1" fill="hold">
-                                          <p:stCondLst>
-                                            <p:cond delay="0"/>
-                                          </p:stCondLst>
-                                        </p:cTn>
-                                        <p:tgtEl>
-                                          <p:spTgt spid="19"/>
-                                        </p:tgtEl>
-                                        <p:attrNameLst>
-                                          <p:attrName>style.visibility</p:attrName>
-                                        </p:attrNameLst>
-                                      </p:cBhvr>
-                                      <p:to>
-                                        <p:strVal val="visible"/>
-                                      </p:to>
-                                    </p:set>
-                                  </p:childTnLst>
-                                </p:cTn>
-                              </p:par>
-                              <p:par>
-                                <p:cTn id="25" presetID="1" presetClass="entr" presetSubtype="0" fill="hold" grpId="0" nodeType="withEffect">
-                                  <p:stCondLst>
-                                    <p:cond delay="0"/>
-                                  </p:stCondLst>
-                                  <p:childTnLst>
-                                    <p:set>
-                                      <p:cBhvr>
-                                        <p:cTn id="26" dur="1" fill="hold">
-                                          <p:stCondLst>
-                                            <p:cond delay="0"/>
-                                          </p:stCondLst>
-                                        </p:cTn>
-                                        <p:tgtEl>
-                                          <p:spTgt spid="3"/>
-                                        </p:tgtEl>
-                                        <p:attrNameLst>
-                                          <p:attrName>style.visibility</p:attrName>
-                                        </p:attrNameLst>
-                                      </p:cBhvr>
-                                      <p:to>
-                                        <p:strVal val="visible"/>
-                                      </p:to>
-                                    </p:set>
-                                  </p:childTnLst>
-                                </p:cTn>
-                              </p:par>
-                            </p:childTnLst>
-                          </p:cTn>
-                        </p:par>
-                      </p:childTnLst>
-                    </p:cTn>
-                  </p:par>
-                </p:childTnLst>
-              </p:cTn>
-              <p:prevCondLst>
-                <p:cond evt="onPrev" delay="0">
-                  <p:tgtEl>
-                    <p:sldTgt/>
-                  </p:tgtEl>
-                </p:cond>
-              </p:prevCondLst>
-              <p:nextCondLst>
-                <p:cond evt="onNext" delay="0">
-                  <p:tgtEl>
-                    <p:sldTgt/>
-                  </p:tgtEl>
-                </p:cond>
-              </p:nextCondLst>
-            </p:seq>
-          </p:childTnLst>
-        </p:cTn>
-      </p:par>
-    </p:tnLst>
-    <p:bldLst>
-      <p:bldP spid="7" grpId="0" animBg="1"/>
-      <p:bldP spid="11" grpId="0" animBg="1"/>
-      <p:bldP spid="15" grpId="0" animBg="1"/>
-      <p:bldP spid="3" grpId="0"/>
-    </p:bldLst>
-  </p:timing>
-</p:sld>
-</file>
-
-<file path=ppt/slides/slide7.xml><?xml version="1.0" encoding="utf-8"?>
-<p:sld xmlns:a="http://schemas.openxmlformats.org/drawingml/2006/main" xmlns:r="http://schemas.openxmlformats.org/officeDocument/2006/relationships" xmlns:p="http://schemas.openxmlformats.org/presentationml/2006/main">
-  <p:cSld>
-    <p:spTree>
-      <p:nvGrpSpPr>
-        <p:cNvPr id="1" name=""/>
-        <p:cNvGrpSpPr/>
-        <p:nvPr/>
-      </p:nvGrpSpPr>
-      <p:grpSpPr>
-        <a:xfrm>
-          <a:off x="0" y="0"/>
-          <a:ext cx="0" cy="0"/>
-          <a:chOff x="0" y="0"/>
-          <a:chExt cx="0" cy="0"/>
-        </a:xfrm>
-      </p:grpSpPr>
-      <p:sp>
-        <p:nvSpPr>
-          <p:cNvPr id="2" name="Titre 1"/>
-          <p:cNvSpPr>
-            <a:spLocks noGrp="1"/>
-          </p:cNvSpPr>
-          <p:nvPr>
-            <p:ph type="title"/>
-          </p:nvPr>
-        </p:nvSpPr>
-        <p:spPr/>
-        <p:txBody>
-          <a:bodyPr/>
-          <a:lstStyle/>
-          <a:p>
-            <a:r>
-              <a:rPr lang="fr-FR" dirty="0" smtClean="0"/>
-              <a:t>Communication PYTHON – Web</a:t>
-            </a:r>
-            <a:endParaRPr lang="fr-FR" dirty="0"/>
-          </a:p>
-        </p:txBody>
-      </p:sp>
-      <p:sp>
-        <p:nvSpPr>
-          <p:cNvPr id="7" name="Rectangle 6"/>
-          <p:cNvSpPr/>
-          <p:nvPr/>
-        </p:nvSpPr>
-        <p:spPr>
-          <a:xfrm>
-            <a:off x="5024564" y="2654808"/>
-            <a:ext cx="1773936" cy="1773936"/>
-          </a:xfrm>
-          <a:prstGeom prst="rect">
-            <a:avLst/>
-          </a:prstGeom>
-          <a:solidFill>
-            <a:srgbClr val="2E74B5"/>
-          </a:solidFill>
-        </p:spPr>
-        <p:style>
-          <a:lnRef idx="2">
-            <a:schemeClr val="accent1">
-              <a:shade val="50000"/>
-            </a:schemeClr>
-          </a:lnRef>
-          <a:fillRef idx="1">
-            <a:schemeClr val="accent1"/>
-          </a:fillRef>
-          <a:effectRef idx="0">
-            <a:schemeClr val="accent1"/>
-          </a:effectRef>
-          <a:fontRef idx="minor">
-            <a:schemeClr val="lt1"/>
-          </a:fontRef>
-        </p:style>
-        <p:txBody>
-          <a:bodyPr rtlCol="0" anchor="ctr"/>
-          <a:lstStyle/>
-          <a:p>
-            <a:pPr algn="ctr"/>
-            <a:r>
-              <a:rPr lang="fr-FR" dirty="0" smtClean="0"/>
-              <a:t>Écriture des données sur la base</a:t>
-            </a:r>
-            <a:endParaRPr lang="fr-FR" dirty="0"/>
-          </a:p>
-        </p:txBody>
-      </p:sp>
-      <p:cxnSp>
-        <p:nvCxnSpPr>
-          <p:cNvPr id="9" name="Connecteur droit avec flèche 8"/>
-          <p:cNvCxnSpPr/>
-          <p:nvPr/>
-        </p:nvCxnSpPr>
-        <p:spPr>
-          <a:xfrm>
-            <a:off x="7017955" y="3395472"/>
-            <a:ext cx="420624" cy="0"/>
-          </a:xfrm>
-          <a:prstGeom prst="straightConnector1">
-            <a:avLst/>
-          </a:prstGeom>
-          <a:ln>
-            <a:tailEnd type="triangle"/>
-          </a:ln>
-        </p:spPr>
-        <p:style>
-          <a:lnRef idx="1">
-            <a:schemeClr val="accent1"/>
-          </a:lnRef>
-          <a:fillRef idx="0">
-            <a:schemeClr val="accent1"/>
-          </a:fillRef>
-          <a:effectRef idx="0">
-            <a:schemeClr val="accent1"/>
-          </a:effectRef>
-          <a:fontRef idx="minor">
-            <a:schemeClr val="tx1"/>
-          </a:fontRef>
-        </p:style>
-      </p:cxnSp>
-      <p:sp>
-        <p:nvSpPr>
-          <p:cNvPr id="11" name="Rectangle 10"/>
-          <p:cNvSpPr/>
-          <p:nvPr/>
-        </p:nvSpPr>
-        <p:spPr>
-          <a:xfrm>
-            <a:off x="7658036" y="2654808"/>
-            <a:ext cx="1773936" cy="1773936"/>
-          </a:xfrm>
-          <a:prstGeom prst="rect">
-            <a:avLst/>
-          </a:prstGeom>
-          <a:solidFill>
-            <a:srgbClr val="2E74B5"/>
-          </a:solidFill>
-        </p:spPr>
-        <p:style>
-          <a:lnRef idx="2">
-            <a:schemeClr val="accent1">
-              <a:shade val="50000"/>
-            </a:schemeClr>
-          </a:lnRef>
-          <a:fillRef idx="1">
-            <a:schemeClr val="accent1"/>
-          </a:fillRef>
-          <a:effectRef idx="0">
-            <a:schemeClr val="accent1"/>
-          </a:effectRef>
-          <a:fontRef idx="minor">
-            <a:schemeClr val="lt1"/>
-          </a:fontRef>
-        </p:style>
-        <p:txBody>
-          <a:bodyPr rtlCol="0" anchor="ctr"/>
-          <a:lstStyle/>
-          <a:p>
-            <a:pPr algn="ctr"/>
-            <a:r>
-              <a:rPr lang="fr-FR" dirty="0" smtClean="0"/>
-              <a:t>Affichage sur une page web</a:t>
-            </a:r>
-            <a:endParaRPr lang="fr-FR" dirty="0"/>
-          </a:p>
-        </p:txBody>
-      </p:sp>
-      <p:sp>
-        <p:nvSpPr>
-          <p:cNvPr id="15" name="Rectangle 14"/>
-          <p:cNvSpPr/>
-          <p:nvPr/>
-        </p:nvSpPr>
-        <p:spPr>
-          <a:xfrm>
-            <a:off x="2360613" y="2654808"/>
-            <a:ext cx="1773936" cy="1773936"/>
-          </a:xfrm>
-          <a:prstGeom prst="rect">
-            <a:avLst/>
-          </a:prstGeom>
-          <a:solidFill>
-            <a:srgbClr val="2E74B5"/>
-          </a:solidFill>
-        </p:spPr>
-        <p:style>
-          <a:lnRef idx="2">
-            <a:schemeClr val="accent1">
-              <a:shade val="50000"/>
-            </a:schemeClr>
-          </a:lnRef>
-          <a:fillRef idx="1">
-            <a:schemeClr val="accent1"/>
-          </a:fillRef>
-          <a:effectRef idx="0">
-            <a:schemeClr val="accent1"/>
-          </a:effectRef>
-          <a:fontRef idx="minor">
-            <a:schemeClr val="lt1"/>
-          </a:fontRef>
-        </p:style>
-        <p:txBody>
-          <a:bodyPr rtlCol="0" anchor="ctr"/>
-          <a:lstStyle/>
-          <a:p>
-            <a:pPr algn="ctr"/>
-            <a:r>
-              <a:rPr lang="fr-FR" dirty="0" smtClean="0"/>
-              <a:t>Traitement des données par le code Python</a:t>
-            </a:r>
-            <a:endParaRPr lang="fr-FR" dirty="0"/>
-          </a:p>
-        </p:txBody>
-      </p:sp>
-      <p:cxnSp>
-        <p:nvCxnSpPr>
-          <p:cNvPr id="12" name="Connecteur droit avec flèche 11"/>
-          <p:cNvCxnSpPr/>
-          <p:nvPr/>
-        </p:nvCxnSpPr>
-        <p:spPr>
-          <a:xfrm rot="10800000">
-            <a:off x="7017955" y="3694176"/>
-            <a:ext cx="420624" cy="0"/>
-          </a:xfrm>
-          <a:prstGeom prst="straightConnector1">
-            <a:avLst/>
-          </a:prstGeom>
-          <a:ln>
-            <a:tailEnd type="triangle"/>
-          </a:ln>
-        </p:spPr>
-        <p:style>
-          <a:lnRef idx="1">
-            <a:schemeClr val="accent1"/>
-          </a:lnRef>
-          <a:fillRef idx="0">
-            <a:schemeClr val="accent1"/>
-          </a:fillRef>
-          <a:effectRef idx="0">
-            <a:schemeClr val="accent1"/>
-          </a:effectRef>
-          <a:fontRef idx="minor">
-            <a:schemeClr val="tx1"/>
-          </a:fontRef>
-        </p:style>
-      </p:cxnSp>
-      <p:cxnSp>
-        <p:nvCxnSpPr>
-          <p:cNvPr id="18" name="Connecteur droit avec flèche 17"/>
-          <p:cNvCxnSpPr/>
-          <p:nvPr/>
-        </p:nvCxnSpPr>
-        <p:spPr>
-          <a:xfrm rot="10800000">
-            <a:off x="1702244" y="3526536"/>
-            <a:ext cx="420624" cy="0"/>
-          </a:xfrm>
-          <a:prstGeom prst="straightConnector1">
-            <a:avLst/>
-          </a:prstGeom>
-          <a:ln>
-            <a:tailEnd type="triangle"/>
-          </a:ln>
-        </p:spPr>
-        <p:style>
-          <a:lnRef idx="1">
-            <a:schemeClr val="accent1"/>
-          </a:lnRef>
-          <a:fillRef idx="0">
-            <a:schemeClr val="accent1"/>
-          </a:fillRef>
-          <a:effectRef idx="0">
-            <a:schemeClr val="accent1"/>
-          </a:effectRef>
-          <a:fontRef idx="minor">
-            <a:schemeClr val="tx1"/>
-          </a:fontRef>
-        </p:style>
-      </p:cxnSp>
-      <p:sp>
-        <p:nvSpPr>
-          <p:cNvPr id="3" name="ZoneTexte 2"/>
-          <p:cNvSpPr txBox="1"/>
-          <p:nvPr/>
-        </p:nvSpPr>
-        <p:spPr>
-          <a:xfrm>
-            <a:off x="1141413" y="3213854"/>
-            <a:ext cx="603504" cy="461665"/>
-          </a:xfrm>
-          <a:prstGeom prst="rect">
-            <a:avLst/>
-          </a:prstGeom>
-          <a:noFill/>
-        </p:spPr>
-        <p:txBody>
-          <a:bodyPr wrap="square" rtlCol="0">
-            <a:spAutoFit/>
-          </a:bodyPr>
-          <a:lstStyle/>
-          <a:p>
-            <a:r>
-              <a:rPr lang="is-IS" sz="2400" dirty="0" smtClean="0"/>
-              <a:t>…</a:t>
-            </a:r>
-            <a:endParaRPr lang="fr-FR" sz="2400" dirty="0"/>
-          </a:p>
-        </p:txBody>
-      </p:sp>
-      <p:cxnSp>
-        <p:nvCxnSpPr>
-          <p:cNvPr id="13" name="Connecteur droit avec flèche 12"/>
-          <p:cNvCxnSpPr/>
-          <p:nvPr/>
-        </p:nvCxnSpPr>
-        <p:spPr>
-          <a:xfrm>
-            <a:off x="4408867" y="3328416"/>
-            <a:ext cx="420624" cy="0"/>
-          </a:xfrm>
-          <a:prstGeom prst="straightConnector1">
-            <a:avLst/>
-          </a:prstGeom>
-          <a:ln>
-            <a:tailEnd type="triangle"/>
-          </a:ln>
-        </p:spPr>
-        <p:style>
-          <a:lnRef idx="1">
-            <a:schemeClr val="accent1"/>
-          </a:lnRef>
-          <a:fillRef idx="0">
-            <a:schemeClr val="accent1"/>
-          </a:fillRef>
-          <a:effectRef idx="0">
-            <a:schemeClr val="accent1"/>
-          </a:effectRef>
-          <a:fontRef idx="minor">
-            <a:schemeClr val="tx1"/>
-          </a:fontRef>
-        </p:style>
-      </p:cxnSp>
-      <p:cxnSp>
-        <p:nvCxnSpPr>
-          <p:cNvPr id="14" name="Connecteur droit avec flèche 13"/>
-          <p:cNvCxnSpPr/>
-          <p:nvPr/>
-        </p:nvCxnSpPr>
-        <p:spPr>
-          <a:xfrm rot="10800000">
-            <a:off x="4408867" y="3627120"/>
-            <a:ext cx="420624" cy="0"/>
-          </a:xfrm>
-          <a:prstGeom prst="straightConnector1">
-            <a:avLst/>
-          </a:prstGeom>
-          <a:ln>
-            <a:tailEnd type="triangle"/>
-          </a:ln>
-        </p:spPr>
-        <p:style>
-          <a:lnRef idx="1">
-            <a:schemeClr val="accent1"/>
-          </a:lnRef>
-          <a:fillRef idx="0">
-            <a:schemeClr val="accent1"/>
-          </a:fillRef>
-          <a:effectRef idx="0">
-            <a:schemeClr val="accent1"/>
-          </a:effectRef>
-          <a:fontRef idx="minor">
-            <a:schemeClr val="tx1"/>
-          </a:fontRef>
-        </p:style>
-      </p:cxnSp>
-    </p:spTree>
-    <p:extLst>
-      <p:ext uri="{BB962C8B-B14F-4D97-AF65-F5344CB8AC3E}">
-        <p14:creationId xmlns:p14="http://schemas.microsoft.com/office/powerpoint/2010/main" val="1428236034"/>
-      </p:ext>
-    </p:extLst>
-  </p:cSld>
-  <p:clrMapOvr>
-    <a:masterClrMapping/>
-  </p:clrMapOvr>
-  <p:timing>
-    <p:tnLst>
-      <p:par>
-        <p:cTn id="1" dur="indefinite" restart="never" nodeType="tmRoot">
-          <p:childTnLst>
-            <p:seq concurrent="1" nextAc="seek">
-              <p:cTn id="2" dur="indefinite" nodeType="mainSeq">
-                <p:childTnLst>
-                  <p:par>
-                    <p:cTn id="3" fill="hold">
-                      <p:stCondLst>
-                        <p:cond delay="indefinite"/>
-                      </p:stCondLst>
-                      <p:childTnLst>
-                        <p:par>
-                          <p:cTn id="4" fill="hold">
-                            <p:stCondLst>
-                              <p:cond delay="0"/>
-                            </p:stCondLst>
-                            <p:childTnLst>
-                              <p:par>
-                                <p:cTn id="5" presetID="1" presetClass="entr" presetSubtype="0" fill="hold" nodeType="clickEffect">
-                                  <p:stCondLst>
-                                    <p:cond delay="0"/>
-                                  </p:stCondLst>
-                                  <p:childTnLst>
-                                    <p:set>
-                                      <p:cBhvr>
-                                        <p:cTn id="6" dur="1" fill="hold">
-                                          <p:stCondLst>
-                                            <p:cond delay="0"/>
-                                          </p:stCondLst>
-                                        </p:cTn>
-                                        <p:tgtEl>
-                                          <p:spTgt spid="13"/>
-                                        </p:tgtEl>
-                                        <p:attrNameLst>
-                                          <p:attrName>style.visibility</p:attrName>
-                                        </p:attrNameLst>
-                                      </p:cBhvr>
-                                      <p:to>
-                                        <p:strVal val="visible"/>
-                                      </p:to>
-                                    </p:set>
-                                  </p:childTnLst>
-                                </p:cTn>
-                              </p:par>
-                              <p:par>
-                                <p:cTn id="7" presetID="1" presetClass="entr" presetSubtype="0" fill="hold" nodeType="withEffect">
-                                  <p:stCondLst>
-                                    <p:cond delay="0"/>
-                                  </p:stCondLst>
-                                  <p:childTnLst>
-                                    <p:set>
-                                      <p:cBhvr>
-                                        <p:cTn id="8" dur="1" fill="hold">
-                                          <p:stCondLst>
-                                            <p:cond delay="0"/>
-                                          </p:stCondLst>
-                                        </p:cTn>
-                                        <p:tgtEl>
-                                          <p:spTgt spid="14"/>
-                                        </p:tgtEl>
-                                        <p:attrNameLst>
-                                          <p:attrName>style.visibility</p:attrName>
-                                        </p:attrNameLst>
-                                      </p:cBhvr>
-                                      <p:to>
-                                        <p:strVal val="visible"/>
-                                      </p:to>
-                                    </p:set>
-                                  </p:childTnLst>
-                                </p:cTn>
-                              </p:par>
-                              <p:par>
-                                <p:cTn id="9" presetID="1" presetClass="entr" presetSubtype="0" fill="hold" grpId="0" nodeType="withEffect">
-                                  <p:stCondLst>
-                                    <p:cond delay="0"/>
-                                  </p:stCondLst>
-                                  <p:childTnLst>
-                                    <p:set>
-                                      <p:cBhvr>
-                                        <p:cTn id="10" dur="1" fill="hold">
-                                          <p:stCondLst>
-                                            <p:cond delay="0"/>
-                                          </p:stCondLst>
-                                        </p:cTn>
-                                        <p:tgtEl>
-                                          <p:spTgt spid="7"/>
-                                        </p:tgtEl>
-                                        <p:attrNameLst>
-                                          <p:attrName>style.visibility</p:attrName>
-                                        </p:attrNameLst>
-                                      </p:cBhvr>
-                                      <p:to>
-                                        <p:strVal val="visible"/>
-                                      </p:to>
-                                    </p:set>
-                                  </p:childTnLst>
-                                </p:cTn>
-                              </p:par>
-                            </p:childTnLst>
-                          </p:cTn>
-                        </p:par>
-                      </p:childTnLst>
-                    </p:cTn>
-                  </p:par>
-                  <p:par>
-                    <p:cTn id="11" fill="hold">
-                      <p:stCondLst>
-                        <p:cond delay="indefinite"/>
-                      </p:stCondLst>
-                      <p:childTnLst>
-                        <p:par>
-                          <p:cTn id="12" fill="hold">
-                            <p:stCondLst>
-                              <p:cond delay="0"/>
-                            </p:stCondLst>
-                            <p:childTnLst>
-                              <p:par>
-                                <p:cTn id="13" presetID="1" presetClass="entr" presetSubtype="0" fill="hold" nodeType="clickEffect">
-                                  <p:stCondLst>
-                                    <p:cond delay="0"/>
-                                  </p:stCondLst>
-                                  <p:childTnLst>
-                                    <p:set>
-                                      <p:cBhvr>
-                                        <p:cTn id="14" dur="1" fill="hold">
-                                          <p:stCondLst>
-                                            <p:cond delay="0"/>
-                                          </p:stCondLst>
-                                        </p:cTn>
-                                        <p:tgtEl>
-                                          <p:spTgt spid="12"/>
-                                        </p:tgtEl>
-                                        <p:attrNameLst>
-                                          <p:attrName>style.visibility</p:attrName>
-                                        </p:attrNameLst>
-                                      </p:cBhvr>
-                                      <p:to>
-                                        <p:strVal val="visible"/>
-                                      </p:to>
-                                    </p:set>
-                                  </p:childTnLst>
-                                </p:cTn>
-                              </p:par>
-                              <p:par>
-                                <p:cTn id="15" presetID="1" presetClass="entr" presetSubtype="0" fill="hold" nodeType="withEffect">
-                                  <p:stCondLst>
-                                    <p:cond delay="0"/>
-                                  </p:stCondLst>
-                                  <p:childTnLst>
-                                    <p:set>
-                                      <p:cBhvr>
-                                        <p:cTn id="16" dur="1" fill="hold">
-                                          <p:stCondLst>
-                                            <p:cond delay="0"/>
-                                          </p:stCondLst>
-                                        </p:cTn>
-                                        <p:tgtEl>
-                                          <p:spTgt spid="9"/>
-                                        </p:tgtEl>
-                                        <p:attrNameLst>
-                                          <p:attrName>style.visibility</p:attrName>
-                                        </p:attrNameLst>
-                                      </p:cBhvr>
-                                      <p:to>
-                                        <p:strVal val="visible"/>
-                                      </p:to>
-                                    </p:set>
-                                  </p:childTnLst>
-                                </p:cTn>
-                              </p:par>
-                              <p:par>
-                                <p:cTn id="17" presetID="1" presetClass="entr" presetSubtype="0" fill="hold" grpId="0" nodeType="withEffect">
-                                  <p:stCondLst>
-                                    <p:cond delay="0"/>
-                                  </p:stCondLst>
-                                  <p:childTnLst>
-                                    <p:set>
-                                      <p:cBhvr>
-                                        <p:cTn id="18" dur="1" fill="hold">
-                                          <p:stCondLst>
-                                            <p:cond delay="0"/>
-                                          </p:stCondLst>
-                                        </p:cTn>
-                                        <p:tgtEl>
-                                          <p:spTgt spid="11"/>
-                                        </p:tgtEl>
-                                        <p:attrNameLst>
-                                          <p:attrName>style.visibility</p:attrName>
-                                        </p:attrNameLst>
-                                      </p:cBhvr>
-                                      <p:to>
-                                        <p:strVal val="visible"/>
-                                      </p:to>
-                                    </p:set>
-                                  </p:childTnLst>
-                                </p:cTn>
-                              </p:par>
-                            </p:childTnLst>
-                          </p:cTn>
-                        </p:par>
-                      </p:childTnLst>
-                    </p:cTn>
-                  </p:par>
-                </p:childTnLst>
-              </p:cTn>
-              <p:prevCondLst>
-                <p:cond evt="onPrev" delay="0">
-                  <p:tgtEl>
-                    <p:sldTgt/>
-                  </p:tgtEl>
-                </p:cond>
-              </p:prevCondLst>
-              <p:nextCondLst>
-                <p:cond evt="onNext" delay="0">
-                  <p:tgtEl>
-                    <p:sldTgt/>
-                  </p:tgtEl>
-                </p:cond>
-              </p:nextCondLst>
-            </p:seq>
-          </p:childTnLst>
-        </p:cTn>
-      </p:par>
-    </p:tnLst>
-    <p:bldLst>
-      <p:bldP spid="7" grpId="0" animBg="1"/>
-      <p:bldP spid="11" grpId="0" animBg="1"/>
-    </p:bldLst>
-  </p:timing>
-</p:sld>
-</file>
-
-<file path=ppt/slides/slide8.xml><?xml version="1.0" encoding="utf-8"?>
-<p:sld xmlns:a="http://schemas.openxmlformats.org/drawingml/2006/main" xmlns:r="http://schemas.openxmlformats.org/officeDocument/2006/relationships" xmlns:p="http://schemas.openxmlformats.org/presentationml/2006/main">
-  <p:cSld>
-    <p:spTree>
-      <p:nvGrpSpPr>
-        <p:cNvPr id="1" name=""/>
-        <p:cNvGrpSpPr/>
-        <p:nvPr/>
-      </p:nvGrpSpPr>
-      <p:grpSpPr>
-        <a:xfrm>
-          <a:off x="0" y="0"/>
-          <a:ext cx="0" cy="0"/>
-          <a:chOff x="0" y="0"/>
-          <a:chExt cx="0" cy="0"/>
-        </a:xfrm>
-      </p:grpSpPr>
-      <p:sp>
-        <p:nvSpPr>
-          <p:cNvPr id="2" name="Titre 1"/>
-          <p:cNvSpPr>
-            <a:spLocks noGrp="1"/>
-          </p:cNvSpPr>
-          <p:nvPr>
-            <p:ph type="title"/>
-          </p:nvPr>
-        </p:nvSpPr>
-        <p:spPr>
-          <a:xfrm>
-            <a:off x="3571789" y="2411441"/>
-            <a:ext cx="4747323" cy="1877669"/>
-          </a:xfrm>
-        </p:spPr>
-        <p:txBody>
-          <a:bodyPr>
-            <a:normAutofit/>
-          </a:bodyPr>
-          <a:lstStyle/>
-          <a:p>
-            <a:r>
-              <a:rPr lang="fr-FR" sz="6000" dirty="0" smtClean="0"/>
-              <a:t>Questions ?</a:t>
-            </a:r>
-            <a:endParaRPr lang="fr-FR" sz="6000" dirty="0"/>
-          </a:p>
-        </p:txBody>
-      </p:sp>
-    </p:spTree>
-    <p:extLst>
-      <p:ext uri="{BB962C8B-B14F-4D97-AF65-F5344CB8AC3E}">
-        <p14:creationId xmlns:p14="http://schemas.microsoft.com/office/powerpoint/2010/main" val="1102658398"/>
-      </p:ext>
-    </p:extLst>
-  </p:cSld>
-  <p:clrMapOvr>
-    <a:masterClrMapping/>
-  </p:clrMapOvr>
-  <p:timing>
-    <p:tnLst>
-      <p:par>
-        <p:cTn id="1" dur="indefinite" restart="never" nodeType="tmRoot"/>
-      </p:par>
-    </p:tnLst>
   </p:timing>
 </p:sld>
 </file>
